--- a/src/home/home_work.pptx
+++ b/src/home/home_work.pptx
@@ -11,8 +11,14 @@
     <p:sldId id="263" r:id="rId5"/>
     <p:sldId id="264" r:id="rId6"/>
     <p:sldId id="265" r:id="rId7"/>
-    <p:sldId id="260" r:id="rId8"/>
-    <p:sldId id="261" r:id="rId9"/>
+    <p:sldId id="266" r:id="rId8"/>
+    <p:sldId id="267" r:id="rId9"/>
+    <p:sldId id="268" r:id="rId10"/>
+    <p:sldId id="270" r:id="rId11"/>
+    <p:sldId id="271" r:id="rId12"/>
+    <p:sldId id="269" r:id="rId13"/>
+    <p:sldId id="260" r:id="rId14"/>
+    <p:sldId id="261" r:id="rId15"/>
   </p:sldIdLst>
   <p:sldSz cx="9144000" cy="6858000" type="screen4x3"/>
   <p:notesSz cx="6858000" cy="9144000"/>
@@ -3178,6 +3184,1046 @@
       </p:par>
     </p:tnLst>
   </p:timing>
+</p:sld>
+</file>
+
+<file path=ppt/slides/slide10.xml><?xml version="1.0" encoding="utf-8"?>
+<p:sld xmlns:a="http://schemas.openxmlformats.org/drawingml/2006/main" xmlns:r="http://schemas.openxmlformats.org/officeDocument/2006/relationships" xmlns:p="http://schemas.openxmlformats.org/presentationml/2006/main">
+  <p:cSld>
+    <p:spTree>
+      <p:nvGrpSpPr>
+        <p:cNvPr id="1" name=""/>
+        <p:cNvGrpSpPr/>
+        <p:nvPr/>
+      </p:nvGrpSpPr>
+      <p:grpSpPr>
+        <a:xfrm>
+          <a:off x="0" y="0"/>
+          <a:ext cx="0" cy="0"/>
+          <a:chOff x="0" y="0"/>
+          <a:chExt cx="0" cy="0"/>
+        </a:xfrm>
+      </p:grpSpPr>
+      <p:sp>
+        <p:nvSpPr>
+          <p:cNvPr id="8" name="TextBox 7"/>
+          <p:cNvSpPr txBox="1"/>
+          <p:nvPr/>
+        </p:nvSpPr>
+        <p:spPr>
+          <a:xfrm>
+            <a:off x="1475656" y="263347"/>
+            <a:ext cx="7416824" cy="646331"/>
+          </a:xfrm>
+          <a:prstGeom prst="rect">
+            <a:avLst/>
+          </a:prstGeom>
+          <a:solidFill>
+            <a:schemeClr val="tx2">
+              <a:lumMod val="40000"/>
+              <a:lumOff val="60000"/>
+            </a:schemeClr>
+          </a:solidFill>
+          <a:ln>
+            <a:noFill/>
+          </a:ln>
+        </p:spPr>
+        <p:txBody>
+          <a:bodyPr wrap="square" rtlCol="0">
+            <a:spAutoFit/>
+          </a:bodyPr>
+          <a:lstStyle/>
+          <a:p>
+            <a:pPr algn="ctr"/>
+            <a:endParaRPr lang="ru-RU" sz="3600" b="1" dirty="0">
+              <a:solidFill>
+                <a:schemeClr val="bg1"/>
+              </a:solidFill>
+            </a:endParaRPr>
+          </a:p>
+        </p:txBody>
+      </p:sp>
+      <p:sp>
+        <p:nvSpPr>
+          <p:cNvPr id="4" name="TextBox 3"/>
+          <p:cNvSpPr txBox="1"/>
+          <p:nvPr/>
+        </p:nvSpPr>
+        <p:spPr>
+          <a:xfrm>
+            <a:off x="296294" y="260648"/>
+            <a:ext cx="3682739" cy="646331"/>
+          </a:xfrm>
+          <a:prstGeom prst="rect">
+            <a:avLst/>
+          </a:prstGeom>
+          <a:solidFill>
+            <a:srgbClr val="0070C0"/>
+          </a:solidFill>
+          <a:ln>
+            <a:noFill/>
+          </a:ln>
+        </p:spPr>
+        <p:txBody>
+          <a:bodyPr wrap="none" rtlCol="0">
+            <a:spAutoFit/>
+          </a:bodyPr>
+          <a:lstStyle/>
+          <a:p>
+            <a:r>
+              <a:rPr lang="ru-RU" sz="3600" b="1" dirty="0" smtClean="0">
+                <a:solidFill>
+                  <a:schemeClr val="bg1"/>
+                </a:solidFill>
+              </a:rPr>
+              <a:t>Задача</a:t>
+            </a:r>
+            <a:r>
+              <a:rPr lang="en-US" sz="3600" b="1" dirty="0" smtClean="0">
+                <a:solidFill>
+                  <a:schemeClr val="bg1"/>
+                </a:solidFill>
+              </a:rPr>
+              <a:t> </a:t>
+            </a:r>
+            <a:r>
+              <a:rPr lang="ru-RU" sz="3600" b="1" dirty="0" smtClean="0">
+                <a:solidFill>
+                  <a:schemeClr val="bg1"/>
+                </a:solidFill>
+              </a:rPr>
+              <a:t>на дом 3*</a:t>
+            </a:r>
+            <a:endParaRPr lang="ru-RU" sz="3600" b="1" dirty="0">
+              <a:solidFill>
+                <a:schemeClr val="bg1"/>
+              </a:solidFill>
+            </a:endParaRPr>
+          </a:p>
+        </p:txBody>
+      </p:sp>
+      <p:sp>
+        <p:nvSpPr>
+          <p:cNvPr id="6" name="TextBox 5"/>
+          <p:cNvSpPr txBox="1"/>
+          <p:nvPr/>
+        </p:nvSpPr>
+        <p:spPr>
+          <a:xfrm>
+            <a:off x="296293" y="1354220"/>
+            <a:ext cx="8463146" cy="5078313"/>
+          </a:xfrm>
+          <a:prstGeom prst="rect">
+            <a:avLst/>
+          </a:prstGeom>
+          <a:noFill/>
+        </p:spPr>
+        <p:txBody>
+          <a:bodyPr wrap="square" rtlCol="0">
+            <a:spAutoFit/>
+          </a:bodyPr>
+          <a:lstStyle/>
+          <a:p>
+            <a:pPr marL="457200" indent="-457200">
+              <a:spcAft>
+                <a:spcPts val="1200"/>
+              </a:spcAft>
+              <a:buClr>
+                <a:srgbClr val="0070C0"/>
+              </a:buClr>
+              <a:buFont typeface="Arial" pitchFamily="34" charset="0"/>
+              <a:buChar char="•"/>
+            </a:pPr>
+            <a:r>
+              <a:rPr lang="ru-RU" sz="2400" dirty="0" smtClean="0"/>
+              <a:t>Программа просит ввести пользователя свой возраст от 1 до 112 включительно, после чего выводит сообщение </a:t>
+            </a:r>
+            <a:br>
+              <a:rPr lang="ru-RU" sz="2400" dirty="0" smtClean="0"/>
+            </a:br>
+            <a:r>
+              <a:rPr lang="ru-RU" sz="2400" dirty="0" smtClean="0"/>
+              <a:t>«Вам </a:t>
+            </a:r>
+            <a:r>
+              <a:rPr lang="en-US" sz="2400" dirty="0" smtClean="0"/>
+              <a:t>x </a:t>
+            </a:r>
+            <a:r>
+              <a:rPr lang="ru-RU" sz="2400" dirty="0" smtClean="0"/>
+              <a:t>лет»</a:t>
+            </a:r>
+          </a:p>
+          <a:p>
+            <a:pPr marL="457200" indent="-457200">
+              <a:spcAft>
+                <a:spcPts val="1200"/>
+              </a:spcAft>
+              <a:buClr>
+                <a:srgbClr val="0070C0"/>
+              </a:buClr>
+              <a:buFont typeface="Arial" pitchFamily="34" charset="0"/>
+              <a:buChar char="•"/>
+            </a:pPr>
+            <a:r>
+              <a:rPr lang="ru-RU" sz="2400" dirty="0" smtClean="0"/>
+              <a:t>При этом учесть, что для разных чисел разные склонения</a:t>
+            </a:r>
+          </a:p>
+          <a:p>
+            <a:pPr marL="457200" indent="-457200">
+              <a:spcAft>
+                <a:spcPts val="1200"/>
+              </a:spcAft>
+              <a:buClr>
+                <a:srgbClr val="0070C0"/>
+              </a:buClr>
+              <a:buFont typeface="Arial" pitchFamily="34" charset="0"/>
+              <a:buChar char="•"/>
+            </a:pPr>
+            <a:r>
+              <a:rPr lang="ru-RU" sz="2400" dirty="0" smtClean="0"/>
+              <a:t>Например, «3 года», «99 лет» и т.д.</a:t>
+            </a:r>
+          </a:p>
+          <a:p>
+            <a:pPr marL="457200" indent="-457200">
+              <a:spcAft>
+                <a:spcPts val="1200"/>
+              </a:spcAft>
+              <a:buClr>
+                <a:srgbClr val="0070C0"/>
+              </a:buClr>
+              <a:buFont typeface="Arial" pitchFamily="34" charset="0"/>
+              <a:buChar char="•"/>
+            </a:pPr>
+            <a:endParaRPr lang="ru-RU" sz="2400" dirty="0" smtClean="0"/>
+          </a:p>
+          <a:p>
+            <a:pPr marL="457200" indent="-457200">
+              <a:spcAft>
+                <a:spcPts val="1200"/>
+              </a:spcAft>
+              <a:buClr>
+                <a:srgbClr val="0070C0"/>
+              </a:buClr>
+              <a:buFont typeface="Arial" pitchFamily="34" charset="0"/>
+              <a:buChar char="•"/>
+            </a:pPr>
+            <a:r>
+              <a:rPr lang="ru-RU" sz="2400" dirty="0" smtClean="0"/>
+              <a:t>Если введут слишком малое или слишком большое число, то выведите, что «Вы слишком малы» или стары</a:t>
+            </a:r>
+          </a:p>
+          <a:p>
+            <a:pPr marL="457200" indent="-457200">
+              <a:spcAft>
+                <a:spcPts val="1200"/>
+              </a:spcAft>
+              <a:buClr>
+                <a:srgbClr val="0070C0"/>
+              </a:buClr>
+              <a:buFont typeface="Arial" pitchFamily="34" charset="0"/>
+              <a:buChar char="•"/>
+            </a:pPr>
+            <a:endParaRPr lang="ru-RU" sz="2400" dirty="0"/>
+          </a:p>
+          <a:p>
+            <a:pPr marL="457200" indent="-457200">
+              <a:spcAft>
+                <a:spcPts val="1200"/>
+              </a:spcAft>
+              <a:buClr>
+                <a:srgbClr val="0070C0"/>
+              </a:buClr>
+              <a:buFont typeface="Arial" pitchFamily="34" charset="0"/>
+              <a:buChar char="•"/>
+            </a:pPr>
+            <a:r>
+              <a:rPr lang="ru-RU" sz="2400" dirty="0" smtClean="0"/>
+              <a:t>Старайтесь использовать логические связки, если это возможно</a:t>
+            </a:r>
+            <a:endParaRPr lang="ru-RU" sz="2400" dirty="0"/>
+          </a:p>
+        </p:txBody>
+      </p:sp>
+    </p:spTree>
+    <p:extLst>
+      <p:ext uri="{BB962C8B-B14F-4D97-AF65-F5344CB8AC3E}">
+        <p14:creationId xmlns:p14="http://schemas.microsoft.com/office/powerpoint/2010/main" val="3953362922"/>
+      </p:ext>
+    </p:extLst>
+  </p:cSld>
+  <p:clrMapOvr>
+    <a:masterClrMapping/>
+  </p:clrMapOvr>
+  <p:timing>
+    <p:tnLst>
+      <p:par>
+        <p:cTn id="1" dur="indefinite" restart="never" nodeType="tmRoot"/>
+      </p:par>
+    </p:tnLst>
+  </p:timing>
+</p:sld>
+</file>
+
+<file path=ppt/slides/slide11.xml><?xml version="1.0" encoding="utf-8"?>
+<p:sld xmlns:a="http://schemas.openxmlformats.org/drawingml/2006/main" xmlns:r="http://schemas.openxmlformats.org/officeDocument/2006/relationships" xmlns:p="http://schemas.openxmlformats.org/presentationml/2006/main">
+  <p:cSld>
+    <p:spTree>
+      <p:nvGrpSpPr>
+        <p:cNvPr id="1" name=""/>
+        <p:cNvGrpSpPr/>
+        <p:nvPr/>
+      </p:nvGrpSpPr>
+      <p:grpSpPr>
+        <a:xfrm>
+          <a:off x="0" y="0"/>
+          <a:ext cx="0" cy="0"/>
+          <a:chOff x="0" y="0"/>
+          <a:chExt cx="0" cy="0"/>
+        </a:xfrm>
+      </p:grpSpPr>
+      <p:sp>
+        <p:nvSpPr>
+          <p:cNvPr id="8" name="TextBox 7"/>
+          <p:cNvSpPr txBox="1"/>
+          <p:nvPr/>
+        </p:nvSpPr>
+        <p:spPr>
+          <a:xfrm>
+            <a:off x="1475656" y="263347"/>
+            <a:ext cx="7416824" cy="646331"/>
+          </a:xfrm>
+          <a:prstGeom prst="rect">
+            <a:avLst/>
+          </a:prstGeom>
+          <a:solidFill>
+            <a:schemeClr val="tx2">
+              <a:lumMod val="40000"/>
+              <a:lumOff val="60000"/>
+            </a:schemeClr>
+          </a:solidFill>
+          <a:ln>
+            <a:noFill/>
+          </a:ln>
+        </p:spPr>
+        <p:txBody>
+          <a:bodyPr wrap="square" rtlCol="0">
+            <a:spAutoFit/>
+          </a:bodyPr>
+          <a:lstStyle/>
+          <a:p>
+            <a:pPr algn="ctr"/>
+            <a:endParaRPr lang="ru-RU" sz="3600" b="1" dirty="0">
+              <a:solidFill>
+                <a:schemeClr val="bg1"/>
+              </a:solidFill>
+            </a:endParaRPr>
+          </a:p>
+        </p:txBody>
+      </p:sp>
+      <p:sp>
+        <p:nvSpPr>
+          <p:cNvPr id="4" name="TextBox 3"/>
+          <p:cNvSpPr txBox="1"/>
+          <p:nvPr/>
+        </p:nvSpPr>
+        <p:spPr>
+          <a:xfrm>
+            <a:off x="296294" y="260648"/>
+            <a:ext cx="3682739" cy="646331"/>
+          </a:xfrm>
+          <a:prstGeom prst="rect">
+            <a:avLst/>
+          </a:prstGeom>
+          <a:solidFill>
+            <a:srgbClr val="0070C0"/>
+          </a:solidFill>
+          <a:ln>
+            <a:noFill/>
+          </a:ln>
+        </p:spPr>
+        <p:txBody>
+          <a:bodyPr wrap="none" rtlCol="0">
+            <a:spAutoFit/>
+          </a:bodyPr>
+          <a:lstStyle/>
+          <a:p>
+            <a:r>
+              <a:rPr lang="ru-RU" sz="3600" b="1" dirty="0" smtClean="0">
+                <a:solidFill>
+                  <a:schemeClr val="bg1"/>
+                </a:solidFill>
+              </a:rPr>
+              <a:t>Задача</a:t>
+            </a:r>
+            <a:r>
+              <a:rPr lang="en-US" sz="3600" b="1" dirty="0" smtClean="0">
+                <a:solidFill>
+                  <a:schemeClr val="bg1"/>
+                </a:solidFill>
+              </a:rPr>
+              <a:t> </a:t>
+            </a:r>
+            <a:r>
+              <a:rPr lang="ru-RU" sz="3600" b="1" dirty="0" smtClean="0">
+                <a:solidFill>
+                  <a:schemeClr val="bg1"/>
+                </a:solidFill>
+              </a:rPr>
+              <a:t>на дом 4*</a:t>
+            </a:r>
+            <a:endParaRPr lang="ru-RU" sz="3600" b="1" dirty="0">
+              <a:solidFill>
+                <a:schemeClr val="bg1"/>
+              </a:solidFill>
+            </a:endParaRPr>
+          </a:p>
+        </p:txBody>
+      </p:sp>
+      <p:sp>
+        <p:nvSpPr>
+          <p:cNvPr id="6" name="TextBox 5"/>
+          <p:cNvSpPr txBox="1"/>
+          <p:nvPr/>
+        </p:nvSpPr>
+        <p:spPr>
+          <a:xfrm>
+            <a:off x="296293" y="1354220"/>
+            <a:ext cx="8463146" cy="2246769"/>
+          </a:xfrm>
+          <a:prstGeom prst="rect">
+            <a:avLst/>
+          </a:prstGeom>
+          <a:noFill/>
+        </p:spPr>
+        <p:txBody>
+          <a:bodyPr wrap="square" rtlCol="0">
+            <a:spAutoFit/>
+          </a:bodyPr>
+          <a:lstStyle/>
+          <a:p>
+            <a:pPr marL="457200" indent="-457200">
+              <a:spcAft>
+                <a:spcPts val="1200"/>
+              </a:spcAft>
+              <a:buClr>
+                <a:srgbClr val="0070C0"/>
+              </a:buClr>
+              <a:buFont typeface="Arial" pitchFamily="34" charset="0"/>
+              <a:buChar char="•"/>
+            </a:pPr>
+            <a:r>
+              <a:rPr lang="ru-RU" sz="2400" dirty="0" smtClean="0"/>
+              <a:t>Прочитать с консоли год и вывести в консоль, является он високосным или нет</a:t>
+            </a:r>
+          </a:p>
+          <a:p>
+            <a:pPr marL="457200" indent="-457200">
+              <a:spcAft>
+                <a:spcPts val="1200"/>
+              </a:spcAft>
+              <a:buClr>
+                <a:srgbClr val="0070C0"/>
+              </a:buClr>
+              <a:buFont typeface="Arial" pitchFamily="34" charset="0"/>
+              <a:buChar char="•"/>
+            </a:pPr>
+            <a:endParaRPr lang="ru-RU" sz="2400" dirty="0"/>
+          </a:p>
+          <a:p>
+            <a:pPr marL="457200" indent="-457200">
+              <a:spcAft>
+                <a:spcPts val="1200"/>
+              </a:spcAft>
+              <a:buClr>
+                <a:srgbClr val="0070C0"/>
+              </a:buClr>
+              <a:buFont typeface="Arial" pitchFamily="34" charset="0"/>
+              <a:buChar char="•"/>
+            </a:pPr>
+            <a:r>
+              <a:rPr lang="ru-RU" sz="2400" dirty="0"/>
+              <a:t>Старайтесь использовать логические связки, если это </a:t>
+            </a:r>
+            <a:r>
+              <a:rPr lang="ru-RU" sz="2400" dirty="0" smtClean="0"/>
+              <a:t>возможно</a:t>
+            </a:r>
+            <a:endParaRPr lang="ru-RU" sz="2400" dirty="0"/>
+          </a:p>
+        </p:txBody>
+      </p:sp>
+    </p:spTree>
+    <p:extLst>
+      <p:ext uri="{BB962C8B-B14F-4D97-AF65-F5344CB8AC3E}">
+        <p14:creationId xmlns:p14="http://schemas.microsoft.com/office/powerpoint/2010/main" val="211669736"/>
+      </p:ext>
+    </p:extLst>
+  </p:cSld>
+  <p:clrMapOvr>
+    <a:masterClrMapping/>
+  </p:clrMapOvr>
+  <p:timing>
+    <p:tnLst>
+      <p:par>
+        <p:cTn id="1" dur="indefinite" restart="never" nodeType="tmRoot"/>
+      </p:par>
+    </p:tnLst>
+  </p:timing>
+</p:sld>
+</file>
+
+<file path=ppt/slides/slide12.xml><?xml version="1.0" encoding="utf-8"?>
+<p:sld xmlns:a="http://schemas.openxmlformats.org/drawingml/2006/main" xmlns:r="http://schemas.openxmlformats.org/officeDocument/2006/relationships" xmlns:p="http://schemas.openxmlformats.org/presentationml/2006/main">
+  <p:cSld>
+    <p:spTree>
+      <p:nvGrpSpPr>
+        <p:cNvPr id="1" name=""/>
+        <p:cNvGrpSpPr/>
+        <p:nvPr/>
+      </p:nvGrpSpPr>
+      <p:grpSpPr>
+        <a:xfrm>
+          <a:off x="0" y="0"/>
+          <a:ext cx="0" cy="0"/>
+          <a:chOff x="0" y="0"/>
+          <a:chExt cx="0" cy="0"/>
+        </a:xfrm>
+      </p:grpSpPr>
+      <p:sp>
+        <p:nvSpPr>
+          <p:cNvPr id="8" name="TextBox 7"/>
+          <p:cNvSpPr txBox="1"/>
+          <p:nvPr/>
+        </p:nvSpPr>
+        <p:spPr>
+          <a:xfrm>
+            <a:off x="1475656" y="263347"/>
+            <a:ext cx="7416824" cy="646331"/>
+          </a:xfrm>
+          <a:prstGeom prst="rect">
+            <a:avLst/>
+          </a:prstGeom>
+          <a:solidFill>
+            <a:schemeClr val="tx2">
+              <a:lumMod val="40000"/>
+              <a:lumOff val="60000"/>
+            </a:schemeClr>
+          </a:solidFill>
+          <a:ln>
+            <a:noFill/>
+          </a:ln>
+        </p:spPr>
+        <p:txBody>
+          <a:bodyPr wrap="square" rtlCol="0">
+            <a:spAutoFit/>
+          </a:bodyPr>
+          <a:lstStyle/>
+          <a:p>
+            <a:pPr algn="ctr"/>
+            <a:endParaRPr lang="ru-RU" sz="3600" b="1" dirty="0">
+              <a:solidFill>
+                <a:schemeClr val="bg1"/>
+              </a:solidFill>
+            </a:endParaRPr>
+          </a:p>
+        </p:txBody>
+      </p:sp>
+      <p:sp>
+        <p:nvSpPr>
+          <p:cNvPr id="4" name="TextBox 3"/>
+          <p:cNvSpPr txBox="1"/>
+          <p:nvPr/>
+        </p:nvSpPr>
+        <p:spPr>
+          <a:xfrm>
+            <a:off x="296294" y="260648"/>
+            <a:ext cx="3682739" cy="646331"/>
+          </a:xfrm>
+          <a:prstGeom prst="rect">
+            <a:avLst/>
+          </a:prstGeom>
+          <a:solidFill>
+            <a:srgbClr val="0070C0"/>
+          </a:solidFill>
+          <a:ln>
+            <a:noFill/>
+          </a:ln>
+        </p:spPr>
+        <p:txBody>
+          <a:bodyPr wrap="none" rtlCol="0">
+            <a:spAutoFit/>
+          </a:bodyPr>
+          <a:lstStyle/>
+          <a:p>
+            <a:r>
+              <a:rPr lang="ru-RU" sz="3600" b="1" dirty="0" smtClean="0">
+                <a:solidFill>
+                  <a:schemeClr val="bg1"/>
+                </a:solidFill>
+              </a:rPr>
+              <a:t>Задача</a:t>
+            </a:r>
+            <a:r>
+              <a:rPr lang="en-US" sz="3600" b="1" dirty="0" smtClean="0">
+                <a:solidFill>
+                  <a:schemeClr val="bg1"/>
+                </a:solidFill>
+              </a:rPr>
+              <a:t> </a:t>
+            </a:r>
+            <a:r>
+              <a:rPr lang="ru-RU" sz="3600" b="1" dirty="0" smtClean="0">
+                <a:solidFill>
+                  <a:schemeClr val="bg1"/>
+                </a:solidFill>
+              </a:rPr>
+              <a:t>на дом 5*</a:t>
+            </a:r>
+            <a:endParaRPr lang="ru-RU" sz="3600" b="1" dirty="0">
+              <a:solidFill>
+                <a:schemeClr val="bg1"/>
+              </a:solidFill>
+            </a:endParaRPr>
+          </a:p>
+        </p:txBody>
+      </p:sp>
+      <p:sp>
+        <p:nvSpPr>
+          <p:cNvPr id="6" name="TextBox 5"/>
+          <p:cNvSpPr txBox="1"/>
+          <p:nvPr/>
+        </p:nvSpPr>
+        <p:spPr>
+          <a:xfrm>
+            <a:off x="296293" y="1354220"/>
+            <a:ext cx="8463146" cy="1723549"/>
+          </a:xfrm>
+          <a:prstGeom prst="rect">
+            <a:avLst/>
+          </a:prstGeom>
+          <a:noFill/>
+        </p:spPr>
+        <p:txBody>
+          <a:bodyPr wrap="square" rtlCol="0">
+            <a:spAutoFit/>
+          </a:bodyPr>
+          <a:lstStyle/>
+          <a:p>
+            <a:pPr marL="457200" indent="-457200">
+              <a:spcAft>
+                <a:spcPts val="1200"/>
+              </a:spcAft>
+              <a:buClr>
+                <a:srgbClr val="0070C0"/>
+              </a:buClr>
+              <a:buFont typeface="Arial" pitchFamily="34" charset="0"/>
+              <a:buChar char="•"/>
+            </a:pPr>
+            <a:r>
+              <a:rPr lang="ru-RU" sz="2400" dirty="0"/>
+              <a:t>Программа запрашивает сегодняшнюю дату, и выдает дату следующего </a:t>
+            </a:r>
+            <a:r>
+              <a:rPr lang="ru-RU" sz="2400" dirty="0" smtClean="0"/>
+              <a:t>дня</a:t>
+            </a:r>
+          </a:p>
+          <a:p>
+            <a:pPr marL="457200" indent="-457200">
+              <a:spcAft>
+                <a:spcPts val="1200"/>
+              </a:spcAft>
+              <a:buClr>
+                <a:srgbClr val="0070C0"/>
+              </a:buClr>
+              <a:buFont typeface="Arial" pitchFamily="34" charset="0"/>
+              <a:buChar char="•"/>
+            </a:pPr>
+            <a:r>
+              <a:rPr lang="ru-RU" sz="2400" dirty="0" smtClean="0"/>
+              <a:t>Например</a:t>
+            </a:r>
+            <a:r>
+              <a:rPr lang="ru-RU" sz="2400" dirty="0"/>
+              <a:t>, входные данные: 31 12 </a:t>
+            </a:r>
+            <a:r>
+              <a:rPr lang="ru-RU" sz="2400" dirty="0" smtClean="0"/>
+              <a:t>2015, </a:t>
+            </a:r>
+            <a:r>
+              <a:rPr lang="ru-RU" sz="2400" dirty="0"/>
+              <a:t>на выходе: </a:t>
+            </a:r>
+            <a:r>
+              <a:rPr lang="ru-RU" sz="2400" dirty="0" smtClean="0"/>
+              <a:t>01.01.2016</a:t>
+            </a:r>
+            <a:endParaRPr lang="ru-RU" sz="2400" dirty="0"/>
+          </a:p>
+        </p:txBody>
+      </p:sp>
+    </p:spTree>
+    <p:extLst>
+      <p:ext uri="{BB962C8B-B14F-4D97-AF65-F5344CB8AC3E}">
+        <p14:creationId xmlns:p14="http://schemas.microsoft.com/office/powerpoint/2010/main" val="1034778400"/>
+      </p:ext>
+    </p:extLst>
+  </p:cSld>
+  <p:clrMapOvr>
+    <a:masterClrMapping/>
+  </p:clrMapOvr>
+  <p:timing>
+    <p:tnLst>
+      <p:par>
+        <p:cTn id="1" dur="indefinite" restart="never" nodeType="tmRoot"/>
+      </p:par>
+    </p:tnLst>
+  </p:timing>
+</p:sld>
+</file>
+
+<file path=ppt/slides/slide13.xml><?xml version="1.0" encoding="utf-8"?>
+<p:sld xmlns:a="http://schemas.openxmlformats.org/drawingml/2006/main" xmlns:r="http://schemas.openxmlformats.org/officeDocument/2006/relationships" xmlns:p="http://schemas.openxmlformats.org/presentationml/2006/main">
+  <p:cSld>
+    <p:spTree>
+      <p:nvGrpSpPr>
+        <p:cNvPr id="1" name=""/>
+        <p:cNvGrpSpPr/>
+        <p:nvPr/>
+      </p:nvGrpSpPr>
+      <p:grpSpPr>
+        <a:xfrm>
+          <a:off x="0" y="0"/>
+          <a:ext cx="0" cy="0"/>
+          <a:chOff x="0" y="0"/>
+          <a:chExt cx="0" cy="0"/>
+        </a:xfrm>
+      </p:grpSpPr>
+      <p:sp>
+        <p:nvSpPr>
+          <p:cNvPr id="4" name="Заголовок 3"/>
+          <p:cNvSpPr>
+            <a:spLocks noGrp="1"/>
+          </p:cNvSpPr>
+          <p:nvPr>
+            <p:ph type="title"/>
+          </p:nvPr>
+        </p:nvSpPr>
+        <p:spPr/>
+        <p:txBody>
+          <a:bodyPr/>
+          <a:lstStyle/>
+          <a:p>
+            <a:endParaRPr lang="ru-RU"/>
+          </a:p>
+        </p:txBody>
+      </p:sp>
+      <p:sp>
+        <p:nvSpPr>
+          <p:cNvPr id="5" name="Объект 4"/>
+          <p:cNvSpPr>
+            <a:spLocks noGrp="1"/>
+          </p:cNvSpPr>
+          <p:nvPr>
+            <p:ph idx="1"/>
+          </p:nvPr>
+        </p:nvSpPr>
+        <p:spPr/>
+        <p:txBody>
+          <a:bodyPr/>
+          <a:lstStyle/>
+          <a:p>
+            <a:endParaRPr lang="ru-RU" dirty="0"/>
+          </a:p>
+        </p:txBody>
+      </p:sp>
+    </p:spTree>
+    <p:extLst>
+      <p:ext uri="{BB962C8B-B14F-4D97-AF65-F5344CB8AC3E}">
+        <p14:creationId xmlns:p14="http://schemas.microsoft.com/office/powerpoint/2010/main" val="3619104847"/>
+      </p:ext>
+    </p:extLst>
+  </p:cSld>
+  <p:clrMapOvr>
+    <a:masterClrMapping/>
+  </p:clrMapOvr>
+</p:sld>
+</file>
+
+<file path=ppt/slides/slide14.xml><?xml version="1.0" encoding="utf-8"?>
+<p:sld xmlns:a="http://schemas.openxmlformats.org/drawingml/2006/main" xmlns:r="http://schemas.openxmlformats.org/officeDocument/2006/relationships" xmlns:p="http://schemas.openxmlformats.org/presentationml/2006/main">
+  <p:cSld>
+    <p:spTree>
+      <p:nvGrpSpPr>
+        <p:cNvPr id="1" name=""/>
+        <p:cNvGrpSpPr/>
+        <p:nvPr/>
+      </p:nvGrpSpPr>
+      <p:grpSpPr>
+        <a:xfrm>
+          <a:off x="0" y="0"/>
+          <a:ext cx="0" cy="0"/>
+          <a:chOff x="0" y="0"/>
+          <a:chExt cx="0" cy="0"/>
+        </a:xfrm>
+      </p:grpSpPr>
+      <p:sp>
+        <p:nvSpPr>
+          <p:cNvPr id="2" name="Заголовок 1"/>
+          <p:cNvSpPr>
+            <a:spLocks noGrp="1"/>
+          </p:cNvSpPr>
+          <p:nvPr>
+            <p:ph type="title"/>
+          </p:nvPr>
+        </p:nvSpPr>
+        <p:spPr/>
+        <p:txBody>
+          <a:bodyPr/>
+          <a:lstStyle/>
+          <a:p>
+            <a:endParaRPr lang="ru-RU"/>
+          </a:p>
+        </p:txBody>
+      </p:sp>
+      <p:sp>
+        <p:nvSpPr>
+          <p:cNvPr id="3" name="Объект 2"/>
+          <p:cNvSpPr>
+            <a:spLocks noGrp="1"/>
+          </p:cNvSpPr>
+          <p:nvPr>
+            <p:ph idx="1"/>
+          </p:nvPr>
+        </p:nvSpPr>
+        <p:spPr/>
+        <p:txBody>
+          <a:bodyPr/>
+          <a:lstStyle/>
+          <a:p>
+            <a:endParaRPr lang="ru-RU"/>
+          </a:p>
+        </p:txBody>
+      </p:sp>
+      <p:sp>
+        <p:nvSpPr>
+          <p:cNvPr id="4" name="Прямоугольник 3"/>
+          <p:cNvSpPr/>
+          <p:nvPr/>
+        </p:nvSpPr>
+        <p:spPr>
+          <a:xfrm>
+            <a:off x="2286000" y="2690336"/>
+            <a:ext cx="4572000" cy="2862322"/>
+          </a:xfrm>
+          <a:prstGeom prst="rect">
+            <a:avLst/>
+          </a:prstGeom>
+        </p:spPr>
+        <p:txBody>
+          <a:bodyPr>
+            <a:spAutoFit/>
+          </a:bodyPr>
+          <a:lstStyle/>
+          <a:p>
+            <a:pPr algn="ctr"/>
+            <a:r>
+              <a:rPr lang="ru-RU" b="1" dirty="0" smtClean="0">
+                <a:solidFill>
+                  <a:schemeClr val="bg1"/>
+                </a:solidFill>
+              </a:rPr>
+              <a:t>Лекция 2.</a:t>
+            </a:r>
+            <a:br>
+              <a:rPr lang="ru-RU" b="1" dirty="0" smtClean="0">
+                <a:solidFill>
+                  <a:schemeClr val="bg1"/>
+                </a:solidFill>
+              </a:rPr>
+            </a:br>
+            <a:r>
+              <a:rPr lang="ru-RU" b="1" dirty="0" smtClean="0">
+                <a:solidFill>
+                  <a:schemeClr val="bg1"/>
+                </a:solidFill>
+              </a:rPr>
+              <a:t>Лекция 2.</a:t>
+            </a:r>
+            <a:br>
+              <a:rPr lang="ru-RU" b="1" dirty="0" smtClean="0">
+                <a:solidFill>
+                  <a:schemeClr val="bg1"/>
+                </a:solidFill>
+              </a:rPr>
+            </a:br>
+            <a:r>
+              <a:rPr lang="ru-RU" b="1" dirty="0" smtClean="0">
+                <a:solidFill>
+                  <a:schemeClr val="bg1"/>
+                </a:solidFill>
+              </a:rPr>
+              <a:t>Строки. </a:t>
+            </a:r>
+            <a:endParaRPr lang="en-US" b="1" dirty="0" smtClean="0">
+              <a:solidFill>
+                <a:schemeClr val="bg1"/>
+              </a:solidFill>
+            </a:endParaRPr>
+          </a:p>
+          <a:p>
+            <a:pPr algn="ctr"/>
+            <a:r>
+              <a:rPr lang="ru-RU" b="1" dirty="0" smtClean="0">
+                <a:solidFill>
+                  <a:schemeClr val="bg1"/>
+                </a:solidFill>
+              </a:rPr>
+              <a:t>Арифметика. </a:t>
+            </a:r>
+            <a:endParaRPr lang="en-US" b="1" dirty="0" smtClean="0">
+              <a:solidFill>
+                <a:schemeClr val="bg1"/>
+              </a:solidFill>
+            </a:endParaRPr>
+          </a:p>
+          <a:p>
+            <a:pPr algn="ctr"/>
+            <a:r>
+              <a:rPr lang="ru-RU" b="1" dirty="0" smtClean="0">
+                <a:solidFill>
+                  <a:schemeClr val="bg1"/>
+                </a:solidFill>
+              </a:rPr>
+              <a:t>Класс </a:t>
+            </a:r>
+            <a:r>
+              <a:rPr lang="en-US" b="1" dirty="0" smtClean="0">
+                <a:solidFill>
+                  <a:schemeClr val="bg1"/>
+                </a:solidFill>
+              </a:rPr>
+              <a:t>Math</a:t>
+            </a:r>
+            <a:r>
+              <a:rPr lang="ru-RU" b="1" dirty="0" smtClean="0">
+                <a:solidFill>
+                  <a:schemeClr val="bg1"/>
+                </a:solidFill>
+              </a:rPr>
+              <a:t/>
+            </a:r>
+            <a:br>
+              <a:rPr lang="ru-RU" b="1" dirty="0" smtClean="0">
+                <a:solidFill>
+                  <a:schemeClr val="bg1"/>
+                </a:solidFill>
+              </a:rPr>
+            </a:br>
+            <a:r>
+              <a:rPr lang="ru-RU" b="1" dirty="0" smtClean="0">
+                <a:solidFill>
+                  <a:schemeClr val="bg1"/>
+                </a:solidFill>
+              </a:rPr>
+              <a:t>Чтение с консоли</a:t>
+            </a:r>
+          </a:p>
+          <a:p>
+            <a:pPr algn="ctr"/>
+            <a:r>
+              <a:rPr lang="ru-RU" b="1" dirty="0" smtClean="0">
+                <a:solidFill>
+                  <a:schemeClr val="bg1"/>
+                </a:solidFill>
+              </a:rPr>
+              <a:t>Строки. </a:t>
+            </a:r>
+            <a:endParaRPr lang="en-US" b="1" dirty="0" smtClean="0">
+              <a:solidFill>
+                <a:schemeClr val="bg1"/>
+              </a:solidFill>
+            </a:endParaRPr>
+          </a:p>
+          <a:p>
+            <a:pPr algn="ctr"/>
+            <a:r>
+              <a:rPr lang="ru-RU" b="1" dirty="0" smtClean="0">
+                <a:solidFill>
+                  <a:schemeClr val="bg1"/>
+                </a:solidFill>
+              </a:rPr>
+              <a:t>Арифметика. </a:t>
+            </a:r>
+            <a:endParaRPr lang="en-US" b="1" dirty="0" smtClean="0">
+              <a:solidFill>
+                <a:schemeClr val="bg1"/>
+              </a:solidFill>
+            </a:endParaRPr>
+          </a:p>
+          <a:p>
+            <a:pPr algn="ctr"/>
+            <a:r>
+              <a:rPr lang="ru-RU" b="1" dirty="0" smtClean="0">
+                <a:solidFill>
+                  <a:schemeClr val="bg1"/>
+                </a:solidFill>
+              </a:rPr>
+              <a:t>Класс </a:t>
+            </a:r>
+            <a:r>
+              <a:rPr lang="en-US" b="1" dirty="0" smtClean="0">
+                <a:solidFill>
+                  <a:schemeClr val="bg1"/>
+                </a:solidFill>
+              </a:rPr>
+              <a:t>Math</a:t>
+            </a:r>
+            <a:r>
+              <a:rPr lang="ru-RU" b="1" dirty="0" smtClean="0">
+                <a:solidFill>
+                  <a:schemeClr val="bg1"/>
+                </a:solidFill>
+              </a:rPr>
+              <a:t/>
+            </a:r>
+            <a:br>
+              <a:rPr lang="ru-RU" b="1" dirty="0" smtClean="0">
+                <a:solidFill>
+                  <a:schemeClr val="bg1"/>
+                </a:solidFill>
+              </a:rPr>
+            </a:br>
+            <a:r>
+              <a:rPr lang="ru-RU" b="1" dirty="0" smtClean="0">
+                <a:solidFill>
+                  <a:schemeClr val="bg1"/>
+                </a:solidFill>
+              </a:rPr>
+              <a:t>Чтение с консоли</a:t>
+            </a:r>
+            <a:endParaRPr lang="ru-RU" b="1" dirty="0">
+              <a:solidFill>
+                <a:schemeClr val="bg1"/>
+              </a:solidFill>
+            </a:endParaRPr>
+          </a:p>
+        </p:txBody>
+      </p:sp>
+    </p:spTree>
+    <p:extLst>
+      <p:ext uri="{BB962C8B-B14F-4D97-AF65-F5344CB8AC3E}">
+        <p14:creationId xmlns:p14="http://schemas.microsoft.com/office/powerpoint/2010/main" val="3619104847"/>
+      </p:ext>
+    </p:extLst>
+  </p:cSld>
+  <p:clrMapOvr>
+    <a:masterClrMapping/>
+  </p:clrMapOvr>
 </p:sld>
 </file>
 
@@ -4614,52 +5660,95 @@
       </p:grpSpPr>
       <p:sp>
         <p:nvSpPr>
-          <p:cNvPr id="4" name="Заголовок 3"/>
-          <p:cNvSpPr>
-            <a:spLocks noGrp="1"/>
-          </p:cNvSpPr>
-          <p:nvPr>
-            <p:ph type="title"/>
-          </p:nvPr>
-        </p:nvSpPr>
-        <p:spPr/>
-        <p:txBody>
-          <a:bodyPr/>
-          <a:lstStyle/>
-          <a:p>
-            <a:endParaRPr lang="ru-RU"/>
-          </a:p>
-        </p:txBody>
-      </p:sp>
-      <p:sp>
-        <p:nvSpPr>
-          <p:cNvPr id="5" name="Объект 4"/>
-          <p:cNvSpPr>
-            <a:spLocks noGrp="1"/>
-          </p:cNvSpPr>
-          <p:nvPr>
-            <p:ph idx="1"/>
-          </p:nvPr>
-        </p:nvSpPr>
-        <p:spPr/>
-        <p:txBody>
-          <a:bodyPr/>
-          <a:lstStyle/>
-          <a:p>
-            <a:endParaRPr lang="ru-RU" dirty="0"/>
+          <p:cNvPr id="4" name="TextBox 3"/>
+          <p:cNvSpPr txBox="1"/>
+          <p:nvPr/>
+        </p:nvSpPr>
+        <p:spPr>
+          <a:xfrm>
+            <a:off x="2899280" y="2132856"/>
+            <a:ext cx="3323346" cy="1754326"/>
+          </a:xfrm>
+          <a:prstGeom prst="rect">
+            <a:avLst/>
+          </a:prstGeom>
+          <a:solidFill>
+            <a:srgbClr val="0070C0"/>
+          </a:solidFill>
+          <a:ln>
+            <a:noFill/>
+          </a:ln>
+        </p:spPr>
+        <p:txBody>
+          <a:bodyPr wrap="none" rtlCol="0">
+            <a:spAutoFit/>
+          </a:bodyPr>
+          <a:lstStyle/>
+          <a:p>
+            <a:pPr algn="ctr"/>
+            <a:r>
+              <a:rPr lang="ru-RU" sz="3600" b="1" dirty="0" smtClean="0">
+                <a:solidFill>
+                  <a:schemeClr val="bg1"/>
+                </a:solidFill>
+              </a:rPr>
+              <a:t>Лекция 3.</a:t>
+            </a:r>
+            <a:br>
+              <a:rPr lang="ru-RU" sz="3600" b="1" dirty="0" smtClean="0">
+                <a:solidFill>
+                  <a:schemeClr val="bg1"/>
+                </a:solidFill>
+              </a:rPr>
+            </a:br>
+            <a:r>
+              <a:rPr lang="ru-RU" sz="3600" b="1" dirty="0" smtClean="0">
+                <a:solidFill>
+                  <a:schemeClr val="bg1"/>
+                </a:solidFill>
+              </a:rPr>
+              <a:t>Ветвление. </a:t>
+            </a:r>
+            <a:br>
+              <a:rPr lang="ru-RU" sz="3600" b="1" dirty="0" smtClean="0">
+                <a:solidFill>
+                  <a:schemeClr val="bg1"/>
+                </a:solidFill>
+              </a:rPr>
+            </a:br>
+            <a:r>
+              <a:rPr lang="ru-RU" sz="3600" b="1" dirty="0" smtClean="0">
+                <a:solidFill>
+                  <a:schemeClr val="bg1"/>
+                </a:solidFill>
+              </a:rPr>
+              <a:t>Логический тип</a:t>
+            </a:r>
+            <a:endParaRPr lang="ru-RU" sz="3600" b="1" dirty="0">
+              <a:solidFill>
+                <a:schemeClr val="bg1"/>
+              </a:solidFill>
+            </a:endParaRPr>
           </a:p>
         </p:txBody>
       </p:sp>
     </p:spTree>
     <p:extLst>
       <p:ext uri="{BB962C8B-B14F-4D97-AF65-F5344CB8AC3E}">
-        <p14:creationId xmlns:p14="http://schemas.microsoft.com/office/powerpoint/2010/main" val="3619104847"/>
+        <p14:creationId xmlns:p14="http://schemas.microsoft.com/office/powerpoint/2010/main" val="3600713714"/>
       </p:ext>
     </p:extLst>
   </p:cSld>
   <p:clrMapOvr>
     <a:masterClrMapping/>
   </p:clrMapOvr>
+  <p:timing>
+    <p:tnLst>
+      <p:par>
+        <p:cTn id="1" dur="indefinite" restart="never" nodeType="tmRoot"/>
+      </p:par>
+    </p:tnLst>
+  </p:timing>
 </p:sld>
 </file>
 
@@ -4682,257 +5771,466 @@
       </p:grpSpPr>
       <p:sp>
         <p:nvSpPr>
-          <p:cNvPr id="2" name="Заголовок 1"/>
-          <p:cNvSpPr>
-            <a:spLocks noGrp="1"/>
-          </p:cNvSpPr>
-          <p:nvPr>
-            <p:ph type="title"/>
-          </p:nvPr>
-        </p:nvSpPr>
-        <p:spPr/>
-        <p:txBody>
-          <a:bodyPr/>
-          <a:lstStyle/>
-          <a:p>
-            <a:endParaRPr lang="ru-RU"/>
-          </a:p>
-        </p:txBody>
-      </p:sp>
-      <p:sp>
-        <p:nvSpPr>
-          <p:cNvPr id="3" name="Объект 2"/>
-          <p:cNvSpPr>
-            <a:spLocks noGrp="1"/>
-          </p:cNvSpPr>
-          <p:nvPr>
-            <p:ph idx="1"/>
-          </p:nvPr>
-        </p:nvSpPr>
-        <p:spPr/>
-        <p:txBody>
-          <a:bodyPr/>
-          <a:lstStyle/>
-          <a:p>
-            <a:endParaRPr lang="ru-RU"/>
-          </a:p>
-        </p:txBody>
-      </p:sp>
-      <p:sp>
-        <p:nvSpPr>
-          <p:cNvPr id="4" name="Прямоугольник 3"/>
-          <p:cNvSpPr/>
+          <p:cNvPr id="8" name="TextBox 7"/>
+          <p:cNvSpPr txBox="1"/>
           <p:nvPr/>
         </p:nvSpPr>
         <p:spPr>
           <a:xfrm>
-            <a:off x="2286000" y="2690336"/>
-            <a:ext cx="4572000" cy="2862322"/>
+            <a:off x="1475656" y="263347"/>
+            <a:ext cx="7416824" cy="646331"/>
           </a:xfrm>
           <a:prstGeom prst="rect">
             <a:avLst/>
           </a:prstGeom>
+          <a:solidFill>
+            <a:schemeClr val="tx2">
+              <a:lumMod val="40000"/>
+              <a:lumOff val="60000"/>
+            </a:schemeClr>
+          </a:solidFill>
+          <a:ln>
+            <a:noFill/>
+          </a:ln>
         </p:spPr>
         <p:txBody>
-          <a:bodyPr>
+          <a:bodyPr wrap="square" rtlCol="0">
             <a:spAutoFit/>
           </a:bodyPr>
           <a:lstStyle/>
           <a:p>
             <a:pPr algn="ctr"/>
-            <a:r>
-              <a:rPr lang="ru-RU" b="1" dirty="0" smtClean="0">
-                <a:solidFill>
-                  <a:schemeClr val="bg1"/>
-                </a:solidFill>
-              </a:rPr>
-              <a:t>Лекция 2.</a:t>
-            </a:r>
-            <a:br>
-              <a:rPr lang="ru-RU" b="1" dirty="0" smtClean="0">
-                <a:solidFill>
-                  <a:schemeClr val="bg1"/>
-                </a:solidFill>
-              </a:rPr>
-            </a:br>
-            <a:r>
-              <a:rPr lang="ru-RU" b="1" dirty="0" smtClean="0">
-                <a:solidFill>
-                  <a:schemeClr val="bg1"/>
-                </a:solidFill>
-              </a:rPr>
-              <a:t>Лекция 2.</a:t>
-            </a:r>
-            <a:br>
-              <a:rPr lang="ru-RU" b="1" dirty="0" smtClean="0">
-                <a:solidFill>
-                  <a:schemeClr val="bg1"/>
-                </a:solidFill>
-              </a:rPr>
-            </a:br>
-            <a:r>
-              <a:rPr lang="ru-RU" b="1" dirty="0" smtClean="0">
-                <a:solidFill>
-                  <a:schemeClr val="bg1"/>
-                </a:solidFill>
-              </a:rPr>
-              <a:t>Строки. </a:t>
-            </a:r>
-            <a:endParaRPr lang="en-US" b="1" dirty="0" smtClean="0">
+            <a:endParaRPr lang="ru-RU" sz="3600" b="1" dirty="0">
               <a:solidFill>
                 <a:schemeClr val="bg1"/>
               </a:solidFill>
             </a:endParaRPr>
           </a:p>
-          <a:p>
-            <a:pPr algn="ctr"/>
-            <a:r>
-              <a:rPr lang="ru-RU" b="1" dirty="0" smtClean="0">
+        </p:txBody>
+      </p:sp>
+      <p:sp>
+        <p:nvSpPr>
+          <p:cNvPr id="4" name="TextBox 3"/>
+          <p:cNvSpPr txBox="1"/>
+          <p:nvPr/>
+        </p:nvSpPr>
+        <p:spPr>
+          <a:xfrm>
+            <a:off x="296294" y="260648"/>
+            <a:ext cx="3453510" cy="646331"/>
+          </a:xfrm>
+          <a:prstGeom prst="rect">
+            <a:avLst/>
+          </a:prstGeom>
+          <a:solidFill>
+            <a:srgbClr val="0070C0"/>
+          </a:solidFill>
+          <a:ln>
+            <a:noFill/>
+          </a:ln>
+        </p:spPr>
+        <p:txBody>
+          <a:bodyPr wrap="none" rtlCol="0">
+            <a:spAutoFit/>
+          </a:bodyPr>
+          <a:lstStyle/>
+          <a:p>
+            <a:r>
+              <a:rPr lang="ru-RU" sz="3600" b="1" dirty="0" smtClean="0">
                 <a:solidFill>
                   <a:schemeClr val="bg1"/>
                 </a:solidFill>
               </a:rPr>
-              <a:t>Арифметика. </a:t>
-            </a:r>
-            <a:endParaRPr lang="en-US" b="1" dirty="0" smtClean="0">
+              <a:t>Задача на дом 1</a:t>
+            </a:r>
+            <a:endParaRPr lang="ru-RU" sz="3600" b="1" dirty="0">
               <a:solidFill>
                 <a:schemeClr val="bg1"/>
               </a:solidFill>
             </a:endParaRPr>
           </a:p>
-          <a:p>
-            <a:pPr algn="ctr"/>
-            <a:r>
-              <a:rPr lang="ru-RU" b="1" dirty="0" smtClean="0">
-                <a:solidFill>
-                  <a:schemeClr val="bg1"/>
+        </p:txBody>
+      </p:sp>
+      <p:sp>
+        <p:nvSpPr>
+          <p:cNvPr id="6" name="TextBox 5"/>
+          <p:cNvSpPr txBox="1"/>
+          <p:nvPr/>
+        </p:nvSpPr>
+        <p:spPr>
+          <a:xfrm>
+            <a:off x="296293" y="1354220"/>
+            <a:ext cx="8463146" cy="2400657"/>
+          </a:xfrm>
+          <a:prstGeom prst="rect">
+            <a:avLst/>
+          </a:prstGeom>
+          <a:noFill/>
+        </p:spPr>
+        <p:txBody>
+          <a:bodyPr wrap="square" rtlCol="0">
+            <a:spAutoFit/>
+          </a:bodyPr>
+          <a:lstStyle/>
+          <a:p>
+            <a:pPr marL="457200" indent="-457200">
+              <a:spcAft>
+                <a:spcPts val="1200"/>
+              </a:spcAft>
+              <a:buClr>
+                <a:srgbClr val="0070C0"/>
+              </a:buClr>
+              <a:buFont typeface="Arial" pitchFamily="34" charset="0"/>
+              <a:buChar char="•"/>
+            </a:pPr>
+            <a:r>
+              <a:rPr lang="ru-RU" sz="2400" dirty="0"/>
+              <a:t>Прочитать из консоли два целых числа</a:t>
+            </a:r>
+          </a:p>
+          <a:p>
+            <a:pPr marL="457200" indent="-457200">
+              <a:spcAft>
+                <a:spcPts val="1200"/>
+              </a:spcAft>
+              <a:buClr>
+                <a:srgbClr val="0070C0"/>
+              </a:buClr>
+              <a:buFont typeface="Arial" pitchFamily="34" charset="0"/>
+              <a:buChar char="•"/>
+            </a:pPr>
+            <a:r>
+              <a:rPr lang="ru-RU" sz="2400" dirty="0"/>
+              <a:t>Вывести </a:t>
+            </a:r>
+            <a:r>
+              <a:rPr lang="ru-RU" sz="2400" dirty="0" smtClean="0"/>
+              <a:t>наименьшее и наибольшее из них</a:t>
+            </a:r>
+            <a:endParaRPr lang="ru-RU" sz="2400" dirty="0"/>
+          </a:p>
+          <a:p>
+            <a:pPr marL="457200" indent="-457200">
+              <a:spcAft>
+                <a:spcPts val="1200"/>
+              </a:spcAft>
+              <a:buClr>
+                <a:srgbClr val="0070C0"/>
+              </a:buClr>
+              <a:buFont typeface="Arial" pitchFamily="34" charset="0"/>
+              <a:buChar char="•"/>
+            </a:pPr>
+            <a:endParaRPr lang="ru-RU" sz="2400" dirty="0"/>
+          </a:p>
+          <a:p>
+            <a:pPr marL="457200" indent="-457200">
+              <a:spcAft>
+                <a:spcPts val="1200"/>
+              </a:spcAft>
+              <a:buClr>
+                <a:srgbClr val="0070C0"/>
+              </a:buClr>
+              <a:buFont typeface="Arial" pitchFamily="34" charset="0"/>
+              <a:buChar char="•"/>
+            </a:pPr>
+            <a:r>
+              <a:rPr lang="ru-RU" sz="2400" dirty="0"/>
+              <a:t>Сделать данную задачу при помощи </a:t>
+            </a:r>
+            <a:r>
+              <a:rPr lang="ru-RU" sz="2400" dirty="0" err="1">
+                <a:solidFill>
+                  <a:srgbClr val="0070C0"/>
                 </a:solidFill>
               </a:rPr>
-              <a:t>Класс </a:t>
-            </a:r>
-            <a:r>
-              <a:rPr lang="en-US" b="1" dirty="0" smtClean="0">
-                <a:solidFill>
-                  <a:schemeClr val="bg1"/>
+              <a:t>if-else</a:t>
+            </a:r>
+            <a:r>
+              <a:rPr lang="ru-RU" sz="2400" dirty="0">
+                <a:solidFill>
+                  <a:srgbClr val="0070C0"/>
                 </a:solidFill>
               </a:rPr>
-              <a:t>Math</a:t>
-            </a:r>
-            <a:r>
-              <a:rPr lang="ru-RU" b="1" dirty="0" smtClean="0">
-                <a:solidFill>
-                  <a:schemeClr val="bg1"/>
-                </a:solidFill>
-              </a:rPr>
-              <a:t/>
-            </a:r>
-            <a:br>
-              <a:rPr lang="ru-RU" b="1" dirty="0" smtClean="0">
-                <a:solidFill>
-                  <a:schemeClr val="bg1"/>
-                </a:solidFill>
-              </a:rPr>
-            </a:br>
-            <a:r>
-              <a:rPr lang="ru-RU" b="1" dirty="0" smtClean="0">
-                <a:solidFill>
-                  <a:schemeClr val="bg1"/>
-                </a:solidFill>
-              </a:rPr>
-              <a:t>Чтение с консоли</a:t>
-            </a:r>
-          </a:p>
-          <a:p>
-            <a:pPr algn="ctr"/>
-            <a:r>
-              <a:rPr lang="ru-RU" b="1" dirty="0" smtClean="0">
-                <a:solidFill>
-                  <a:schemeClr val="bg1"/>
-                </a:solidFill>
-              </a:rPr>
-              <a:t>Строки. </a:t>
-            </a:r>
-            <a:endParaRPr lang="en-US" b="1" dirty="0" smtClean="0">
-              <a:solidFill>
-                <a:schemeClr val="bg1"/>
-              </a:solidFill>
-            </a:endParaRPr>
-          </a:p>
-          <a:p>
-            <a:pPr algn="ctr"/>
-            <a:r>
-              <a:rPr lang="ru-RU" b="1" dirty="0" smtClean="0">
-                <a:solidFill>
-                  <a:schemeClr val="bg1"/>
-                </a:solidFill>
-              </a:rPr>
-              <a:t>Арифметика. </a:t>
-            </a:r>
-            <a:endParaRPr lang="en-US" b="1" dirty="0" smtClean="0">
-              <a:solidFill>
-                <a:schemeClr val="bg1"/>
-              </a:solidFill>
-            </a:endParaRPr>
-          </a:p>
-          <a:p>
-            <a:pPr algn="ctr"/>
-            <a:r>
-              <a:rPr lang="ru-RU" b="1" dirty="0" smtClean="0">
-                <a:solidFill>
-                  <a:schemeClr val="bg1"/>
-                </a:solidFill>
-              </a:rPr>
-              <a:t>Класс </a:t>
-            </a:r>
-            <a:r>
-              <a:rPr lang="en-US" b="1" dirty="0" smtClean="0">
-                <a:solidFill>
-                  <a:schemeClr val="bg1"/>
-                </a:solidFill>
-              </a:rPr>
-              <a:t>Math</a:t>
-            </a:r>
-            <a:r>
-              <a:rPr lang="ru-RU" b="1" dirty="0" smtClean="0">
-                <a:solidFill>
-                  <a:schemeClr val="bg1"/>
-                </a:solidFill>
-              </a:rPr>
-              <a:t/>
-            </a:r>
-            <a:br>
-              <a:rPr lang="ru-RU" b="1" dirty="0" smtClean="0">
-                <a:solidFill>
-                  <a:schemeClr val="bg1"/>
-                </a:solidFill>
-              </a:rPr>
-            </a:br>
-            <a:r>
-              <a:rPr lang="ru-RU" b="1" dirty="0" smtClean="0">
-                <a:solidFill>
-                  <a:schemeClr val="bg1"/>
-                </a:solidFill>
-              </a:rPr>
-              <a:t>Чтение с консоли</a:t>
-            </a:r>
-            <a:endParaRPr lang="ru-RU" b="1" dirty="0">
-              <a:solidFill>
-                <a:schemeClr val="bg1"/>
-              </a:solidFill>
-            </a:endParaRPr>
+              <a:t> </a:t>
+            </a:r>
+            <a:r>
+              <a:rPr lang="ru-RU" sz="2400" dirty="0"/>
+              <a:t>и при помощи тернарного оператора</a:t>
+            </a:r>
           </a:p>
         </p:txBody>
       </p:sp>
     </p:spTree>
     <p:extLst>
       <p:ext uri="{BB962C8B-B14F-4D97-AF65-F5344CB8AC3E}">
-        <p14:creationId xmlns:p14="http://schemas.microsoft.com/office/powerpoint/2010/main" val="3619104847"/>
+        <p14:creationId xmlns:p14="http://schemas.microsoft.com/office/powerpoint/2010/main" val="2633850909"/>
       </p:ext>
     </p:extLst>
   </p:cSld>
   <p:clrMapOvr>
     <a:masterClrMapping/>
   </p:clrMapOvr>
+  <p:timing>
+    <p:tnLst>
+      <p:par>
+        <p:cTn id="1" dur="indefinite" restart="never" nodeType="tmRoot"/>
+      </p:par>
+    </p:tnLst>
+  </p:timing>
+</p:sld>
+</file>
+
+<file path=ppt/slides/slide9.xml><?xml version="1.0" encoding="utf-8"?>
+<p:sld xmlns:a="http://schemas.openxmlformats.org/drawingml/2006/main" xmlns:r="http://schemas.openxmlformats.org/officeDocument/2006/relationships" xmlns:p="http://schemas.openxmlformats.org/presentationml/2006/main">
+  <p:cSld>
+    <p:spTree>
+      <p:nvGrpSpPr>
+        <p:cNvPr id="1" name=""/>
+        <p:cNvGrpSpPr/>
+        <p:nvPr/>
+      </p:nvGrpSpPr>
+      <p:grpSpPr>
+        <a:xfrm>
+          <a:off x="0" y="0"/>
+          <a:ext cx="0" cy="0"/>
+          <a:chOff x="0" y="0"/>
+          <a:chExt cx="0" cy="0"/>
+        </a:xfrm>
+      </p:grpSpPr>
+      <p:sp>
+        <p:nvSpPr>
+          <p:cNvPr id="8" name="TextBox 7"/>
+          <p:cNvSpPr txBox="1"/>
+          <p:nvPr/>
+        </p:nvSpPr>
+        <p:spPr>
+          <a:xfrm>
+            <a:off x="1475656" y="263347"/>
+            <a:ext cx="7416824" cy="646331"/>
+          </a:xfrm>
+          <a:prstGeom prst="rect">
+            <a:avLst/>
+          </a:prstGeom>
+          <a:solidFill>
+            <a:schemeClr val="tx2">
+              <a:lumMod val="40000"/>
+              <a:lumOff val="60000"/>
+            </a:schemeClr>
+          </a:solidFill>
+          <a:ln>
+            <a:noFill/>
+          </a:ln>
+        </p:spPr>
+        <p:txBody>
+          <a:bodyPr wrap="square" rtlCol="0">
+            <a:spAutoFit/>
+          </a:bodyPr>
+          <a:lstStyle/>
+          <a:p>
+            <a:pPr algn="ctr"/>
+            <a:endParaRPr lang="ru-RU" sz="3600" b="1" dirty="0">
+              <a:solidFill>
+                <a:schemeClr val="bg1"/>
+              </a:solidFill>
+            </a:endParaRPr>
+          </a:p>
+        </p:txBody>
+      </p:sp>
+      <p:sp>
+        <p:nvSpPr>
+          <p:cNvPr id="4" name="TextBox 3"/>
+          <p:cNvSpPr txBox="1"/>
+          <p:nvPr/>
+        </p:nvSpPr>
+        <p:spPr>
+          <a:xfrm>
+            <a:off x="296294" y="260648"/>
+            <a:ext cx="3453510" cy="646331"/>
+          </a:xfrm>
+          <a:prstGeom prst="rect">
+            <a:avLst/>
+          </a:prstGeom>
+          <a:solidFill>
+            <a:srgbClr val="0070C0"/>
+          </a:solidFill>
+          <a:ln>
+            <a:noFill/>
+          </a:ln>
+        </p:spPr>
+        <p:txBody>
+          <a:bodyPr wrap="none" rtlCol="0">
+            <a:spAutoFit/>
+          </a:bodyPr>
+          <a:lstStyle/>
+          <a:p>
+            <a:r>
+              <a:rPr lang="ru-RU" sz="3600" b="1" dirty="0" smtClean="0">
+                <a:solidFill>
+                  <a:schemeClr val="bg1"/>
+                </a:solidFill>
+              </a:rPr>
+              <a:t>Задача</a:t>
+            </a:r>
+            <a:r>
+              <a:rPr lang="en-US" sz="3600" b="1" dirty="0" smtClean="0">
+                <a:solidFill>
+                  <a:schemeClr val="bg1"/>
+                </a:solidFill>
+              </a:rPr>
+              <a:t> </a:t>
+            </a:r>
+            <a:r>
+              <a:rPr lang="ru-RU" sz="3600" b="1" dirty="0" smtClean="0">
+                <a:solidFill>
+                  <a:schemeClr val="bg1"/>
+                </a:solidFill>
+              </a:rPr>
+              <a:t>на дом 2</a:t>
+            </a:r>
+            <a:endParaRPr lang="ru-RU" sz="3600" b="1" dirty="0">
+              <a:solidFill>
+                <a:schemeClr val="bg1"/>
+              </a:solidFill>
+            </a:endParaRPr>
+          </a:p>
+        </p:txBody>
+      </p:sp>
+      <p:sp>
+        <p:nvSpPr>
+          <p:cNvPr id="6" name="TextBox 5"/>
+          <p:cNvSpPr txBox="1"/>
+          <p:nvPr/>
+        </p:nvSpPr>
+        <p:spPr>
+          <a:xfrm>
+            <a:off x="296293" y="1354220"/>
+            <a:ext cx="8463146" cy="4770537"/>
+          </a:xfrm>
+          <a:prstGeom prst="rect">
+            <a:avLst/>
+          </a:prstGeom>
+          <a:noFill/>
+        </p:spPr>
+        <p:txBody>
+          <a:bodyPr wrap="square" rtlCol="0">
+            <a:spAutoFit/>
+          </a:bodyPr>
+          <a:lstStyle/>
+          <a:p>
+            <a:pPr marL="457200" indent="-457200">
+              <a:spcAft>
+                <a:spcPts val="1200"/>
+              </a:spcAft>
+              <a:buClr>
+                <a:srgbClr val="0070C0"/>
+              </a:buClr>
+              <a:buFont typeface="Arial" pitchFamily="34" charset="0"/>
+              <a:buChar char="•"/>
+            </a:pPr>
+            <a:r>
+              <a:rPr lang="ru-RU" sz="2400" dirty="0"/>
+              <a:t>В программе объявить строковую переменную, хранящую пароль</a:t>
+            </a:r>
+          </a:p>
+          <a:p>
+            <a:pPr marL="457200" indent="-457200">
+              <a:spcAft>
+                <a:spcPts val="1200"/>
+              </a:spcAft>
+              <a:buClr>
+                <a:srgbClr val="0070C0"/>
+              </a:buClr>
+              <a:buFont typeface="Arial" pitchFamily="34" charset="0"/>
+              <a:buChar char="•"/>
+            </a:pPr>
+            <a:r>
+              <a:rPr lang="ru-RU" sz="2400" dirty="0"/>
+              <a:t>С консоли прочитать строку, сравнить её с этим паролем. Если строка совпала (проверять при помощи </a:t>
+            </a:r>
+            <a:r>
+              <a:rPr lang="ru-RU" sz="2400" dirty="0" err="1"/>
+              <a:t>equals</a:t>
+            </a:r>
+            <a:r>
+              <a:rPr lang="ru-RU" sz="2400" dirty="0"/>
+              <a:t>), то выдать сообщение, что пароль верный</a:t>
+            </a:r>
+          </a:p>
+          <a:p>
+            <a:pPr marL="457200" indent="-457200">
+              <a:spcAft>
+                <a:spcPts val="1200"/>
+              </a:spcAft>
+              <a:buClr>
+                <a:srgbClr val="0070C0"/>
+              </a:buClr>
+              <a:buFont typeface="Arial" pitchFamily="34" charset="0"/>
+              <a:buChar char="•"/>
+            </a:pPr>
+            <a:r>
+              <a:rPr lang="ru-RU" sz="2400" dirty="0"/>
+              <a:t>Если строка не совпала с паролем, и её длина (использовать </a:t>
+            </a:r>
+            <a:r>
+              <a:rPr lang="ru-RU" sz="2400" dirty="0" err="1"/>
+              <a:t>length</a:t>
+            </a:r>
+            <a:r>
+              <a:rPr lang="ru-RU" sz="2400" dirty="0"/>
+              <a:t>) больше длины пароля, то сказать что пароль неверный и строка слишком длинная</a:t>
+            </a:r>
+          </a:p>
+          <a:p>
+            <a:pPr marL="457200" indent="-457200">
+              <a:spcAft>
+                <a:spcPts val="1200"/>
+              </a:spcAft>
+              <a:buClr>
+                <a:srgbClr val="0070C0"/>
+              </a:buClr>
+              <a:buFont typeface="Arial" pitchFamily="34" charset="0"/>
+              <a:buChar char="•"/>
+            </a:pPr>
+            <a:r>
+              <a:rPr lang="ru-RU" sz="2400" dirty="0"/>
+              <a:t>Если строка не совпала с паролем, и её длина меньше, то сказать, что пароль неверный строка слишком короткая</a:t>
+            </a:r>
+          </a:p>
+          <a:p>
+            <a:pPr marL="457200" indent="-457200">
+              <a:spcAft>
+                <a:spcPts val="1200"/>
+              </a:spcAft>
+              <a:buClr>
+                <a:srgbClr val="0070C0"/>
+              </a:buClr>
+              <a:buFont typeface="Arial" pitchFamily="34" charset="0"/>
+              <a:buChar char="•"/>
+            </a:pPr>
+            <a:r>
+              <a:rPr lang="ru-RU" sz="2400" dirty="0"/>
+              <a:t>Иначе сказать, что пароль неверный</a:t>
+            </a:r>
+          </a:p>
+        </p:txBody>
+      </p:sp>
+    </p:spTree>
+    <p:extLst>
+      <p:ext uri="{BB962C8B-B14F-4D97-AF65-F5344CB8AC3E}">
+        <p14:creationId xmlns:p14="http://schemas.microsoft.com/office/powerpoint/2010/main" val="3259904433"/>
+      </p:ext>
+    </p:extLst>
+  </p:cSld>
+  <p:clrMapOvr>
+    <a:masterClrMapping/>
+  </p:clrMapOvr>
+  <p:timing>
+    <p:tnLst>
+      <p:par>
+        <p:cTn id="1" dur="indefinite" restart="never" nodeType="tmRoot"/>
+      </p:par>
+    </p:tnLst>
+  </p:timing>
 </p:sld>
 </file>
 

--- a/src/home/home_work.pptx
+++ b/src/home/home_work.pptx
@@ -17,8 +17,11 @@
     <p:sldId id="270" r:id="rId11"/>
     <p:sldId id="271" r:id="rId12"/>
     <p:sldId id="269" r:id="rId13"/>
-    <p:sldId id="260" r:id="rId14"/>
-    <p:sldId id="261" r:id="rId15"/>
+    <p:sldId id="272" r:id="rId14"/>
+    <p:sldId id="273" r:id="rId15"/>
+    <p:sldId id="274" r:id="rId16"/>
+    <p:sldId id="260" r:id="rId17"/>
+    <p:sldId id="261" r:id="rId18"/>
   </p:sldIdLst>
   <p:sldSz cx="9144000" cy="6858000" type="screen4x3"/>
   <p:notesSz cx="6858000" cy="9144000"/>
@@ -3905,6 +3908,723 @@
       </p:grpSpPr>
       <p:sp>
         <p:nvSpPr>
+          <p:cNvPr id="4" name="TextBox 3"/>
+          <p:cNvSpPr txBox="1"/>
+          <p:nvPr/>
+        </p:nvSpPr>
+        <p:spPr>
+          <a:xfrm>
+            <a:off x="2254074" y="2132856"/>
+            <a:ext cx="4613764" cy="1754326"/>
+          </a:xfrm>
+          <a:prstGeom prst="rect">
+            <a:avLst/>
+          </a:prstGeom>
+          <a:solidFill>
+            <a:srgbClr val="0070C0"/>
+          </a:solidFill>
+          <a:ln>
+            <a:noFill/>
+          </a:ln>
+        </p:spPr>
+        <p:txBody>
+          <a:bodyPr wrap="none" rtlCol="0">
+            <a:spAutoFit/>
+          </a:bodyPr>
+          <a:lstStyle/>
+          <a:p>
+            <a:pPr algn="ctr"/>
+            <a:r>
+              <a:rPr lang="ru-RU" sz="3600" b="1" dirty="0" smtClean="0">
+                <a:solidFill>
+                  <a:schemeClr val="bg1"/>
+                </a:solidFill>
+              </a:rPr>
+              <a:t>Лекция 4.</a:t>
+            </a:r>
+            <a:br>
+              <a:rPr lang="ru-RU" sz="3600" b="1" dirty="0" smtClean="0">
+                <a:solidFill>
+                  <a:schemeClr val="bg1"/>
+                </a:solidFill>
+              </a:rPr>
+            </a:br>
+            <a:r>
+              <a:rPr lang="ru-RU" sz="3600" b="1" dirty="0" smtClean="0">
+                <a:solidFill>
+                  <a:schemeClr val="bg1"/>
+                </a:solidFill>
+              </a:rPr>
+              <a:t>Оператор </a:t>
+            </a:r>
+            <a:r>
+              <a:rPr lang="en-US" sz="3600" b="1" dirty="0" smtClean="0">
+                <a:solidFill>
+                  <a:schemeClr val="bg1"/>
+                </a:solidFill>
+              </a:rPr>
+              <a:t>switch.</a:t>
+            </a:r>
+            <a:r>
+              <a:rPr lang="ru-RU" sz="3600" b="1" dirty="0" smtClean="0">
+                <a:solidFill>
+                  <a:schemeClr val="bg1"/>
+                </a:solidFill>
+              </a:rPr>
+              <a:t/>
+            </a:r>
+            <a:br>
+              <a:rPr lang="ru-RU" sz="3600" b="1" dirty="0" smtClean="0">
+                <a:solidFill>
+                  <a:schemeClr val="bg1"/>
+                </a:solidFill>
+              </a:rPr>
+            </a:br>
+            <a:r>
+              <a:rPr lang="ru-RU" sz="3600" b="1" dirty="0" smtClean="0">
+                <a:solidFill>
+                  <a:schemeClr val="bg1"/>
+                </a:solidFill>
+              </a:rPr>
+              <a:t>Циклы </a:t>
+            </a:r>
+            <a:r>
+              <a:rPr lang="en-US" sz="3600" b="1" dirty="0" smtClean="0">
+                <a:solidFill>
+                  <a:schemeClr val="bg1"/>
+                </a:solidFill>
+              </a:rPr>
+              <a:t>while, do-while</a:t>
+            </a:r>
+            <a:endParaRPr lang="ru-RU" sz="3600" b="1" dirty="0">
+              <a:solidFill>
+                <a:schemeClr val="bg1"/>
+              </a:solidFill>
+            </a:endParaRPr>
+          </a:p>
+        </p:txBody>
+      </p:sp>
+    </p:spTree>
+    <p:extLst>
+      <p:ext uri="{BB962C8B-B14F-4D97-AF65-F5344CB8AC3E}">
+        <p14:creationId xmlns:p14="http://schemas.microsoft.com/office/powerpoint/2010/main" val="486135682"/>
+      </p:ext>
+    </p:extLst>
+  </p:cSld>
+  <p:clrMapOvr>
+    <a:masterClrMapping/>
+  </p:clrMapOvr>
+  <p:timing>
+    <p:tnLst>
+      <p:par>
+        <p:cTn id="1" dur="indefinite" restart="never" nodeType="tmRoot"/>
+      </p:par>
+    </p:tnLst>
+  </p:timing>
+</p:sld>
+</file>
+
+<file path=ppt/slides/slide14.xml><?xml version="1.0" encoding="utf-8"?>
+<p:sld xmlns:a="http://schemas.openxmlformats.org/drawingml/2006/main" xmlns:r="http://schemas.openxmlformats.org/officeDocument/2006/relationships" xmlns:p="http://schemas.openxmlformats.org/presentationml/2006/main">
+  <p:cSld>
+    <p:spTree>
+      <p:nvGrpSpPr>
+        <p:cNvPr id="1" name=""/>
+        <p:cNvGrpSpPr/>
+        <p:nvPr/>
+      </p:nvGrpSpPr>
+      <p:grpSpPr>
+        <a:xfrm>
+          <a:off x="0" y="0"/>
+          <a:ext cx="0" cy="0"/>
+          <a:chOff x="0" y="0"/>
+          <a:chExt cx="0" cy="0"/>
+        </a:xfrm>
+      </p:grpSpPr>
+      <p:sp>
+        <p:nvSpPr>
+          <p:cNvPr id="8" name="TextBox 7"/>
+          <p:cNvSpPr txBox="1"/>
+          <p:nvPr/>
+        </p:nvSpPr>
+        <p:spPr>
+          <a:xfrm>
+            <a:off x="1475656" y="263347"/>
+            <a:ext cx="7416824" cy="646331"/>
+          </a:xfrm>
+          <a:prstGeom prst="rect">
+            <a:avLst/>
+          </a:prstGeom>
+          <a:solidFill>
+            <a:schemeClr val="tx2">
+              <a:lumMod val="40000"/>
+              <a:lumOff val="60000"/>
+            </a:schemeClr>
+          </a:solidFill>
+          <a:ln>
+            <a:noFill/>
+          </a:ln>
+        </p:spPr>
+        <p:txBody>
+          <a:bodyPr wrap="square" rtlCol="0">
+            <a:spAutoFit/>
+          </a:bodyPr>
+          <a:lstStyle/>
+          <a:p>
+            <a:pPr algn="ctr"/>
+            <a:endParaRPr lang="ru-RU" sz="3600" b="1" dirty="0">
+              <a:solidFill>
+                <a:schemeClr val="bg1"/>
+              </a:solidFill>
+            </a:endParaRPr>
+          </a:p>
+        </p:txBody>
+      </p:sp>
+      <p:sp>
+        <p:nvSpPr>
+          <p:cNvPr id="4" name="TextBox 3"/>
+          <p:cNvSpPr txBox="1"/>
+          <p:nvPr/>
+        </p:nvSpPr>
+        <p:spPr>
+          <a:xfrm>
+            <a:off x="296294" y="260648"/>
+            <a:ext cx="3115276" cy="646331"/>
+          </a:xfrm>
+          <a:prstGeom prst="rect">
+            <a:avLst/>
+          </a:prstGeom>
+          <a:solidFill>
+            <a:srgbClr val="0070C0"/>
+          </a:solidFill>
+          <a:ln>
+            <a:noFill/>
+          </a:ln>
+        </p:spPr>
+        <p:txBody>
+          <a:bodyPr wrap="none" rtlCol="0">
+            <a:spAutoFit/>
+          </a:bodyPr>
+          <a:lstStyle/>
+          <a:p>
+            <a:r>
+              <a:rPr lang="ru-RU" sz="3600" b="1" dirty="0" smtClean="0">
+                <a:solidFill>
+                  <a:schemeClr val="bg1"/>
+                </a:solidFill>
+              </a:rPr>
+              <a:t>Задача на дом</a:t>
+            </a:r>
+            <a:endParaRPr lang="ru-RU" sz="3600" b="1" dirty="0">
+              <a:solidFill>
+                <a:schemeClr val="bg1"/>
+              </a:solidFill>
+            </a:endParaRPr>
+          </a:p>
+        </p:txBody>
+      </p:sp>
+      <p:sp>
+        <p:nvSpPr>
+          <p:cNvPr id="6" name="TextBox 5"/>
+          <p:cNvSpPr txBox="1"/>
+          <p:nvPr/>
+        </p:nvSpPr>
+        <p:spPr>
+          <a:xfrm>
+            <a:off x="296293" y="1354220"/>
+            <a:ext cx="8463146" cy="5755422"/>
+          </a:xfrm>
+          <a:prstGeom prst="rect">
+            <a:avLst/>
+          </a:prstGeom>
+          <a:noFill/>
+        </p:spPr>
+        <p:txBody>
+          <a:bodyPr wrap="square" rtlCol="0">
+            <a:spAutoFit/>
+          </a:bodyPr>
+          <a:lstStyle/>
+          <a:p>
+            <a:pPr marL="457200" indent="-457200">
+              <a:spcAft>
+                <a:spcPts val="1200"/>
+              </a:spcAft>
+              <a:buClr>
+                <a:srgbClr val="0070C0"/>
+              </a:buClr>
+              <a:buFont typeface="Arial" pitchFamily="34" charset="0"/>
+              <a:buChar char="•"/>
+            </a:pPr>
+            <a:r>
+              <a:rPr lang="ru-RU" sz="2800" dirty="0" smtClean="0"/>
+              <a:t>Прочитать с консоли три числа</a:t>
+            </a:r>
+            <a:r>
+              <a:rPr lang="en-US" sz="2800" dirty="0" smtClean="0"/>
+              <a:t> – </a:t>
+            </a:r>
+            <a:r>
+              <a:rPr lang="ru-RU" sz="2800" dirty="0" smtClean="0"/>
+              <a:t>два операнда и код команды</a:t>
+            </a:r>
+          </a:p>
+          <a:p>
+            <a:pPr marL="457200" indent="-457200">
+              <a:spcAft>
+                <a:spcPts val="1200"/>
+              </a:spcAft>
+              <a:buClr>
+                <a:srgbClr val="0070C0"/>
+              </a:buClr>
+              <a:buFont typeface="Arial" pitchFamily="34" charset="0"/>
+              <a:buChar char="•"/>
+            </a:pPr>
+            <a:r>
+              <a:rPr lang="ru-RU" sz="2800" dirty="0" smtClean="0"/>
+              <a:t>Код команды должен быть от 1 до 4</a:t>
+            </a:r>
+          </a:p>
+          <a:p>
+            <a:pPr marL="457200" indent="-457200">
+              <a:spcAft>
+                <a:spcPts val="1200"/>
+              </a:spcAft>
+              <a:buClr>
+                <a:srgbClr val="0070C0"/>
+              </a:buClr>
+              <a:buFont typeface="Arial" pitchFamily="34" charset="0"/>
+              <a:buChar char="•"/>
+            </a:pPr>
+            <a:r>
+              <a:rPr lang="ru-RU" sz="2800" dirty="0" smtClean="0"/>
+              <a:t>Если он равен 1, то выполнить сложение первых двух чисел. Если 2, то вычитание, если 3, то умножение, если 4, то деление.</a:t>
+            </a:r>
+          </a:p>
+          <a:p>
+            <a:pPr marL="457200" indent="-457200">
+              <a:spcAft>
+                <a:spcPts val="1200"/>
+              </a:spcAft>
+              <a:buClr>
+                <a:srgbClr val="0070C0"/>
+              </a:buClr>
+              <a:buFont typeface="Arial" pitchFamily="34" charset="0"/>
+              <a:buChar char="•"/>
+            </a:pPr>
+            <a:r>
+              <a:rPr lang="ru-RU" sz="2800" dirty="0" smtClean="0"/>
+              <a:t>Если ввели число не от 1 до 4, то вывести, что неизвестная операция</a:t>
+            </a:r>
+          </a:p>
+          <a:p>
+            <a:pPr marL="457200" indent="-457200">
+              <a:spcAft>
+                <a:spcPts val="1200"/>
+              </a:spcAft>
+              <a:buClr>
+                <a:srgbClr val="0070C0"/>
+              </a:buClr>
+              <a:buFont typeface="Arial" pitchFamily="34" charset="0"/>
+              <a:buChar char="•"/>
+            </a:pPr>
+            <a:endParaRPr lang="ru-RU" sz="2800" dirty="0"/>
+          </a:p>
+          <a:p>
+            <a:pPr marL="457200" indent="-457200">
+              <a:spcAft>
+                <a:spcPts val="1200"/>
+              </a:spcAft>
+              <a:buClr>
+                <a:srgbClr val="0070C0"/>
+              </a:buClr>
+              <a:buFont typeface="Arial" pitchFamily="34" charset="0"/>
+              <a:buChar char="•"/>
+            </a:pPr>
+            <a:r>
+              <a:rPr lang="ru-RU" sz="2800" dirty="0" smtClean="0"/>
+              <a:t>Использовать </a:t>
+            </a:r>
+            <a:r>
+              <a:rPr lang="en-US" sz="2800" dirty="0" smtClean="0">
+                <a:solidFill>
+                  <a:srgbClr val="7030A0"/>
+                </a:solidFill>
+              </a:rPr>
+              <a:t>switch</a:t>
+            </a:r>
+            <a:endParaRPr lang="ru-RU" sz="2800" dirty="0" smtClean="0">
+              <a:solidFill>
+                <a:srgbClr val="7030A0"/>
+              </a:solidFill>
+            </a:endParaRPr>
+          </a:p>
+          <a:p>
+            <a:pPr marL="457200" indent="-457200">
+              <a:spcAft>
+                <a:spcPts val="1200"/>
+              </a:spcAft>
+              <a:buClr>
+                <a:srgbClr val="0070C0"/>
+              </a:buClr>
+              <a:buFont typeface="Arial" pitchFamily="34" charset="0"/>
+              <a:buChar char="•"/>
+            </a:pPr>
+            <a:endParaRPr lang="ru-RU" sz="2800" dirty="0"/>
+          </a:p>
+        </p:txBody>
+      </p:sp>
+    </p:spTree>
+    <p:extLst>
+      <p:ext uri="{BB962C8B-B14F-4D97-AF65-F5344CB8AC3E}">
+        <p14:creationId xmlns:p14="http://schemas.microsoft.com/office/powerpoint/2010/main" val="2638956151"/>
+      </p:ext>
+    </p:extLst>
+  </p:cSld>
+  <p:clrMapOvr>
+    <a:masterClrMapping/>
+  </p:clrMapOvr>
+  <p:timing>
+    <p:tnLst>
+      <p:par>
+        <p:cTn id="1" dur="indefinite" restart="never" nodeType="tmRoot"/>
+      </p:par>
+    </p:tnLst>
+  </p:timing>
+</p:sld>
+</file>
+
+<file path=ppt/slides/slide15.xml><?xml version="1.0" encoding="utf-8"?>
+<p:sld xmlns:a="http://schemas.openxmlformats.org/drawingml/2006/main" xmlns:r="http://schemas.openxmlformats.org/officeDocument/2006/relationships" xmlns:p="http://schemas.openxmlformats.org/presentationml/2006/main">
+  <p:cSld>
+    <p:spTree>
+      <p:nvGrpSpPr>
+        <p:cNvPr id="1" name=""/>
+        <p:cNvGrpSpPr/>
+        <p:nvPr/>
+      </p:nvGrpSpPr>
+      <p:grpSpPr>
+        <a:xfrm>
+          <a:off x="0" y="0"/>
+          <a:ext cx="0" cy="0"/>
+          <a:chOff x="0" y="0"/>
+          <a:chExt cx="0" cy="0"/>
+        </a:xfrm>
+      </p:grpSpPr>
+      <p:sp>
+        <p:nvSpPr>
+          <p:cNvPr id="8" name="TextBox 7"/>
+          <p:cNvSpPr txBox="1"/>
+          <p:nvPr/>
+        </p:nvSpPr>
+        <p:spPr>
+          <a:xfrm>
+            <a:off x="1475656" y="263347"/>
+            <a:ext cx="7416824" cy="646331"/>
+          </a:xfrm>
+          <a:prstGeom prst="rect">
+            <a:avLst/>
+          </a:prstGeom>
+          <a:solidFill>
+            <a:schemeClr val="tx2">
+              <a:lumMod val="40000"/>
+              <a:lumOff val="60000"/>
+            </a:schemeClr>
+          </a:solidFill>
+          <a:ln>
+            <a:noFill/>
+          </a:ln>
+        </p:spPr>
+        <p:txBody>
+          <a:bodyPr wrap="square" rtlCol="0">
+            <a:spAutoFit/>
+          </a:bodyPr>
+          <a:lstStyle/>
+          <a:p>
+            <a:pPr algn="ctr"/>
+            <a:endParaRPr lang="ru-RU" sz="3600" b="1" dirty="0">
+              <a:solidFill>
+                <a:schemeClr val="bg1"/>
+              </a:solidFill>
+            </a:endParaRPr>
+          </a:p>
+        </p:txBody>
+      </p:sp>
+      <p:sp>
+        <p:nvSpPr>
+          <p:cNvPr id="4" name="TextBox 3"/>
+          <p:cNvSpPr txBox="1"/>
+          <p:nvPr/>
+        </p:nvSpPr>
+        <p:spPr>
+          <a:xfrm>
+            <a:off x="296294" y="260648"/>
+            <a:ext cx="3115276" cy="646331"/>
+          </a:xfrm>
+          <a:prstGeom prst="rect">
+            <a:avLst/>
+          </a:prstGeom>
+          <a:solidFill>
+            <a:srgbClr val="0070C0"/>
+          </a:solidFill>
+          <a:ln>
+            <a:noFill/>
+          </a:ln>
+        </p:spPr>
+        <p:txBody>
+          <a:bodyPr wrap="none" rtlCol="0">
+            <a:spAutoFit/>
+          </a:bodyPr>
+          <a:lstStyle/>
+          <a:p>
+            <a:r>
+              <a:rPr lang="ru-RU" sz="3600" b="1" dirty="0" smtClean="0">
+                <a:solidFill>
+                  <a:schemeClr val="bg1"/>
+                </a:solidFill>
+              </a:rPr>
+              <a:t>Задача на дом</a:t>
+            </a:r>
+            <a:endParaRPr lang="ru-RU" sz="3600" b="1" dirty="0">
+              <a:solidFill>
+                <a:schemeClr val="bg1"/>
+              </a:solidFill>
+            </a:endParaRPr>
+          </a:p>
+        </p:txBody>
+      </p:sp>
+      <p:sp>
+        <p:nvSpPr>
+          <p:cNvPr id="6" name="TextBox 5"/>
+          <p:cNvSpPr txBox="1"/>
+          <p:nvPr/>
+        </p:nvSpPr>
+        <p:spPr>
+          <a:xfrm>
+            <a:off x="296293" y="1136500"/>
+            <a:ext cx="8463146" cy="5601533"/>
+          </a:xfrm>
+          <a:prstGeom prst="rect">
+            <a:avLst/>
+          </a:prstGeom>
+          <a:noFill/>
+        </p:spPr>
+        <p:txBody>
+          <a:bodyPr wrap="square" rtlCol="0">
+            <a:spAutoFit/>
+          </a:bodyPr>
+          <a:lstStyle/>
+          <a:p>
+            <a:pPr marL="457200" indent="-457200">
+              <a:spcAft>
+                <a:spcPts val="1200"/>
+              </a:spcAft>
+              <a:buClr>
+                <a:srgbClr val="0070C0"/>
+              </a:buClr>
+              <a:buFont typeface="Arial" pitchFamily="34" charset="0"/>
+              <a:buChar char="•"/>
+            </a:pPr>
+            <a:r>
+              <a:rPr lang="ru-RU" sz="2800" dirty="0"/>
+              <a:t>Распечатать числа от </a:t>
+            </a:r>
+            <a:r>
+              <a:rPr lang="ru-RU" sz="2800" dirty="0" smtClean="0"/>
+              <a:t>1 </a:t>
+            </a:r>
+            <a:r>
+              <a:rPr lang="ru-RU" sz="2800" dirty="0"/>
+              <a:t>до 100 при помощи цикла </a:t>
+            </a:r>
+            <a:r>
+              <a:rPr lang="ru-RU" sz="2800" dirty="0" err="1">
+                <a:solidFill>
+                  <a:srgbClr val="0070C0"/>
+                </a:solidFill>
+              </a:rPr>
+              <a:t>while</a:t>
+            </a:r>
+            <a:r>
+              <a:rPr lang="ru-RU" sz="2800" dirty="0"/>
+              <a:t>, но выводить по 10 чисел в строке, дальше делать перевод </a:t>
+            </a:r>
+            <a:r>
+              <a:rPr lang="ru-RU" sz="2800" dirty="0" smtClean="0"/>
+              <a:t>строки</a:t>
+            </a:r>
+          </a:p>
+          <a:p>
+            <a:pPr marL="457200" indent="-457200">
+              <a:spcAft>
+                <a:spcPts val="1200"/>
+              </a:spcAft>
+              <a:buClr>
+                <a:srgbClr val="0070C0"/>
+              </a:buClr>
+              <a:buFont typeface="Arial" pitchFamily="34" charset="0"/>
+              <a:buChar char="•"/>
+            </a:pPr>
+            <a:endParaRPr lang="ru-RU" sz="2800" dirty="0"/>
+          </a:p>
+          <a:p>
+            <a:pPr marL="457200" indent="-457200">
+              <a:spcAft>
+                <a:spcPts val="1200"/>
+              </a:spcAft>
+              <a:buClr>
+                <a:srgbClr val="0070C0"/>
+              </a:buClr>
+              <a:buFont typeface="Arial" pitchFamily="34" charset="0"/>
+              <a:buChar char="•"/>
+            </a:pPr>
+            <a:r>
+              <a:rPr lang="ru-RU" sz="2800" dirty="0" smtClean="0"/>
+              <a:t>  1   2   3    4   5   6    7   8   9 10</a:t>
+            </a:r>
+            <a:br>
+              <a:rPr lang="ru-RU" sz="2800" dirty="0" smtClean="0"/>
+            </a:br>
+            <a:r>
+              <a:rPr lang="ru-RU" sz="2800" dirty="0" smtClean="0"/>
+              <a:t>11 12 13 14 15 16 17 18 19 20</a:t>
+            </a:r>
+            <a:br>
+              <a:rPr lang="ru-RU" sz="2800" dirty="0" smtClean="0"/>
+            </a:br>
+            <a:r>
+              <a:rPr lang="ru-RU" sz="2800" dirty="0" smtClean="0"/>
+              <a:t>…</a:t>
+            </a:r>
+            <a:endParaRPr lang="en-US" sz="2800" dirty="0" smtClean="0"/>
+          </a:p>
+          <a:p>
+            <a:pPr marL="457200" indent="-457200">
+              <a:spcAft>
+                <a:spcPts val="1200"/>
+              </a:spcAft>
+              <a:buClr>
+                <a:srgbClr val="0070C0"/>
+              </a:buClr>
+              <a:buFont typeface="Arial" pitchFamily="34" charset="0"/>
+              <a:buChar char="•"/>
+            </a:pPr>
+            <a:endParaRPr lang="ru-RU" sz="2800" dirty="0" smtClean="0"/>
+          </a:p>
+          <a:p>
+            <a:pPr marL="457200" indent="-457200">
+              <a:spcAft>
+                <a:spcPts val="1200"/>
+              </a:spcAft>
+              <a:buClr>
+                <a:srgbClr val="0070C0"/>
+              </a:buClr>
+              <a:buFont typeface="Arial" pitchFamily="34" charset="0"/>
+              <a:buChar char="•"/>
+            </a:pPr>
+            <a:r>
+              <a:rPr lang="ru-RU" sz="2800" dirty="0" smtClean="0"/>
+              <a:t>* Выводить числа ровно, чтобы они были друг под другом. Использовать </a:t>
+            </a:r>
+            <a:r>
+              <a:rPr lang="en-US" sz="2800" dirty="0" err="1" smtClean="0">
+                <a:solidFill>
+                  <a:srgbClr val="7030A0"/>
+                </a:solidFill>
+              </a:rPr>
+              <a:t>System</a:t>
+            </a:r>
+            <a:r>
+              <a:rPr lang="en-US" sz="2800" dirty="0" err="1" smtClean="0"/>
+              <a:t>.out.printf</a:t>
+            </a:r>
+            <a:endParaRPr lang="en-US" sz="2800" dirty="0" smtClean="0"/>
+          </a:p>
+          <a:p>
+            <a:pPr marL="457200" indent="-457200">
+              <a:spcAft>
+                <a:spcPts val="1200"/>
+              </a:spcAft>
+              <a:buClr>
+                <a:srgbClr val="0070C0"/>
+              </a:buClr>
+              <a:buFont typeface="Arial" pitchFamily="34" charset="0"/>
+              <a:buChar char="•"/>
+            </a:pPr>
+            <a:r>
+              <a:rPr lang="en-US" sz="2800" dirty="0" smtClean="0"/>
+              <a:t>* </a:t>
+            </a:r>
+            <a:r>
+              <a:rPr lang="ru-RU" sz="2800" dirty="0" smtClean="0"/>
+              <a:t>Распечатать числа от </a:t>
+            </a:r>
+            <a:r>
+              <a:rPr lang="en-US" sz="2800" dirty="0" smtClean="0"/>
+              <a:t>x </a:t>
+            </a:r>
+            <a:r>
+              <a:rPr lang="ru-RU" sz="2800" dirty="0" smtClean="0"/>
+              <a:t>до </a:t>
+            </a:r>
+            <a:r>
+              <a:rPr lang="en-US" sz="2800" dirty="0" smtClean="0"/>
+              <a:t>y</a:t>
+            </a:r>
+            <a:r>
+              <a:rPr lang="ru-RU" sz="2800" dirty="0" smtClean="0"/>
+              <a:t> по </a:t>
+            </a:r>
+            <a:r>
+              <a:rPr lang="en-US" sz="2800" dirty="0" smtClean="0"/>
+              <a:t>n </a:t>
+            </a:r>
+            <a:r>
+              <a:rPr lang="ru-RU" sz="2800" dirty="0" smtClean="0"/>
+              <a:t>в строке</a:t>
+            </a:r>
+            <a:endParaRPr lang="ru-RU" sz="2800" dirty="0"/>
+          </a:p>
+        </p:txBody>
+      </p:sp>
+    </p:spTree>
+    <p:extLst>
+      <p:ext uri="{BB962C8B-B14F-4D97-AF65-F5344CB8AC3E}">
+        <p14:creationId xmlns:p14="http://schemas.microsoft.com/office/powerpoint/2010/main" val="455589542"/>
+      </p:ext>
+    </p:extLst>
+  </p:cSld>
+  <p:clrMapOvr>
+    <a:masterClrMapping/>
+  </p:clrMapOvr>
+  <p:timing>
+    <p:tnLst>
+      <p:par>
+        <p:cTn id="1" dur="indefinite" restart="never" nodeType="tmRoot"/>
+      </p:par>
+    </p:tnLst>
+  </p:timing>
+</p:sld>
+</file>
+
+<file path=ppt/slides/slide16.xml><?xml version="1.0" encoding="utf-8"?>
+<p:sld xmlns:a="http://schemas.openxmlformats.org/drawingml/2006/main" xmlns:r="http://schemas.openxmlformats.org/officeDocument/2006/relationships" xmlns:p="http://schemas.openxmlformats.org/presentationml/2006/main">
+  <p:cSld>
+    <p:spTree>
+      <p:nvGrpSpPr>
+        <p:cNvPr id="1" name=""/>
+        <p:cNvGrpSpPr/>
+        <p:nvPr/>
+      </p:nvGrpSpPr>
+      <p:grpSpPr>
+        <a:xfrm>
+          <a:off x="0" y="0"/>
+          <a:ext cx="0" cy="0"/>
+          <a:chOff x="0" y="0"/>
+          <a:chExt cx="0" cy="0"/>
+        </a:xfrm>
+      </p:grpSpPr>
+      <p:sp>
+        <p:nvSpPr>
           <p:cNvPr id="4" name="Заголовок 3"/>
           <p:cNvSpPr>
             <a:spLocks noGrp="1"/>
@@ -3954,7 +4674,7 @@
 </p:sld>
 </file>
 
-<file path=ppt/slides/slide14.xml><?xml version="1.0" encoding="utf-8"?>
+<file path=ppt/slides/slide17.xml><?xml version="1.0" encoding="utf-8"?>
 <p:sld xmlns:a="http://schemas.openxmlformats.org/drawingml/2006/main" xmlns:r="http://schemas.openxmlformats.org/officeDocument/2006/relationships" xmlns:p="http://schemas.openxmlformats.org/presentationml/2006/main">
   <p:cSld>
     <p:spTree>

--- a/src/home/home_work.pptx
+++ b/src/home/home_work.pptx
@@ -20,8 +20,10 @@
     <p:sldId id="272" r:id="rId14"/>
     <p:sldId id="273" r:id="rId15"/>
     <p:sldId id="274" r:id="rId16"/>
-    <p:sldId id="260" r:id="rId17"/>
-    <p:sldId id="261" r:id="rId18"/>
+    <p:sldId id="275" r:id="rId17"/>
+    <p:sldId id="276" r:id="rId18"/>
+    <p:sldId id="260" r:id="rId19"/>
+    <p:sldId id="261" r:id="rId20"/>
   </p:sldIdLst>
   <p:sldSz cx="9144000" cy="6858000" type="screen4x3"/>
   <p:notesSz cx="6858000" cy="9144000"/>
@@ -4625,6 +4627,348 @@
       </p:grpSpPr>
       <p:sp>
         <p:nvSpPr>
+          <p:cNvPr id="4" name="TextBox 3"/>
+          <p:cNvSpPr txBox="1"/>
+          <p:nvPr/>
+        </p:nvSpPr>
+        <p:spPr>
+          <a:xfrm>
+            <a:off x="2843438" y="2132856"/>
+            <a:ext cx="3435043" cy="1754326"/>
+          </a:xfrm>
+          <a:prstGeom prst="rect">
+            <a:avLst/>
+          </a:prstGeom>
+          <a:solidFill>
+            <a:srgbClr val="0070C0"/>
+          </a:solidFill>
+          <a:ln>
+            <a:noFill/>
+          </a:ln>
+        </p:spPr>
+        <p:txBody>
+          <a:bodyPr wrap="none" rtlCol="0">
+            <a:spAutoFit/>
+          </a:bodyPr>
+          <a:lstStyle/>
+          <a:p>
+            <a:pPr algn="ctr"/>
+            <a:r>
+              <a:rPr lang="ru-RU" sz="3600" b="1" dirty="0" smtClean="0">
+                <a:solidFill>
+                  <a:schemeClr val="bg1"/>
+                </a:solidFill>
+              </a:rPr>
+              <a:t>Лекция 5.</a:t>
+            </a:r>
+            <a:br>
+              <a:rPr lang="ru-RU" sz="3600" b="1" dirty="0" smtClean="0">
+                <a:solidFill>
+                  <a:schemeClr val="bg1"/>
+                </a:solidFill>
+              </a:rPr>
+            </a:br>
+            <a:r>
+              <a:rPr lang="ru-RU" sz="3600" b="1" dirty="0" smtClean="0">
+                <a:solidFill>
+                  <a:schemeClr val="bg1"/>
+                </a:solidFill>
+              </a:rPr>
+              <a:t>Цикл</a:t>
+            </a:r>
+            <a:r>
+              <a:rPr lang="en-US" sz="3600" b="1" dirty="0" smtClean="0">
+                <a:solidFill>
+                  <a:schemeClr val="bg1"/>
+                </a:solidFill>
+              </a:rPr>
+              <a:t> for</a:t>
+            </a:r>
+            <a:r>
+              <a:rPr lang="ru-RU" sz="3600" b="1" dirty="0" smtClean="0">
+                <a:solidFill>
+                  <a:schemeClr val="bg1"/>
+                </a:solidFill>
+              </a:rPr>
+              <a:t>. </a:t>
+            </a:r>
+            <a:br>
+              <a:rPr lang="ru-RU" sz="3600" b="1" dirty="0" smtClean="0">
+                <a:solidFill>
+                  <a:schemeClr val="bg1"/>
+                </a:solidFill>
+              </a:rPr>
+            </a:br>
+            <a:r>
+              <a:rPr lang="en-US" sz="3600" b="1" dirty="0" smtClean="0">
+                <a:solidFill>
+                  <a:schemeClr val="bg1"/>
+                </a:solidFill>
+              </a:rPr>
+              <a:t>Break </a:t>
+            </a:r>
+            <a:r>
+              <a:rPr lang="ru-RU" sz="3600" b="1" dirty="0" smtClean="0">
+                <a:solidFill>
+                  <a:schemeClr val="bg1"/>
+                </a:solidFill>
+              </a:rPr>
+              <a:t>и </a:t>
+            </a:r>
+            <a:r>
+              <a:rPr lang="en-US" sz="3600" b="1" dirty="0" smtClean="0">
+                <a:solidFill>
+                  <a:schemeClr val="bg1"/>
+                </a:solidFill>
+              </a:rPr>
+              <a:t>continue</a:t>
+            </a:r>
+            <a:endParaRPr lang="ru-RU" sz="3600" b="1" dirty="0">
+              <a:solidFill>
+                <a:schemeClr val="bg1"/>
+              </a:solidFill>
+            </a:endParaRPr>
+          </a:p>
+        </p:txBody>
+      </p:sp>
+    </p:spTree>
+    <p:extLst>
+      <p:ext uri="{BB962C8B-B14F-4D97-AF65-F5344CB8AC3E}">
+        <p14:creationId xmlns:p14="http://schemas.microsoft.com/office/powerpoint/2010/main" val="1022078892"/>
+      </p:ext>
+    </p:extLst>
+  </p:cSld>
+  <p:clrMapOvr>
+    <a:masterClrMapping/>
+  </p:clrMapOvr>
+  <p:timing>
+    <p:tnLst>
+      <p:par>
+        <p:cTn id="1" dur="indefinite" restart="never" nodeType="tmRoot"/>
+      </p:par>
+    </p:tnLst>
+  </p:timing>
+</p:sld>
+</file>
+
+<file path=ppt/slides/slide17.xml><?xml version="1.0" encoding="utf-8"?>
+<p:sld xmlns:a="http://schemas.openxmlformats.org/drawingml/2006/main" xmlns:r="http://schemas.openxmlformats.org/officeDocument/2006/relationships" xmlns:p="http://schemas.openxmlformats.org/presentationml/2006/main">
+  <p:cSld>
+    <p:spTree>
+      <p:nvGrpSpPr>
+        <p:cNvPr id="1" name=""/>
+        <p:cNvGrpSpPr/>
+        <p:nvPr/>
+      </p:nvGrpSpPr>
+      <p:grpSpPr>
+        <a:xfrm>
+          <a:off x="0" y="0"/>
+          <a:ext cx="0" cy="0"/>
+          <a:chOff x="0" y="0"/>
+          <a:chExt cx="0" cy="0"/>
+        </a:xfrm>
+      </p:grpSpPr>
+      <p:sp>
+        <p:nvSpPr>
+          <p:cNvPr id="8" name="TextBox 7"/>
+          <p:cNvSpPr txBox="1"/>
+          <p:nvPr/>
+        </p:nvSpPr>
+        <p:spPr>
+          <a:xfrm>
+            <a:off x="1475656" y="263347"/>
+            <a:ext cx="7416824" cy="646331"/>
+          </a:xfrm>
+          <a:prstGeom prst="rect">
+            <a:avLst/>
+          </a:prstGeom>
+          <a:solidFill>
+            <a:schemeClr val="tx2">
+              <a:lumMod val="40000"/>
+              <a:lumOff val="60000"/>
+            </a:schemeClr>
+          </a:solidFill>
+          <a:ln>
+            <a:noFill/>
+          </a:ln>
+        </p:spPr>
+        <p:txBody>
+          <a:bodyPr wrap="square" rtlCol="0">
+            <a:spAutoFit/>
+          </a:bodyPr>
+          <a:lstStyle/>
+          <a:p>
+            <a:pPr algn="ctr"/>
+            <a:endParaRPr lang="ru-RU" sz="3600" b="1" dirty="0">
+              <a:solidFill>
+                <a:schemeClr val="bg1"/>
+              </a:solidFill>
+            </a:endParaRPr>
+          </a:p>
+        </p:txBody>
+      </p:sp>
+      <p:sp>
+        <p:nvSpPr>
+          <p:cNvPr id="4" name="TextBox 3"/>
+          <p:cNvSpPr txBox="1"/>
+          <p:nvPr/>
+        </p:nvSpPr>
+        <p:spPr>
+          <a:xfrm>
+            <a:off x="296294" y="260648"/>
+            <a:ext cx="3115276" cy="646331"/>
+          </a:xfrm>
+          <a:prstGeom prst="rect">
+            <a:avLst/>
+          </a:prstGeom>
+          <a:solidFill>
+            <a:srgbClr val="0070C0"/>
+          </a:solidFill>
+          <a:ln>
+            <a:noFill/>
+          </a:ln>
+        </p:spPr>
+        <p:txBody>
+          <a:bodyPr wrap="none" rtlCol="0">
+            <a:spAutoFit/>
+          </a:bodyPr>
+          <a:lstStyle/>
+          <a:p>
+            <a:r>
+              <a:rPr lang="ru-RU" sz="3600" b="1" dirty="0" smtClean="0">
+                <a:solidFill>
+                  <a:schemeClr val="bg1"/>
+                </a:solidFill>
+              </a:rPr>
+              <a:t>Задача на дом</a:t>
+            </a:r>
+            <a:endParaRPr lang="ru-RU" sz="3600" b="1" dirty="0">
+              <a:solidFill>
+                <a:schemeClr val="bg1"/>
+              </a:solidFill>
+            </a:endParaRPr>
+          </a:p>
+        </p:txBody>
+      </p:sp>
+      <p:sp>
+        <p:nvSpPr>
+          <p:cNvPr id="6" name="TextBox 5"/>
+          <p:cNvSpPr txBox="1"/>
+          <p:nvPr/>
+        </p:nvSpPr>
+        <p:spPr>
+          <a:xfrm>
+            <a:off x="296292" y="1354220"/>
+            <a:ext cx="8522967" cy="3847207"/>
+          </a:xfrm>
+          <a:prstGeom prst="rect">
+            <a:avLst/>
+          </a:prstGeom>
+          <a:noFill/>
+        </p:spPr>
+        <p:txBody>
+          <a:bodyPr wrap="square" rtlCol="0">
+            <a:spAutoFit/>
+          </a:bodyPr>
+          <a:lstStyle/>
+          <a:p>
+            <a:pPr marL="457200" indent="-457200">
+              <a:spcAft>
+                <a:spcPts val="1200"/>
+              </a:spcAft>
+              <a:buClr>
+                <a:srgbClr val="0070C0"/>
+              </a:buClr>
+              <a:buFont typeface="Arial" pitchFamily="34" charset="0"/>
+              <a:buChar char="•"/>
+            </a:pPr>
+            <a:r>
+              <a:rPr lang="ru-RU" sz="2800" dirty="0"/>
+              <a:t>Сделать бесконечный цикл, в нем читать строку с консоли</a:t>
+            </a:r>
+          </a:p>
+          <a:p>
+            <a:pPr marL="457200" indent="-457200">
+              <a:spcAft>
+                <a:spcPts val="1200"/>
+              </a:spcAft>
+              <a:buClr>
+                <a:srgbClr val="0070C0"/>
+              </a:buClr>
+              <a:buFont typeface="Arial" pitchFamily="34" charset="0"/>
+              <a:buChar char="•"/>
+            </a:pPr>
+            <a:r>
+              <a:rPr lang="ru-RU" sz="2800" dirty="0"/>
+              <a:t>После прочтения строки, сравнить её с некоторой известной строкой. Если строка совпала, то прервать цикл и завершить программу. </a:t>
+            </a:r>
+          </a:p>
+          <a:p>
+            <a:pPr marL="457200" indent="-457200">
+              <a:spcAft>
+                <a:spcPts val="1200"/>
+              </a:spcAft>
+              <a:buClr>
+                <a:srgbClr val="0070C0"/>
+              </a:buClr>
+              <a:buFont typeface="Arial" pitchFamily="34" charset="0"/>
+              <a:buChar char="•"/>
+            </a:pPr>
+            <a:r>
+              <a:rPr lang="ru-RU" sz="2800" dirty="0"/>
+              <a:t>Если строка не совпала, то не прерывать цикл и просто выдать сообщение: нужно ввести строку </a:t>
+            </a:r>
+            <a:r>
+              <a:rPr lang="ru-RU" sz="2800" dirty="0" smtClean="0"/>
+              <a:t>«Ваша строка»</a:t>
+            </a:r>
+            <a:endParaRPr lang="ru-RU" sz="2800" dirty="0">
+              <a:solidFill>
+                <a:srgbClr val="FF0000"/>
+              </a:solidFill>
+            </a:endParaRPr>
+          </a:p>
+        </p:txBody>
+      </p:sp>
+    </p:spTree>
+    <p:extLst>
+      <p:ext uri="{BB962C8B-B14F-4D97-AF65-F5344CB8AC3E}">
+        <p14:creationId xmlns:p14="http://schemas.microsoft.com/office/powerpoint/2010/main" val="507187556"/>
+      </p:ext>
+    </p:extLst>
+  </p:cSld>
+  <p:clrMapOvr>
+    <a:masterClrMapping/>
+  </p:clrMapOvr>
+  <p:timing>
+    <p:tnLst>
+      <p:par>
+        <p:cTn id="1" dur="indefinite" restart="never" nodeType="tmRoot"/>
+      </p:par>
+    </p:tnLst>
+  </p:timing>
+</p:sld>
+</file>
+
+<file path=ppt/slides/slide18.xml><?xml version="1.0" encoding="utf-8"?>
+<p:sld xmlns:a="http://schemas.openxmlformats.org/drawingml/2006/main" xmlns:r="http://schemas.openxmlformats.org/officeDocument/2006/relationships" xmlns:p="http://schemas.openxmlformats.org/presentationml/2006/main">
+  <p:cSld>
+    <p:spTree>
+      <p:nvGrpSpPr>
+        <p:cNvPr id="1" name=""/>
+        <p:cNvGrpSpPr/>
+        <p:nvPr/>
+      </p:nvGrpSpPr>
+      <p:grpSpPr>
+        <a:xfrm>
+          <a:off x="0" y="0"/>
+          <a:ext cx="0" cy="0"/>
+          <a:chOff x="0" y="0"/>
+          <a:chExt cx="0" cy="0"/>
+        </a:xfrm>
+      </p:grpSpPr>
+      <p:sp>
+        <p:nvSpPr>
           <p:cNvPr id="4" name="Заголовок 3"/>
           <p:cNvSpPr>
             <a:spLocks noGrp="1"/>
@@ -4674,7 +5018,7 @@
 </p:sld>
 </file>
 
-<file path=ppt/slides/slide17.xml><?xml version="1.0" encoding="utf-8"?>
+<file path=ppt/slides/slide19.xml><?xml version="1.0" encoding="utf-8"?>
 <p:sld xmlns:a="http://schemas.openxmlformats.org/drawingml/2006/main" xmlns:r="http://schemas.openxmlformats.org/officeDocument/2006/relationships" xmlns:p="http://schemas.openxmlformats.org/presentationml/2006/main">
   <p:cSld>
     <p:spTree>

--- a/src/home/home_work.pptx
+++ b/src/home/home_work.pptx
@@ -22,8 +22,11 @@
     <p:sldId id="274" r:id="rId16"/>
     <p:sldId id="275" r:id="rId17"/>
     <p:sldId id="276" r:id="rId18"/>
-    <p:sldId id="260" r:id="rId19"/>
-    <p:sldId id="261" r:id="rId20"/>
+    <p:sldId id="277" r:id="rId19"/>
+    <p:sldId id="278" r:id="rId20"/>
+    <p:sldId id="279" r:id="rId21"/>
+    <p:sldId id="260" r:id="rId22"/>
+    <p:sldId id="261" r:id="rId23"/>
   </p:sldIdLst>
   <p:sldSz cx="9144000" cy="6858000" type="screen4x3"/>
   <p:notesSz cx="6858000" cy="9144000"/>
@@ -4969,52 +4972,80 @@
       </p:grpSpPr>
       <p:sp>
         <p:nvSpPr>
-          <p:cNvPr id="4" name="Заголовок 3"/>
-          <p:cNvSpPr>
-            <a:spLocks noGrp="1"/>
-          </p:cNvSpPr>
-          <p:nvPr>
-            <p:ph type="title"/>
-          </p:nvPr>
-        </p:nvSpPr>
-        <p:spPr/>
-        <p:txBody>
-          <a:bodyPr/>
-          <a:lstStyle/>
-          <a:p>
-            <a:endParaRPr lang="ru-RU"/>
-          </a:p>
-        </p:txBody>
-      </p:sp>
-      <p:sp>
-        <p:nvSpPr>
-          <p:cNvPr id="5" name="Объект 4"/>
-          <p:cNvSpPr>
-            <a:spLocks noGrp="1"/>
-          </p:cNvSpPr>
-          <p:nvPr>
-            <p:ph idx="1"/>
-          </p:nvPr>
-        </p:nvSpPr>
-        <p:spPr/>
-        <p:txBody>
-          <a:bodyPr/>
-          <a:lstStyle/>
-          <a:p>
-            <a:endParaRPr lang="ru-RU" dirty="0"/>
+          <p:cNvPr id="4" name="TextBox 3"/>
+          <p:cNvSpPr txBox="1"/>
+          <p:nvPr/>
+        </p:nvSpPr>
+        <p:spPr>
+          <a:xfrm>
+            <a:off x="3489993" y="2132856"/>
+            <a:ext cx="2141932" cy="1200329"/>
+          </a:xfrm>
+          <a:prstGeom prst="rect">
+            <a:avLst/>
+          </a:prstGeom>
+          <a:solidFill>
+            <a:srgbClr val="0070C0"/>
+          </a:solidFill>
+          <a:ln>
+            <a:noFill/>
+          </a:ln>
+        </p:spPr>
+        <p:txBody>
+          <a:bodyPr wrap="none" rtlCol="0">
+            <a:spAutoFit/>
+          </a:bodyPr>
+          <a:lstStyle/>
+          <a:p>
+            <a:pPr algn="ctr"/>
+            <a:r>
+              <a:rPr lang="ru-RU" sz="3600" b="1" dirty="0" smtClean="0">
+                <a:solidFill>
+                  <a:schemeClr val="bg1"/>
+                </a:solidFill>
+              </a:rPr>
+              <a:t>Лекция 6.</a:t>
+            </a:r>
+            <a:br>
+              <a:rPr lang="ru-RU" sz="3600" b="1" dirty="0" smtClean="0">
+                <a:solidFill>
+                  <a:schemeClr val="bg1"/>
+                </a:solidFill>
+              </a:rPr>
+            </a:br>
+            <a:r>
+              <a:rPr lang="ru-RU" sz="3600" b="1" dirty="0" smtClean="0">
+                <a:solidFill>
+                  <a:schemeClr val="bg1"/>
+                </a:solidFill>
+              </a:rPr>
+              <a:t>Функции</a:t>
+            </a:r>
+            <a:endParaRPr lang="ru-RU" sz="3600" b="1" dirty="0">
+              <a:solidFill>
+                <a:schemeClr val="bg1"/>
+              </a:solidFill>
+            </a:endParaRPr>
           </a:p>
         </p:txBody>
       </p:sp>
     </p:spTree>
     <p:extLst>
       <p:ext uri="{BB962C8B-B14F-4D97-AF65-F5344CB8AC3E}">
-        <p14:creationId xmlns:p14="http://schemas.microsoft.com/office/powerpoint/2010/main" val="3619104847"/>
+        <p14:creationId xmlns:p14="http://schemas.microsoft.com/office/powerpoint/2010/main" val="2154180182"/>
       </p:ext>
     </p:extLst>
   </p:cSld>
   <p:clrMapOvr>
     <a:masterClrMapping/>
   </p:clrMapOvr>
+  <p:timing>
+    <p:tnLst>
+      <p:par>
+        <p:cTn id="1" dur="indefinite" restart="never" nodeType="tmRoot"/>
+      </p:par>
+    </p:tnLst>
+  </p:timing>
 </p:sld>
 </file>
 
@@ -5037,257 +5068,263 @@
       </p:grpSpPr>
       <p:sp>
         <p:nvSpPr>
-          <p:cNvPr id="2" name="Заголовок 1"/>
-          <p:cNvSpPr>
-            <a:spLocks noGrp="1"/>
-          </p:cNvSpPr>
-          <p:nvPr>
-            <p:ph type="title"/>
-          </p:nvPr>
-        </p:nvSpPr>
-        <p:spPr/>
-        <p:txBody>
-          <a:bodyPr/>
-          <a:lstStyle/>
-          <a:p>
-            <a:endParaRPr lang="ru-RU"/>
-          </a:p>
-        </p:txBody>
-      </p:sp>
-      <p:sp>
-        <p:nvSpPr>
-          <p:cNvPr id="3" name="Объект 2"/>
-          <p:cNvSpPr>
-            <a:spLocks noGrp="1"/>
-          </p:cNvSpPr>
-          <p:nvPr>
-            <p:ph idx="1"/>
-          </p:nvPr>
-        </p:nvSpPr>
-        <p:spPr/>
-        <p:txBody>
-          <a:bodyPr/>
-          <a:lstStyle/>
-          <a:p>
-            <a:endParaRPr lang="ru-RU"/>
-          </a:p>
-        </p:txBody>
-      </p:sp>
-      <p:sp>
-        <p:nvSpPr>
-          <p:cNvPr id="4" name="Прямоугольник 3"/>
-          <p:cNvSpPr/>
+          <p:cNvPr id="8" name="TextBox 7"/>
+          <p:cNvSpPr txBox="1"/>
           <p:nvPr/>
         </p:nvSpPr>
         <p:spPr>
           <a:xfrm>
-            <a:off x="2286000" y="2690336"/>
-            <a:ext cx="4572000" cy="2862322"/>
+            <a:off x="1475656" y="263347"/>
+            <a:ext cx="7416824" cy="646331"/>
           </a:xfrm>
           <a:prstGeom prst="rect">
             <a:avLst/>
           </a:prstGeom>
+          <a:solidFill>
+            <a:schemeClr val="tx2">
+              <a:lumMod val="40000"/>
+              <a:lumOff val="60000"/>
+            </a:schemeClr>
+          </a:solidFill>
+          <a:ln>
+            <a:noFill/>
+          </a:ln>
         </p:spPr>
         <p:txBody>
-          <a:bodyPr>
+          <a:bodyPr wrap="square" rtlCol="0">
             <a:spAutoFit/>
           </a:bodyPr>
           <a:lstStyle/>
           <a:p>
             <a:pPr algn="ctr"/>
-            <a:r>
-              <a:rPr lang="ru-RU" b="1" dirty="0" smtClean="0">
-                <a:solidFill>
-                  <a:schemeClr val="bg1"/>
-                </a:solidFill>
-              </a:rPr>
-              <a:t>Лекция 2.</a:t>
-            </a:r>
-            <a:br>
-              <a:rPr lang="ru-RU" b="1" dirty="0" smtClean="0">
-                <a:solidFill>
-                  <a:schemeClr val="bg1"/>
-                </a:solidFill>
-              </a:rPr>
-            </a:br>
-            <a:r>
-              <a:rPr lang="ru-RU" b="1" dirty="0" smtClean="0">
-                <a:solidFill>
-                  <a:schemeClr val="bg1"/>
-                </a:solidFill>
-              </a:rPr>
-              <a:t>Лекция 2.</a:t>
-            </a:r>
-            <a:br>
-              <a:rPr lang="ru-RU" b="1" dirty="0" smtClean="0">
-                <a:solidFill>
-                  <a:schemeClr val="bg1"/>
-                </a:solidFill>
-              </a:rPr>
-            </a:br>
-            <a:r>
-              <a:rPr lang="ru-RU" b="1" dirty="0" smtClean="0">
-                <a:solidFill>
-                  <a:schemeClr val="bg1"/>
-                </a:solidFill>
-              </a:rPr>
-              <a:t>Строки. </a:t>
-            </a:r>
-            <a:endParaRPr lang="en-US" b="1" dirty="0" smtClean="0">
+            <a:endParaRPr lang="ru-RU" sz="3600" b="1" dirty="0">
               <a:solidFill>
                 <a:schemeClr val="bg1"/>
               </a:solidFill>
             </a:endParaRPr>
           </a:p>
-          <a:p>
-            <a:pPr algn="ctr"/>
-            <a:r>
-              <a:rPr lang="ru-RU" b="1" dirty="0" smtClean="0">
+        </p:txBody>
+      </p:sp>
+      <p:sp>
+        <p:nvSpPr>
+          <p:cNvPr id="4" name="TextBox 3"/>
+          <p:cNvSpPr txBox="1"/>
+          <p:nvPr/>
+        </p:nvSpPr>
+        <p:spPr>
+          <a:xfrm>
+            <a:off x="296294" y="260648"/>
+            <a:ext cx="3115276" cy="646331"/>
+          </a:xfrm>
+          <a:prstGeom prst="rect">
+            <a:avLst/>
+          </a:prstGeom>
+          <a:solidFill>
+            <a:srgbClr val="0070C0"/>
+          </a:solidFill>
+          <a:ln>
+            <a:noFill/>
+          </a:ln>
+        </p:spPr>
+        <p:txBody>
+          <a:bodyPr wrap="none" rtlCol="0">
+            <a:spAutoFit/>
+          </a:bodyPr>
+          <a:lstStyle/>
+          <a:p>
+            <a:r>
+              <a:rPr lang="ru-RU" sz="3600" b="1" dirty="0" smtClean="0">
                 <a:solidFill>
                   <a:schemeClr val="bg1"/>
                 </a:solidFill>
               </a:rPr>
-              <a:t>Арифметика. </a:t>
-            </a:r>
-            <a:endParaRPr lang="en-US" b="1" dirty="0" smtClean="0">
+              <a:t>Задача на дом</a:t>
+            </a:r>
+            <a:endParaRPr lang="ru-RU" sz="3600" b="1" dirty="0">
               <a:solidFill>
                 <a:schemeClr val="bg1"/>
               </a:solidFill>
             </a:endParaRPr>
           </a:p>
-          <a:p>
-            <a:pPr algn="ctr"/>
-            <a:r>
-              <a:rPr lang="ru-RU" b="1" dirty="0" smtClean="0">
-                <a:solidFill>
-                  <a:schemeClr val="bg1"/>
-                </a:solidFill>
-              </a:rPr>
-              <a:t>Класс </a:t>
-            </a:r>
-            <a:r>
-              <a:rPr lang="en-US" b="1" dirty="0" smtClean="0">
-                <a:solidFill>
-                  <a:schemeClr val="bg1"/>
-                </a:solidFill>
-              </a:rPr>
-              <a:t>Math</a:t>
-            </a:r>
-            <a:r>
-              <a:rPr lang="ru-RU" b="1" dirty="0" smtClean="0">
-                <a:solidFill>
-                  <a:schemeClr val="bg1"/>
-                </a:solidFill>
-              </a:rPr>
-              <a:t/>
-            </a:r>
-            <a:br>
-              <a:rPr lang="ru-RU" b="1" dirty="0" smtClean="0">
-                <a:solidFill>
-                  <a:schemeClr val="bg1"/>
-                </a:solidFill>
-              </a:rPr>
-            </a:br>
-            <a:r>
-              <a:rPr lang="ru-RU" b="1" dirty="0" smtClean="0">
-                <a:solidFill>
-                  <a:schemeClr val="bg1"/>
-                </a:solidFill>
-              </a:rPr>
-              <a:t>Чтение с консоли</a:t>
-            </a:r>
-          </a:p>
-          <a:p>
-            <a:pPr algn="ctr"/>
-            <a:r>
-              <a:rPr lang="ru-RU" b="1" dirty="0" smtClean="0">
-                <a:solidFill>
-                  <a:schemeClr val="bg1"/>
-                </a:solidFill>
-              </a:rPr>
-              <a:t>Строки. </a:t>
-            </a:r>
-            <a:endParaRPr lang="en-US" b="1" dirty="0" smtClean="0">
-              <a:solidFill>
-                <a:schemeClr val="bg1"/>
-              </a:solidFill>
-            </a:endParaRPr>
-          </a:p>
-          <a:p>
-            <a:pPr algn="ctr"/>
-            <a:r>
-              <a:rPr lang="ru-RU" b="1" dirty="0" smtClean="0">
-                <a:solidFill>
-                  <a:schemeClr val="bg1"/>
-                </a:solidFill>
-              </a:rPr>
-              <a:t>Арифметика. </a:t>
-            </a:r>
-            <a:endParaRPr lang="en-US" b="1" dirty="0" smtClean="0">
-              <a:solidFill>
-                <a:schemeClr val="bg1"/>
-              </a:solidFill>
-            </a:endParaRPr>
-          </a:p>
-          <a:p>
-            <a:pPr algn="ctr"/>
-            <a:r>
-              <a:rPr lang="ru-RU" b="1" dirty="0" smtClean="0">
-                <a:solidFill>
-                  <a:schemeClr val="bg1"/>
-                </a:solidFill>
-              </a:rPr>
-              <a:t>Класс </a:t>
-            </a:r>
-            <a:r>
-              <a:rPr lang="en-US" b="1" dirty="0" smtClean="0">
-                <a:solidFill>
-                  <a:schemeClr val="bg1"/>
-                </a:solidFill>
-              </a:rPr>
-              <a:t>Math</a:t>
-            </a:r>
-            <a:r>
-              <a:rPr lang="ru-RU" b="1" dirty="0" smtClean="0">
-                <a:solidFill>
-                  <a:schemeClr val="bg1"/>
-                </a:solidFill>
-              </a:rPr>
-              <a:t/>
-            </a:r>
-            <a:br>
-              <a:rPr lang="ru-RU" b="1" dirty="0" smtClean="0">
-                <a:solidFill>
-                  <a:schemeClr val="bg1"/>
-                </a:solidFill>
-              </a:rPr>
-            </a:br>
-            <a:r>
-              <a:rPr lang="ru-RU" b="1" dirty="0" smtClean="0">
-                <a:solidFill>
-                  <a:schemeClr val="bg1"/>
-                </a:solidFill>
-              </a:rPr>
-              <a:t>Чтение с консоли</a:t>
-            </a:r>
-            <a:endParaRPr lang="ru-RU" b="1" dirty="0">
-              <a:solidFill>
-                <a:schemeClr val="bg1"/>
-              </a:solidFill>
-            </a:endParaRPr>
+        </p:txBody>
+      </p:sp>
+      <p:sp>
+        <p:nvSpPr>
+          <p:cNvPr id="6" name="TextBox 5"/>
+          <p:cNvSpPr txBox="1"/>
+          <p:nvPr/>
+        </p:nvSpPr>
+        <p:spPr>
+          <a:xfrm>
+            <a:off x="296292" y="1354220"/>
+            <a:ext cx="8522967" cy="3508653"/>
+          </a:xfrm>
+          <a:prstGeom prst="rect">
+            <a:avLst/>
+          </a:prstGeom>
+          <a:noFill/>
+        </p:spPr>
+        <p:txBody>
+          <a:bodyPr wrap="square" rtlCol="0">
+            <a:spAutoFit/>
+          </a:bodyPr>
+          <a:lstStyle/>
+          <a:p>
+            <a:pPr marL="457200" indent="-457200">
+              <a:spcAft>
+                <a:spcPts val="1200"/>
+              </a:spcAft>
+              <a:buClr>
+                <a:srgbClr val="0070C0"/>
+              </a:buClr>
+              <a:buFont typeface="Arial" pitchFamily="34" charset="0"/>
+              <a:buChar char="•"/>
+            </a:pPr>
+            <a:r>
+              <a:rPr lang="ru-RU" sz="2400" dirty="0" smtClean="0"/>
+              <a:t>Написать функцию, которая объединяет в себе две операции: вывод пользователю приглашения для ввода в консоль и чтение </a:t>
+            </a:r>
+            <a:r>
+              <a:rPr lang="en-US" sz="2400" dirty="0" err="1" smtClean="0">
+                <a:solidFill>
+                  <a:srgbClr val="0070C0"/>
+                </a:solidFill>
+              </a:rPr>
+              <a:t>int</a:t>
+            </a:r>
+            <a:r>
+              <a:rPr lang="en-US" sz="2400" dirty="0" smtClean="0"/>
+              <a:t>’</a:t>
+            </a:r>
+            <a:r>
+              <a:rPr lang="ru-RU" sz="2400" dirty="0" smtClean="0"/>
+              <a:t>а с консоли</a:t>
+            </a:r>
+          </a:p>
+          <a:p>
+            <a:pPr marL="457200" indent="-457200">
+              <a:spcAft>
+                <a:spcPts val="1200"/>
+              </a:spcAft>
+              <a:buClr>
+                <a:srgbClr val="0070C0"/>
+              </a:buClr>
+              <a:buFont typeface="Arial" pitchFamily="34" charset="0"/>
+              <a:buChar char="•"/>
+            </a:pPr>
+            <a:r>
+              <a:rPr lang="ru-RU" sz="2400" dirty="0" smtClean="0"/>
+              <a:t>Функция должна принимать </a:t>
+            </a:r>
+            <a:r>
+              <a:rPr lang="ru-RU" sz="2400" dirty="0"/>
+              <a:t>строку и </a:t>
+            </a:r>
+            <a:r>
+              <a:rPr lang="ru-RU" sz="2400" dirty="0" smtClean="0"/>
+              <a:t>возвращать прочитанное число</a:t>
+            </a:r>
+            <a:endParaRPr lang="ru-RU" sz="2400" dirty="0"/>
+          </a:p>
+          <a:p>
+            <a:pPr marL="457200" indent="-457200">
+              <a:spcAft>
+                <a:spcPts val="1200"/>
+              </a:spcAft>
+              <a:buClr>
+                <a:srgbClr val="0070C0"/>
+              </a:buClr>
+              <a:buFont typeface="Arial" pitchFamily="34" charset="0"/>
+              <a:buChar char="•"/>
+            </a:pPr>
+            <a:r>
+              <a:rPr lang="ru-RU" sz="2400" dirty="0"/>
+              <a:t>Из функции </a:t>
+            </a:r>
+            <a:r>
+              <a:rPr lang="ru-RU" sz="2400" dirty="0" err="1"/>
+              <a:t>main</a:t>
+            </a:r>
+            <a:r>
+              <a:rPr lang="ru-RU" sz="2400" dirty="0"/>
+              <a:t> несколько раз вызвать данную функцию с разными значениями аргументов</a:t>
+            </a:r>
+          </a:p>
+          <a:p>
+            <a:pPr marL="457200" indent="-457200">
+              <a:spcAft>
+                <a:spcPts val="1200"/>
+              </a:spcAft>
+              <a:buClr>
+                <a:srgbClr val="0070C0"/>
+              </a:buClr>
+              <a:buFont typeface="Arial" pitchFamily="34" charset="0"/>
+              <a:buChar char="•"/>
+            </a:pPr>
+            <a:r>
+              <a:rPr lang="ru-RU" sz="2400" dirty="0"/>
+              <a:t>Пример: </a:t>
+            </a:r>
+            <a:r>
+              <a:rPr lang="ru-RU" sz="2400" dirty="0" err="1">
+                <a:solidFill>
+                  <a:srgbClr val="0070C0"/>
+                </a:solidFill>
+              </a:rPr>
+              <a:t>int</a:t>
+            </a:r>
+            <a:r>
+              <a:rPr lang="ru-RU" sz="2400" dirty="0">
+                <a:solidFill>
+                  <a:srgbClr val="0070C0"/>
+                </a:solidFill>
+              </a:rPr>
+              <a:t> </a:t>
+            </a:r>
+            <a:r>
+              <a:rPr lang="ru-RU" sz="2400" dirty="0"/>
+              <a:t>a = </a:t>
+            </a:r>
+            <a:r>
+              <a:rPr lang="ru-RU" sz="2400" dirty="0" err="1"/>
+              <a:t>printAndRead</a:t>
+            </a:r>
+            <a:r>
+              <a:rPr lang="ru-RU" sz="2400" dirty="0"/>
+              <a:t>(</a:t>
+            </a:r>
+            <a:r>
+              <a:rPr lang="ru-RU" sz="2400" dirty="0">
+                <a:solidFill>
+                  <a:srgbClr val="00B050"/>
+                </a:solidFill>
+              </a:rPr>
+              <a:t>“Введите число:”</a:t>
+            </a:r>
+            <a:r>
+              <a:rPr lang="ru-RU" sz="2400" dirty="0"/>
+              <a:t>)</a:t>
+            </a:r>
           </a:p>
         </p:txBody>
       </p:sp>
     </p:spTree>
     <p:extLst>
       <p:ext uri="{BB962C8B-B14F-4D97-AF65-F5344CB8AC3E}">
-        <p14:creationId xmlns:p14="http://schemas.microsoft.com/office/powerpoint/2010/main" val="3619104847"/>
+        <p14:creationId xmlns:p14="http://schemas.microsoft.com/office/powerpoint/2010/main" val="3133082033"/>
       </p:ext>
     </p:extLst>
   </p:cSld>
   <p:clrMapOvr>
     <a:masterClrMapping/>
   </p:clrMapOvr>
+  <p:timing>
+    <p:tnLst>
+      <p:par>
+        <p:cTn id="1" dur="indefinite" restart="never" nodeType="tmRoot"/>
+      </p:par>
+    </p:tnLst>
+  </p:timing>
 </p:sld>
 </file>
 
@@ -5467,6 +5504,553 @@
       </p:par>
     </p:tnLst>
   </p:timing>
+</p:sld>
+</file>
+
+<file path=ppt/slides/slide20.xml><?xml version="1.0" encoding="utf-8"?>
+<p:sld xmlns:a="http://schemas.openxmlformats.org/drawingml/2006/main" xmlns:r="http://schemas.openxmlformats.org/officeDocument/2006/relationships" xmlns:p="http://schemas.openxmlformats.org/presentationml/2006/main">
+  <p:cSld>
+    <p:spTree>
+      <p:nvGrpSpPr>
+        <p:cNvPr id="1" name=""/>
+        <p:cNvGrpSpPr/>
+        <p:nvPr/>
+      </p:nvGrpSpPr>
+      <p:grpSpPr>
+        <a:xfrm>
+          <a:off x="0" y="0"/>
+          <a:ext cx="0" cy="0"/>
+          <a:chOff x="0" y="0"/>
+          <a:chExt cx="0" cy="0"/>
+        </a:xfrm>
+      </p:grpSpPr>
+      <p:sp>
+        <p:nvSpPr>
+          <p:cNvPr id="8" name="TextBox 7"/>
+          <p:cNvSpPr txBox="1"/>
+          <p:nvPr/>
+        </p:nvSpPr>
+        <p:spPr>
+          <a:xfrm>
+            <a:off x="1475656" y="263347"/>
+            <a:ext cx="7416824" cy="646331"/>
+          </a:xfrm>
+          <a:prstGeom prst="rect">
+            <a:avLst/>
+          </a:prstGeom>
+          <a:solidFill>
+            <a:schemeClr val="tx2">
+              <a:lumMod val="40000"/>
+              <a:lumOff val="60000"/>
+            </a:schemeClr>
+          </a:solidFill>
+          <a:ln>
+            <a:noFill/>
+          </a:ln>
+        </p:spPr>
+        <p:txBody>
+          <a:bodyPr wrap="square" rtlCol="0">
+            <a:spAutoFit/>
+          </a:bodyPr>
+          <a:lstStyle/>
+          <a:p>
+            <a:pPr algn="ctr"/>
+            <a:endParaRPr lang="ru-RU" sz="3600" b="1" dirty="0">
+              <a:solidFill>
+                <a:schemeClr val="bg1"/>
+              </a:solidFill>
+            </a:endParaRPr>
+          </a:p>
+        </p:txBody>
+      </p:sp>
+      <p:sp>
+        <p:nvSpPr>
+          <p:cNvPr id="4" name="TextBox 3"/>
+          <p:cNvSpPr txBox="1"/>
+          <p:nvPr/>
+        </p:nvSpPr>
+        <p:spPr>
+          <a:xfrm>
+            <a:off x="296294" y="260648"/>
+            <a:ext cx="3115276" cy="646331"/>
+          </a:xfrm>
+          <a:prstGeom prst="rect">
+            <a:avLst/>
+          </a:prstGeom>
+          <a:solidFill>
+            <a:srgbClr val="0070C0"/>
+          </a:solidFill>
+          <a:ln>
+            <a:noFill/>
+          </a:ln>
+        </p:spPr>
+        <p:txBody>
+          <a:bodyPr wrap="none" rtlCol="0">
+            <a:spAutoFit/>
+          </a:bodyPr>
+          <a:lstStyle/>
+          <a:p>
+            <a:r>
+              <a:rPr lang="ru-RU" sz="3600" b="1" dirty="0" smtClean="0">
+                <a:solidFill>
+                  <a:schemeClr val="bg1"/>
+                </a:solidFill>
+              </a:rPr>
+              <a:t>Задача на дом</a:t>
+            </a:r>
+            <a:endParaRPr lang="ru-RU" sz="3600" b="1" dirty="0">
+              <a:solidFill>
+                <a:schemeClr val="bg1"/>
+              </a:solidFill>
+            </a:endParaRPr>
+          </a:p>
+        </p:txBody>
+      </p:sp>
+      <p:sp>
+        <p:nvSpPr>
+          <p:cNvPr id="6" name="TextBox 5"/>
+          <p:cNvSpPr txBox="1"/>
+          <p:nvPr/>
+        </p:nvSpPr>
+        <p:spPr>
+          <a:xfrm>
+            <a:off x="296292" y="1354220"/>
+            <a:ext cx="8522967" cy="3508653"/>
+          </a:xfrm>
+          <a:prstGeom prst="rect">
+            <a:avLst/>
+          </a:prstGeom>
+          <a:noFill/>
+        </p:spPr>
+        <p:txBody>
+          <a:bodyPr wrap="square" rtlCol="0">
+            <a:spAutoFit/>
+          </a:bodyPr>
+          <a:lstStyle/>
+          <a:p>
+            <a:pPr marL="457200" indent="-457200">
+              <a:spcAft>
+                <a:spcPts val="1200"/>
+              </a:spcAft>
+              <a:buClr>
+                <a:srgbClr val="0070C0"/>
+              </a:buClr>
+              <a:buFont typeface="Arial" pitchFamily="34" charset="0"/>
+              <a:buChar char="•"/>
+            </a:pPr>
+            <a:r>
+              <a:rPr lang="ru-RU" sz="2400" dirty="0"/>
+              <a:t>Написать программу, которая переводит температуру из градусов Цельсия в градусы Кельвина и Фаренгейта (Фаренгейта – на дом)</a:t>
+            </a:r>
+          </a:p>
+          <a:p>
+            <a:pPr marL="457200" indent="-457200">
+              <a:spcAft>
+                <a:spcPts val="1200"/>
+              </a:spcAft>
+              <a:buClr>
+                <a:srgbClr val="0070C0"/>
+              </a:buClr>
+              <a:buFont typeface="Arial" pitchFamily="34" charset="0"/>
+              <a:buChar char="•"/>
+            </a:pPr>
+            <a:r>
+              <a:rPr lang="ru-RU" sz="2400" dirty="0"/>
+              <a:t>Например, прочитать число – температуру в шкале Цельсия и напечатать две строки – в градусах Кельвина и Фаренгейта</a:t>
+            </a:r>
+          </a:p>
+          <a:p>
+            <a:pPr marL="457200" indent="-457200">
+              <a:spcAft>
+                <a:spcPts val="1200"/>
+              </a:spcAft>
+              <a:buClr>
+                <a:srgbClr val="0070C0"/>
+              </a:buClr>
+              <a:buFont typeface="Arial" pitchFamily="34" charset="0"/>
+              <a:buChar char="•"/>
+            </a:pPr>
+            <a:r>
+              <a:rPr lang="ru-RU" sz="2400" dirty="0"/>
+              <a:t>Перевод градусов Цельсия в градусы Кельвина и перевод в градусы Фаренгейта оформить отдельными функциями</a:t>
+            </a:r>
+          </a:p>
+          <a:p>
+            <a:pPr marL="457200" indent="-457200">
+              <a:spcAft>
+                <a:spcPts val="1200"/>
+              </a:spcAft>
+              <a:buClr>
+                <a:srgbClr val="0070C0"/>
+              </a:buClr>
+              <a:buFont typeface="Arial" pitchFamily="34" charset="0"/>
+              <a:buChar char="•"/>
+            </a:pPr>
+            <a:r>
+              <a:rPr lang="ru-RU" sz="2400" dirty="0"/>
+              <a:t>Формулы найти в интернете</a:t>
+            </a:r>
+          </a:p>
+        </p:txBody>
+      </p:sp>
+    </p:spTree>
+    <p:extLst>
+      <p:ext uri="{BB962C8B-B14F-4D97-AF65-F5344CB8AC3E}">
+        <p14:creationId xmlns:p14="http://schemas.microsoft.com/office/powerpoint/2010/main" val="2381294771"/>
+      </p:ext>
+    </p:extLst>
+  </p:cSld>
+  <p:clrMapOvr>
+    <a:masterClrMapping/>
+  </p:clrMapOvr>
+  <p:timing>
+    <p:tnLst>
+      <p:par>
+        <p:cTn id="1" dur="indefinite" restart="never" nodeType="tmRoot"/>
+      </p:par>
+    </p:tnLst>
+  </p:timing>
+</p:sld>
+</file>
+
+<file path=ppt/slides/slide21.xml><?xml version="1.0" encoding="utf-8"?>
+<p:sld xmlns:a="http://schemas.openxmlformats.org/drawingml/2006/main" xmlns:r="http://schemas.openxmlformats.org/officeDocument/2006/relationships" xmlns:p="http://schemas.openxmlformats.org/presentationml/2006/main">
+  <p:cSld>
+    <p:spTree>
+      <p:nvGrpSpPr>
+        <p:cNvPr id="1" name=""/>
+        <p:cNvGrpSpPr/>
+        <p:nvPr/>
+      </p:nvGrpSpPr>
+      <p:grpSpPr>
+        <a:xfrm>
+          <a:off x="0" y="0"/>
+          <a:ext cx="0" cy="0"/>
+          <a:chOff x="0" y="0"/>
+          <a:chExt cx="0" cy="0"/>
+        </a:xfrm>
+      </p:grpSpPr>
+      <p:sp>
+        <p:nvSpPr>
+          <p:cNvPr id="4" name="Заголовок 3"/>
+          <p:cNvSpPr>
+            <a:spLocks noGrp="1"/>
+          </p:cNvSpPr>
+          <p:nvPr>
+            <p:ph type="title"/>
+          </p:nvPr>
+        </p:nvSpPr>
+        <p:spPr/>
+        <p:txBody>
+          <a:bodyPr/>
+          <a:lstStyle/>
+          <a:p>
+            <a:endParaRPr lang="ru-RU"/>
+          </a:p>
+        </p:txBody>
+      </p:sp>
+      <p:sp>
+        <p:nvSpPr>
+          <p:cNvPr id="5" name="Объект 4"/>
+          <p:cNvSpPr>
+            <a:spLocks noGrp="1"/>
+          </p:cNvSpPr>
+          <p:nvPr>
+            <p:ph idx="1"/>
+          </p:nvPr>
+        </p:nvSpPr>
+        <p:spPr/>
+        <p:txBody>
+          <a:bodyPr/>
+          <a:lstStyle/>
+          <a:p>
+            <a:endParaRPr lang="ru-RU" dirty="0"/>
+          </a:p>
+        </p:txBody>
+      </p:sp>
+    </p:spTree>
+    <p:extLst>
+      <p:ext uri="{BB962C8B-B14F-4D97-AF65-F5344CB8AC3E}">
+        <p14:creationId xmlns:p14="http://schemas.microsoft.com/office/powerpoint/2010/main" val="3619104847"/>
+      </p:ext>
+    </p:extLst>
+  </p:cSld>
+  <p:clrMapOvr>
+    <a:masterClrMapping/>
+  </p:clrMapOvr>
+</p:sld>
+</file>
+
+<file path=ppt/slides/slide22.xml><?xml version="1.0" encoding="utf-8"?>
+<p:sld xmlns:a="http://schemas.openxmlformats.org/drawingml/2006/main" xmlns:r="http://schemas.openxmlformats.org/officeDocument/2006/relationships" xmlns:p="http://schemas.openxmlformats.org/presentationml/2006/main">
+  <p:cSld>
+    <p:spTree>
+      <p:nvGrpSpPr>
+        <p:cNvPr id="1" name=""/>
+        <p:cNvGrpSpPr/>
+        <p:nvPr/>
+      </p:nvGrpSpPr>
+      <p:grpSpPr>
+        <a:xfrm>
+          <a:off x="0" y="0"/>
+          <a:ext cx="0" cy="0"/>
+          <a:chOff x="0" y="0"/>
+          <a:chExt cx="0" cy="0"/>
+        </a:xfrm>
+      </p:grpSpPr>
+      <p:sp>
+        <p:nvSpPr>
+          <p:cNvPr id="2" name="Заголовок 1"/>
+          <p:cNvSpPr>
+            <a:spLocks noGrp="1"/>
+          </p:cNvSpPr>
+          <p:nvPr>
+            <p:ph type="title"/>
+          </p:nvPr>
+        </p:nvSpPr>
+        <p:spPr/>
+        <p:txBody>
+          <a:bodyPr/>
+          <a:lstStyle/>
+          <a:p>
+            <a:endParaRPr lang="ru-RU"/>
+          </a:p>
+        </p:txBody>
+      </p:sp>
+      <p:sp>
+        <p:nvSpPr>
+          <p:cNvPr id="3" name="Объект 2"/>
+          <p:cNvSpPr>
+            <a:spLocks noGrp="1"/>
+          </p:cNvSpPr>
+          <p:nvPr>
+            <p:ph idx="1"/>
+          </p:nvPr>
+        </p:nvSpPr>
+        <p:spPr/>
+        <p:txBody>
+          <a:bodyPr/>
+          <a:lstStyle/>
+          <a:p>
+            <a:endParaRPr lang="ru-RU"/>
+          </a:p>
+        </p:txBody>
+      </p:sp>
+      <p:sp>
+        <p:nvSpPr>
+          <p:cNvPr id="4" name="Прямоугольник 3"/>
+          <p:cNvSpPr/>
+          <p:nvPr/>
+        </p:nvSpPr>
+        <p:spPr>
+          <a:xfrm>
+            <a:off x="2286000" y="2690336"/>
+            <a:ext cx="4572000" cy="2862322"/>
+          </a:xfrm>
+          <a:prstGeom prst="rect">
+            <a:avLst/>
+          </a:prstGeom>
+        </p:spPr>
+        <p:txBody>
+          <a:bodyPr>
+            <a:spAutoFit/>
+          </a:bodyPr>
+          <a:lstStyle/>
+          <a:p>
+            <a:pPr algn="ctr"/>
+            <a:r>
+              <a:rPr lang="ru-RU" b="1" dirty="0" smtClean="0">
+                <a:solidFill>
+                  <a:schemeClr val="bg1"/>
+                </a:solidFill>
+              </a:rPr>
+              <a:t>Лекция 2.</a:t>
+            </a:r>
+            <a:br>
+              <a:rPr lang="ru-RU" b="1" dirty="0" smtClean="0">
+                <a:solidFill>
+                  <a:schemeClr val="bg1"/>
+                </a:solidFill>
+              </a:rPr>
+            </a:br>
+            <a:r>
+              <a:rPr lang="ru-RU" b="1" dirty="0" smtClean="0">
+                <a:solidFill>
+                  <a:schemeClr val="bg1"/>
+                </a:solidFill>
+              </a:rPr>
+              <a:t>Лекция 2.</a:t>
+            </a:r>
+            <a:br>
+              <a:rPr lang="ru-RU" b="1" dirty="0" smtClean="0">
+                <a:solidFill>
+                  <a:schemeClr val="bg1"/>
+                </a:solidFill>
+              </a:rPr>
+            </a:br>
+            <a:r>
+              <a:rPr lang="ru-RU" b="1" dirty="0" smtClean="0">
+                <a:solidFill>
+                  <a:schemeClr val="bg1"/>
+                </a:solidFill>
+              </a:rPr>
+              <a:t>Строки. </a:t>
+            </a:r>
+            <a:endParaRPr lang="en-US" b="1" dirty="0" smtClean="0">
+              <a:solidFill>
+                <a:schemeClr val="bg1"/>
+              </a:solidFill>
+            </a:endParaRPr>
+          </a:p>
+          <a:p>
+            <a:pPr algn="ctr"/>
+            <a:r>
+              <a:rPr lang="ru-RU" b="1" dirty="0" smtClean="0">
+                <a:solidFill>
+                  <a:schemeClr val="bg1"/>
+                </a:solidFill>
+              </a:rPr>
+              <a:t>Арифметика. </a:t>
+            </a:r>
+            <a:endParaRPr lang="en-US" b="1" dirty="0" smtClean="0">
+              <a:solidFill>
+                <a:schemeClr val="bg1"/>
+              </a:solidFill>
+            </a:endParaRPr>
+          </a:p>
+          <a:p>
+            <a:pPr algn="ctr"/>
+            <a:r>
+              <a:rPr lang="ru-RU" b="1" dirty="0" smtClean="0">
+                <a:solidFill>
+                  <a:schemeClr val="bg1"/>
+                </a:solidFill>
+              </a:rPr>
+              <a:t>Класс </a:t>
+            </a:r>
+            <a:r>
+              <a:rPr lang="en-US" b="1" dirty="0" smtClean="0">
+                <a:solidFill>
+                  <a:schemeClr val="bg1"/>
+                </a:solidFill>
+              </a:rPr>
+              <a:t>Math</a:t>
+            </a:r>
+            <a:r>
+              <a:rPr lang="ru-RU" b="1" dirty="0" smtClean="0">
+                <a:solidFill>
+                  <a:schemeClr val="bg1"/>
+                </a:solidFill>
+              </a:rPr>
+              <a:t/>
+            </a:r>
+            <a:br>
+              <a:rPr lang="ru-RU" b="1" dirty="0" smtClean="0">
+                <a:solidFill>
+                  <a:schemeClr val="bg1"/>
+                </a:solidFill>
+              </a:rPr>
+            </a:br>
+            <a:r>
+              <a:rPr lang="ru-RU" b="1" dirty="0" smtClean="0">
+                <a:solidFill>
+                  <a:schemeClr val="bg1"/>
+                </a:solidFill>
+              </a:rPr>
+              <a:t>Чтение с консоли</a:t>
+            </a:r>
+          </a:p>
+          <a:p>
+            <a:pPr algn="ctr"/>
+            <a:r>
+              <a:rPr lang="ru-RU" b="1" dirty="0" smtClean="0">
+                <a:solidFill>
+                  <a:schemeClr val="bg1"/>
+                </a:solidFill>
+              </a:rPr>
+              <a:t>Строки. </a:t>
+            </a:r>
+            <a:endParaRPr lang="en-US" b="1" dirty="0" smtClean="0">
+              <a:solidFill>
+                <a:schemeClr val="bg1"/>
+              </a:solidFill>
+            </a:endParaRPr>
+          </a:p>
+          <a:p>
+            <a:pPr algn="ctr"/>
+            <a:r>
+              <a:rPr lang="ru-RU" b="1" dirty="0" smtClean="0">
+                <a:solidFill>
+                  <a:schemeClr val="bg1"/>
+                </a:solidFill>
+              </a:rPr>
+              <a:t>Арифметика. </a:t>
+            </a:r>
+            <a:endParaRPr lang="en-US" b="1" dirty="0" smtClean="0">
+              <a:solidFill>
+                <a:schemeClr val="bg1"/>
+              </a:solidFill>
+            </a:endParaRPr>
+          </a:p>
+          <a:p>
+            <a:pPr algn="ctr"/>
+            <a:r>
+              <a:rPr lang="ru-RU" b="1" dirty="0" smtClean="0">
+                <a:solidFill>
+                  <a:schemeClr val="bg1"/>
+                </a:solidFill>
+              </a:rPr>
+              <a:t>Класс </a:t>
+            </a:r>
+            <a:r>
+              <a:rPr lang="en-US" b="1" dirty="0" smtClean="0">
+                <a:solidFill>
+                  <a:schemeClr val="bg1"/>
+                </a:solidFill>
+              </a:rPr>
+              <a:t>Math</a:t>
+            </a:r>
+            <a:r>
+              <a:rPr lang="ru-RU" b="1" dirty="0" smtClean="0">
+                <a:solidFill>
+                  <a:schemeClr val="bg1"/>
+                </a:solidFill>
+              </a:rPr>
+              <a:t/>
+            </a:r>
+            <a:br>
+              <a:rPr lang="ru-RU" b="1" dirty="0" smtClean="0">
+                <a:solidFill>
+                  <a:schemeClr val="bg1"/>
+                </a:solidFill>
+              </a:rPr>
+            </a:br>
+            <a:r>
+              <a:rPr lang="ru-RU" b="1" dirty="0" smtClean="0">
+                <a:solidFill>
+                  <a:schemeClr val="bg1"/>
+                </a:solidFill>
+              </a:rPr>
+              <a:t>Чтение с консоли</a:t>
+            </a:r>
+            <a:endParaRPr lang="ru-RU" b="1" dirty="0">
+              <a:solidFill>
+                <a:schemeClr val="bg1"/>
+              </a:solidFill>
+            </a:endParaRPr>
+          </a:p>
+        </p:txBody>
+      </p:sp>
+    </p:spTree>
+    <p:extLst>
+      <p:ext uri="{BB962C8B-B14F-4D97-AF65-F5344CB8AC3E}">
+        <p14:creationId xmlns:p14="http://schemas.microsoft.com/office/powerpoint/2010/main" val="3619104847"/>
+      </p:ext>
+    </p:extLst>
+  </p:cSld>
+  <p:clrMapOvr>
+    <a:masterClrMapping/>
+  </p:clrMapOvr>
 </p:sld>
 </file>
 

--- a/src/home/home_work.pptx
+++ b/src/home/home_work.pptx
@@ -25,8 +25,12 @@
     <p:sldId id="277" r:id="rId19"/>
     <p:sldId id="278" r:id="rId20"/>
     <p:sldId id="279" r:id="rId21"/>
-    <p:sldId id="260" r:id="rId22"/>
-    <p:sldId id="261" r:id="rId23"/>
+    <p:sldId id="280" r:id="rId22"/>
+    <p:sldId id="281" r:id="rId23"/>
+    <p:sldId id="282" r:id="rId24"/>
+    <p:sldId id="283" r:id="rId25"/>
+    <p:sldId id="260" r:id="rId26"/>
+    <p:sldId id="261" r:id="rId27"/>
   </p:sldIdLst>
   <p:sldSz cx="9144000" cy="6858000" type="screen4x3"/>
   <p:notesSz cx="6858000" cy="9144000"/>
@@ -5732,6 +5736,1022 @@
       </p:grpSpPr>
       <p:sp>
         <p:nvSpPr>
+          <p:cNvPr id="4" name="TextBox 3"/>
+          <p:cNvSpPr txBox="1"/>
+          <p:nvPr/>
+        </p:nvSpPr>
+        <p:spPr>
+          <a:xfrm>
+            <a:off x="3177395" y="2132856"/>
+            <a:ext cx="2767104" cy="1200329"/>
+          </a:xfrm>
+          <a:prstGeom prst="rect">
+            <a:avLst/>
+          </a:prstGeom>
+          <a:solidFill>
+            <a:srgbClr val="0070C0"/>
+          </a:solidFill>
+          <a:ln>
+            <a:noFill/>
+          </a:ln>
+        </p:spPr>
+        <p:txBody>
+          <a:bodyPr wrap="none" rtlCol="0">
+            <a:spAutoFit/>
+          </a:bodyPr>
+          <a:lstStyle/>
+          <a:p>
+            <a:pPr algn="ctr"/>
+            <a:r>
+              <a:rPr lang="ru-RU" sz="3600" b="1" dirty="0" smtClean="0">
+                <a:solidFill>
+                  <a:schemeClr val="bg1"/>
+                </a:solidFill>
+              </a:rPr>
+              <a:t>Лекция 7.</a:t>
+            </a:r>
+            <a:br>
+              <a:rPr lang="ru-RU" sz="3600" b="1" dirty="0" smtClean="0">
+                <a:solidFill>
+                  <a:schemeClr val="bg1"/>
+                </a:solidFill>
+              </a:rPr>
+            </a:br>
+            <a:r>
+              <a:rPr lang="ru-RU" sz="3600" b="1" dirty="0" smtClean="0">
+                <a:solidFill>
+                  <a:schemeClr val="bg1"/>
+                </a:solidFill>
+              </a:rPr>
+              <a:t>Основы ООП</a:t>
+            </a:r>
+            <a:endParaRPr lang="ru-RU" sz="3600" b="1" dirty="0">
+              <a:solidFill>
+                <a:schemeClr val="bg1"/>
+              </a:solidFill>
+            </a:endParaRPr>
+          </a:p>
+        </p:txBody>
+      </p:sp>
+    </p:spTree>
+    <p:extLst>
+      <p:ext uri="{BB962C8B-B14F-4D97-AF65-F5344CB8AC3E}">
+        <p14:creationId xmlns:p14="http://schemas.microsoft.com/office/powerpoint/2010/main" val="2167237237"/>
+      </p:ext>
+    </p:extLst>
+  </p:cSld>
+  <p:clrMapOvr>
+    <a:masterClrMapping/>
+  </p:clrMapOvr>
+  <p:timing>
+    <p:tnLst>
+      <p:par>
+        <p:cTn id="1" dur="indefinite" restart="never" nodeType="tmRoot"/>
+      </p:par>
+    </p:tnLst>
+  </p:timing>
+</p:sld>
+</file>
+
+<file path=ppt/slides/slide22.xml><?xml version="1.0" encoding="utf-8"?>
+<p:sld xmlns:a="http://schemas.openxmlformats.org/drawingml/2006/main" xmlns:r="http://schemas.openxmlformats.org/officeDocument/2006/relationships" xmlns:p="http://schemas.openxmlformats.org/presentationml/2006/main">
+  <p:cSld>
+    <p:spTree>
+      <p:nvGrpSpPr>
+        <p:cNvPr id="1" name=""/>
+        <p:cNvGrpSpPr/>
+        <p:nvPr/>
+      </p:nvGrpSpPr>
+      <p:grpSpPr>
+        <a:xfrm>
+          <a:off x="0" y="0"/>
+          <a:ext cx="0" cy="0"/>
+          <a:chOff x="0" y="0"/>
+          <a:chExt cx="0" cy="0"/>
+        </a:xfrm>
+      </p:grpSpPr>
+      <p:sp>
+        <p:nvSpPr>
+          <p:cNvPr id="8" name="TextBox 7"/>
+          <p:cNvSpPr txBox="1"/>
+          <p:nvPr/>
+        </p:nvSpPr>
+        <p:spPr>
+          <a:xfrm>
+            <a:off x="1475656" y="263347"/>
+            <a:ext cx="7416824" cy="646331"/>
+          </a:xfrm>
+          <a:prstGeom prst="rect">
+            <a:avLst/>
+          </a:prstGeom>
+          <a:solidFill>
+            <a:schemeClr val="tx2">
+              <a:lumMod val="40000"/>
+              <a:lumOff val="60000"/>
+            </a:schemeClr>
+          </a:solidFill>
+          <a:ln>
+            <a:noFill/>
+          </a:ln>
+        </p:spPr>
+        <p:txBody>
+          <a:bodyPr wrap="square" rtlCol="0">
+            <a:spAutoFit/>
+          </a:bodyPr>
+          <a:lstStyle/>
+          <a:p>
+            <a:pPr algn="ctr"/>
+            <a:endParaRPr lang="ru-RU" sz="3600" b="1" dirty="0">
+              <a:solidFill>
+                <a:schemeClr val="bg1"/>
+              </a:solidFill>
+            </a:endParaRPr>
+          </a:p>
+        </p:txBody>
+      </p:sp>
+      <p:sp>
+        <p:nvSpPr>
+          <p:cNvPr id="4" name="TextBox 3"/>
+          <p:cNvSpPr txBox="1"/>
+          <p:nvPr/>
+        </p:nvSpPr>
+        <p:spPr>
+          <a:xfrm>
+            <a:off x="296294" y="260648"/>
+            <a:ext cx="5226944" cy="646331"/>
+          </a:xfrm>
+          <a:prstGeom prst="rect">
+            <a:avLst/>
+          </a:prstGeom>
+          <a:solidFill>
+            <a:srgbClr val="0070C0"/>
+          </a:solidFill>
+          <a:ln>
+            <a:noFill/>
+          </a:ln>
+        </p:spPr>
+        <p:txBody>
+          <a:bodyPr wrap="none" rtlCol="0">
+            <a:spAutoFit/>
+          </a:bodyPr>
+          <a:lstStyle/>
+          <a:p>
+            <a:r>
+              <a:rPr lang="ru-RU" sz="3600" b="1" dirty="0" smtClean="0">
+                <a:solidFill>
+                  <a:schemeClr val="bg1"/>
+                </a:solidFill>
+              </a:rPr>
+              <a:t>Задача</a:t>
+            </a:r>
+            <a:r>
+              <a:rPr lang="en-US" sz="3600" b="1" dirty="0" smtClean="0">
+                <a:solidFill>
+                  <a:schemeClr val="bg1"/>
+                </a:solidFill>
+              </a:rPr>
+              <a:t> </a:t>
+            </a:r>
+            <a:r>
+              <a:rPr lang="ru-RU" sz="3600" b="1" dirty="0" smtClean="0">
+                <a:solidFill>
+                  <a:schemeClr val="bg1"/>
+                </a:solidFill>
+              </a:rPr>
+              <a:t>в классе и на дом</a:t>
+            </a:r>
+            <a:endParaRPr lang="ru-RU" sz="3600" b="1" dirty="0">
+              <a:solidFill>
+                <a:schemeClr val="bg1"/>
+              </a:solidFill>
+            </a:endParaRPr>
+          </a:p>
+        </p:txBody>
+      </p:sp>
+      <p:sp>
+        <p:nvSpPr>
+          <p:cNvPr id="6" name="TextBox 5"/>
+          <p:cNvSpPr txBox="1"/>
+          <p:nvPr/>
+        </p:nvSpPr>
+        <p:spPr>
+          <a:xfrm>
+            <a:off x="296292" y="1354220"/>
+            <a:ext cx="8522967" cy="5078313"/>
+          </a:xfrm>
+          <a:prstGeom prst="rect">
+            <a:avLst/>
+          </a:prstGeom>
+          <a:noFill/>
+        </p:spPr>
+        <p:txBody>
+          <a:bodyPr wrap="square" rtlCol="0">
+            <a:spAutoFit/>
+          </a:bodyPr>
+          <a:lstStyle/>
+          <a:p>
+            <a:pPr marL="457200" indent="-457200">
+              <a:spcAft>
+                <a:spcPts val="1200"/>
+              </a:spcAft>
+              <a:buClr>
+                <a:srgbClr val="0070C0"/>
+              </a:buClr>
+              <a:buFont typeface="Arial" pitchFamily="34" charset="0"/>
+              <a:buChar char="•"/>
+            </a:pPr>
+            <a:r>
+              <a:rPr lang="ru-RU" sz="2400" dirty="0"/>
+              <a:t>Создать свой класс </a:t>
+            </a:r>
+            <a:r>
+              <a:rPr lang="ru-RU" sz="2400" dirty="0" err="1">
+                <a:solidFill>
+                  <a:srgbClr val="7030A0"/>
+                </a:solidFill>
+              </a:rPr>
+              <a:t>Range</a:t>
+            </a:r>
+            <a:r>
+              <a:rPr lang="ru-RU" sz="2400" dirty="0">
+                <a:solidFill>
+                  <a:srgbClr val="7030A0"/>
+                </a:solidFill>
+              </a:rPr>
+              <a:t> </a:t>
+            </a:r>
+            <a:r>
+              <a:rPr lang="ru-RU" sz="2400" dirty="0"/>
+              <a:t>(числовой диапазон). В нём:</a:t>
+            </a:r>
+          </a:p>
+          <a:p>
+            <a:pPr marL="914400" lvl="1" indent="-457200">
+              <a:spcAft>
+                <a:spcPts val="1200"/>
+              </a:spcAft>
+              <a:buClr>
+                <a:srgbClr val="0070C0"/>
+              </a:buClr>
+              <a:buFont typeface="+mj-lt"/>
+              <a:buAutoNum type="arabicPeriod"/>
+            </a:pPr>
+            <a:r>
+              <a:rPr lang="ru-RU" sz="2400" dirty="0" smtClean="0"/>
+              <a:t>Объявить </a:t>
+            </a:r>
+            <a:r>
+              <a:rPr lang="ru-RU" sz="2400" dirty="0"/>
+              <a:t>два вещественных поля </a:t>
+            </a:r>
+            <a:r>
+              <a:rPr lang="ru-RU" sz="2400" dirty="0" err="1" smtClean="0"/>
+              <a:t>from</a:t>
+            </a:r>
+            <a:r>
+              <a:rPr lang="ru-RU" sz="2400" dirty="0"/>
+              <a:t>, </a:t>
+            </a:r>
+            <a:r>
+              <a:rPr lang="ru-RU" sz="2400" dirty="0" err="1" smtClean="0"/>
+              <a:t>to</a:t>
+            </a:r>
+            <a:endParaRPr lang="ru-RU" sz="2400" dirty="0"/>
+          </a:p>
+          <a:p>
+            <a:pPr marL="914400" lvl="1" indent="-457200">
+              <a:spcAft>
+                <a:spcPts val="1200"/>
+              </a:spcAft>
+              <a:buClr>
+                <a:srgbClr val="0070C0"/>
+              </a:buClr>
+              <a:buFont typeface="+mj-lt"/>
+              <a:buAutoNum type="arabicPeriod"/>
+            </a:pPr>
+            <a:r>
+              <a:rPr lang="ru-RU" sz="2400" dirty="0" smtClean="0"/>
+              <a:t>Описать </a:t>
+            </a:r>
+            <a:r>
+              <a:rPr lang="ru-RU" sz="2400" dirty="0"/>
+              <a:t>конструктор, при помощи которого заполняются </a:t>
+            </a:r>
+            <a:r>
+              <a:rPr lang="ru-RU" sz="2400" dirty="0" smtClean="0"/>
+              <a:t>поля </a:t>
+            </a:r>
+            <a:r>
+              <a:rPr lang="ru-RU" sz="2400" dirty="0" err="1" smtClean="0"/>
+              <a:t>from</a:t>
+            </a:r>
+            <a:r>
+              <a:rPr lang="ru-RU" sz="2400" dirty="0"/>
+              <a:t>, </a:t>
+            </a:r>
+            <a:r>
+              <a:rPr lang="ru-RU" sz="2400" dirty="0" err="1" smtClean="0"/>
+              <a:t>to</a:t>
+            </a:r>
+            <a:endParaRPr lang="en-US" sz="2400" dirty="0" smtClean="0"/>
+          </a:p>
+          <a:p>
+            <a:pPr marL="914400" lvl="1" indent="-457200">
+              <a:spcAft>
+                <a:spcPts val="1200"/>
+              </a:spcAft>
+              <a:buClr>
+                <a:srgbClr val="0070C0"/>
+              </a:buClr>
+              <a:buFont typeface="+mj-lt"/>
+              <a:buAutoNum type="arabicPeriod"/>
+            </a:pPr>
+            <a:r>
+              <a:rPr lang="ru-RU" sz="2400" dirty="0" smtClean="0"/>
+              <a:t>Функция для вычисления </a:t>
+            </a:r>
+            <a:r>
+              <a:rPr lang="ru-RU" sz="2400" dirty="0"/>
+              <a:t>длины интервала</a:t>
+            </a:r>
+          </a:p>
+          <a:p>
+            <a:pPr marL="914400" lvl="1" indent="-457200">
+              <a:spcAft>
+                <a:spcPts val="1200"/>
+              </a:spcAft>
+              <a:buClr>
+                <a:srgbClr val="0070C0"/>
+              </a:buClr>
+              <a:buFont typeface="+mj-lt"/>
+              <a:buAutoNum type="arabicPeriod"/>
+            </a:pPr>
+            <a:r>
+              <a:rPr lang="ru-RU" sz="2400" dirty="0" smtClean="0"/>
+              <a:t>Создать </a:t>
+            </a:r>
+            <a:r>
+              <a:rPr lang="ru-RU" sz="2400" dirty="0"/>
+              <a:t>метод </a:t>
+            </a:r>
+            <a:r>
+              <a:rPr lang="ru-RU" sz="2400" dirty="0" err="1"/>
+              <a:t>isInside</a:t>
+            </a:r>
+            <a:r>
+              <a:rPr lang="ru-RU" sz="2400" dirty="0"/>
+              <a:t>, который принимает вещественное число и возвращает </a:t>
+            </a:r>
+            <a:r>
+              <a:rPr lang="ru-RU" sz="2400" dirty="0" err="1">
+                <a:solidFill>
+                  <a:srgbClr val="0070C0"/>
+                </a:solidFill>
+              </a:rPr>
+              <a:t>boolean</a:t>
+            </a:r>
+            <a:r>
+              <a:rPr lang="ru-RU" sz="2400" dirty="0"/>
+              <a:t> – результат проверки того, принадлежит ли число </a:t>
+            </a:r>
+            <a:r>
+              <a:rPr lang="ru-RU" sz="2400" dirty="0" smtClean="0"/>
+              <a:t>диапазону</a:t>
+            </a:r>
+            <a:endParaRPr lang="en-US" sz="2400" dirty="0" smtClean="0"/>
+          </a:p>
+          <a:p>
+            <a:pPr marL="457200" indent="-457200">
+              <a:spcAft>
+                <a:spcPts val="1200"/>
+              </a:spcAft>
+              <a:buClr>
+                <a:srgbClr val="0070C0"/>
+              </a:buClr>
+              <a:buFont typeface="Arial" pitchFamily="34" charset="0"/>
+              <a:buChar char="•"/>
+            </a:pPr>
+            <a:endParaRPr lang="ru-RU" sz="2400" dirty="0" smtClean="0"/>
+          </a:p>
+          <a:p>
+            <a:pPr marL="457200" indent="-457200">
+              <a:spcAft>
+                <a:spcPts val="1200"/>
+              </a:spcAft>
+              <a:buClr>
+                <a:srgbClr val="0070C0"/>
+              </a:buClr>
+              <a:buFont typeface="Arial" pitchFamily="34" charset="0"/>
+              <a:buChar char="•"/>
+            </a:pPr>
+            <a:r>
+              <a:rPr lang="ru-RU" sz="2400" dirty="0" smtClean="0"/>
+              <a:t>После </a:t>
+            </a:r>
+            <a:r>
+              <a:rPr lang="ru-RU" sz="2400" dirty="0"/>
+              <a:t>этого написать небольшую программу с использованием этого класса</a:t>
+            </a:r>
+          </a:p>
+        </p:txBody>
+      </p:sp>
+    </p:spTree>
+    <p:extLst>
+      <p:ext uri="{BB962C8B-B14F-4D97-AF65-F5344CB8AC3E}">
+        <p14:creationId xmlns:p14="http://schemas.microsoft.com/office/powerpoint/2010/main" val="566206317"/>
+      </p:ext>
+    </p:extLst>
+  </p:cSld>
+  <p:clrMapOvr>
+    <a:masterClrMapping/>
+  </p:clrMapOvr>
+  <p:timing>
+    <p:tnLst>
+      <p:par>
+        <p:cTn id="1" dur="indefinite" restart="never" nodeType="tmRoot"/>
+      </p:par>
+    </p:tnLst>
+  </p:timing>
+</p:sld>
+</file>
+
+<file path=ppt/slides/slide23.xml><?xml version="1.0" encoding="utf-8"?>
+<p:sld xmlns:a="http://schemas.openxmlformats.org/drawingml/2006/main" xmlns:r="http://schemas.openxmlformats.org/officeDocument/2006/relationships" xmlns:p="http://schemas.openxmlformats.org/presentationml/2006/main">
+  <p:cSld>
+    <p:spTree>
+      <p:nvGrpSpPr>
+        <p:cNvPr id="1" name=""/>
+        <p:cNvGrpSpPr/>
+        <p:nvPr/>
+      </p:nvGrpSpPr>
+      <p:grpSpPr>
+        <a:xfrm>
+          <a:off x="0" y="0"/>
+          <a:ext cx="0" cy="0"/>
+          <a:chOff x="0" y="0"/>
+          <a:chExt cx="0" cy="0"/>
+        </a:xfrm>
+      </p:grpSpPr>
+      <p:sp>
+        <p:nvSpPr>
+          <p:cNvPr id="8" name="TextBox 7"/>
+          <p:cNvSpPr txBox="1"/>
+          <p:nvPr/>
+        </p:nvSpPr>
+        <p:spPr>
+          <a:xfrm>
+            <a:off x="1475656" y="263347"/>
+            <a:ext cx="7416824" cy="646331"/>
+          </a:xfrm>
+          <a:prstGeom prst="rect">
+            <a:avLst/>
+          </a:prstGeom>
+          <a:solidFill>
+            <a:schemeClr val="tx2">
+              <a:lumMod val="40000"/>
+              <a:lumOff val="60000"/>
+            </a:schemeClr>
+          </a:solidFill>
+          <a:ln>
+            <a:noFill/>
+          </a:ln>
+        </p:spPr>
+        <p:txBody>
+          <a:bodyPr wrap="square" rtlCol="0">
+            <a:spAutoFit/>
+          </a:bodyPr>
+          <a:lstStyle/>
+          <a:p>
+            <a:pPr algn="ctr"/>
+            <a:endParaRPr lang="ru-RU" sz="3600" b="1" dirty="0">
+              <a:solidFill>
+                <a:schemeClr val="bg1"/>
+              </a:solidFill>
+            </a:endParaRPr>
+          </a:p>
+        </p:txBody>
+      </p:sp>
+      <p:sp>
+        <p:nvSpPr>
+          <p:cNvPr id="4" name="TextBox 3"/>
+          <p:cNvSpPr txBox="1"/>
+          <p:nvPr/>
+        </p:nvSpPr>
+        <p:spPr>
+          <a:xfrm>
+            <a:off x="296294" y="260648"/>
+            <a:ext cx="3115276" cy="646331"/>
+          </a:xfrm>
+          <a:prstGeom prst="rect">
+            <a:avLst/>
+          </a:prstGeom>
+          <a:solidFill>
+            <a:srgbClr val="0070C0"/>
+          </a:solidFill>
+          <a:ln>
+            <a:noFill/>
+          </a:ln>
+        </p:spPr>
+        <p:txBody>
+          <a:bodyPr wrap="none" rtlCol="0">
+            <a:spAutoFit/>
+          </a:bodyPr>
+          <a:lstStyle/>
+          <a:p>
+            <a:r>
+              <a:rPr lang="ru-RU" sz="3600" b="1" dirty="0" smtClean="0">
+                <a:solidFill>
+                  <a:schemeClr val="bg1"/>
+                </a:solidFill>
+              </a:rPr>
+              <a:t>Задача</a:t>
+            </a:r>
+            <a:r>
+              <a:rPr lang="en-US" sz="3600" b="1" dirty="0" smtClean="0">
+                <a:solidFill>
+                  <a:schemeClr val="bg1"/>
+                </a:solidFill>
+              </a:rPr>
+              <a:t> </a:t>
+            </a:r>
+            <a:r>
+              <a:rPr lang="ru-RU" sz="3600" b="1" dirty="0" smtClean="0">
+                <a:solidFill>
+                  <a:schemeClr val="bg1"/>
+                </a:solidFill>
+              </a:rPr>
+              <a:t>на дом</a:t>
+            </a:r>
+            <a:endParaRPr lang="ru-RU" sz="3600" b="1" dirty="0">
+              <a:solidFill>
+                <a:schemeClr val="bg1"/>
+              </a:solidFill>
+            </a:endParaRPr>
+          </a:p>
+        </p:txBody>
+      </p:sp>
+      <p:sp>
+        <p:nvSpPr>
+          <p:cNvPr id="6" name="TextBox 5"/>
+          <p:cNvSpPr txBox="1"/>
+          <p:nvPr/>
+        </p:nvSpPr>
+        <p:spPr>
+          <a:xfrm>
+            <a:off x="296292" y="1082070"/>
+            <a:ext cx="8522967" cy="5663089"/>
+          </a:xfrm>
+          <a:prstGeom prst="rect">
+            <a:avLst/>
+          </a:prstGeom>
+          <a:noFill/>
+        </p:spPr>
+        <p:txBody>
+          <a:bodyPr wrap="square" rtlCol="0">
+            <a:spAutoFit/>
+          </a:bodyPr>
+          <a:lstStyle/>
+          <a:p>
+            <a:pPr marL="457200" indent="-457200">
+              <a:spcAft>
+                <a:spcPts val="1200"/>
+              </a:spcAft>
+              <a:buClr>
+                <a:srgbClr val="0070C0"/>
+              </a:buClr>
+              <a:buFont typeface="Arial" pitchFamily="34" charset="0"/>
+              <a:buChar char="•"/>
+            </a:pPr>
+            <a:r>
+              <a:rPr lang="ru-RU" sz="2400" dirty="0" smtClean="0"/>
+              <a:t>Доработать </a:t>
+            </a:r>
+            <a:r>
+              <a:rPr lang="ru-RU" sz="2400" dirty="0"/>
+              <a:t>класс </a:t>
+            </a:r>
+            <a:r>
+              <a:rPr lang="ru-RU" sz="2400" dirty="0" err="1">
+                <a:solidFill>
+                  <a:srgbClr val="7030A0"/>
+                </a:solidFill>
+              </a:rPr>
+              <a:t>Range</a:t>
+            </a:r>
+            <a:r>
+              <a:rPr lang="ru-RU" sz="2400" dirty="0">
+                <a:solidFill>
+                  <a:srgbClr val="7030A0"/>
+                </a:solidFill>
+              </a:rPr>
+              <a:t> </a:t>
+            </a:r>
+            <a:r>
+              <a:rPr lang="ru-RU" sz="2400" dirty="0"/>
+              <a:t>(числовой диапазон</a:t>
+            </a:r>
+            <a:r>
+              <a:rPr lang="ru-RU" sz="2400" dirty="0" smtClean="0"/>
+              <a:t>).</a:t>
+            </a:r>
+          </a:p>
+          <a:p>
+            <a:pPr marL="457200" indent="-457200">
+              <a:spcAft>
+                <a:spcPts val="1200"/>
+              </a:spcAft>
+              <a:buClr>
+                <a:srgbClr val="0070C0"/>
+              </a:buClr>
+              <a:buFont typeface="Arial" pitchFamily="34" charset="0"/>
+              <a:buChar char="•"/>
+            </a:pPr>
+            <a:r>
+              <a:rPr lang="ru-RU" sz="2400" dirty="0" smtClean="0"/>
+              <a:t>Написать методы:</a:t>
+            </a:r>
+          </a:p>
+          <a:p>
+            <a:pPr marL="914400" lvl="1" indent="-457200">
+              <a:spcAft>
+                <a:spcPts val="1200"/>
+              </a:spcAft>
+              <a:buClr>
+                <a:srgbClr val="0070C0"/>
+              </a:buClr>
+              <a:buFont typeface="Arial" pitchFamily="34" charset="0"/>
+              <a:buChar char="•"/>
+            </a:pPr>
+            <a:r>
+              <a:rPr lang="ru-RU" sz="2400" dirty="0" smtClean="0"/>
+              <a:t>Вычисление длины интервала</a:t>
+            </a:r>
+          </a:p>
+          <a:p>
+            <a:pPr marL="914400" lvl="1" indent="-457200">
+              <a:spcAft>
+                <a:spcPts val="1200"/>
+              </a:spcAft>
+              <a:buClr>
+                <a:srgbClr val="0070C0"/>
+              </a:buClr>
+              <a:buFont typeface="Arial" pitchFamily="34" charset="0"/>
+              <a:buChar char="•"/>
+            </a:pPr>
+            <a:r>
+              <a:rPr lang="ru-RU" sz="2400" dirty="0" smtClean="0"/>
+              <a:t>Получение интервала-пересечения двух интервалов. Если пересечения нет, выдать</a:t>
+            </a:r>
+            <a:r>
+              <a:rPr lang="en-US" sz="2400" dirty="0" smtClean="0"/>
+              <a:t> </a:t>
+            </a:r>
+            <a:r>
+              <a:rPr lang="en-US" sz="2400" dirty="0" smtClean="0">
+                <a:solidFill>
+                  <a:srgbClr val="0070C0"/>
+                </a:solidFill>
+              </a:rPr>
+              <a:t>null</a:t>
+            </a:r>
+            <a:r>
+              <a:rPr lang="en-US" sz="2400" dirty="0" smtClean="0"/>
+              <a:t>. </a:t>
+            </a:r>
+            <a:r>
+              <a:rPr lang="ru-RU" sz="2400" dirty="0" smtClean="0"/>
+              <a:t>Если есть, то выдать новый диапазон с соответствующими концами</a:t>
+            </a:r>
+          </a:p>
+          <a:p>
+            <a:pPr marL="914400" lvl="1" indent="-457200">
+              <a:spcAft>
+                <a:spcPts val="1200"/>
+              </a:spcAft>
+              <a:buClr>
+                <a:srgbClr val="0070C0"/>
+              </a:buClr>
+              <a:buFont typeface="Arial" pitchFamily="34" charset="0"/>
+              <a:buChar char="•"/>
+            </a:pPr>
+            <a:r>
+              <a:rPr lang="ru-RU" sz="2400" dirty="0" smtClean="0"/>
+              <a:t>Получение интервала-объединения двух интервалов. Его левая граница – минимальная из левых границ, а правая – максимальная из правых границ</a:t>
+            </a:r>
+          </a:p>
+          <a:p>
+            <a:pPr marL="914400" lvl="1" indent="-457200">
+              <a:spcAft>
+                <a:spcPts val="1200"/>
+              </a:spcAft>
+              <a:buClr>
+                <a:srgbClr val="0070C0"/>
+              </a:buClr>
+              <a:buFont typeface="Arial" pitchFamily="34" charset="0"/>
+              <a:buChar char="•"/>
+            </a:pPr>
+            <a:r>
+              <a:rPr lang="ru-RU" sz="2400" dirty="0" smtClean="0"/>
+              <a:t>Получение интервала-разности двух интервалов.</a:t>
+            </a:r>
+            <a:br>
+              <a:rPr lang="ru-RU" sz="2400" dirty="0" smtClean="0"/>
+            </a:br>
+            <a:r>
+              <a:rPr lang="ru-RU" sz="2400" dirty="0" smtClean="0"/>
+              <a:t>Если пересечения нет, то выдать первый диапазон. Если есть, то выдать новый диапазон с соответствующими концами</a:t>
+            </a:r>
+          </a:p>
+        </p:txBody>
+      </p:sp>
+    </p:spTree>
+    <p:extLst>
+      <p:ext uri="{BB962C8B-B14F-4D97-AF65-F5344CB8AC3E}">
+        <p14:creationId xmlns:p14="http://schemas.microsoft.com/office/powerpoint/2010/main" val="364828406"/>
+      </p:ext>
+    </p:extLst>
+  </p:cSld>
+  <p:clrMapOvr>
+    <a:masterClrMapping/>
+  </p:clrMapOvr>
+  <p:timing>
+    <p:tnLst>
+      <p:par>
+        <p:cTn id="1" dur="indefinite" restart="never" nodeType="tmRoot"/>
+      </p:par>
+    </p:tnLst>
+  </p:timing>
+</p:sld>
+</file>
+
+<file path=ppt/slides/slide24.xml><?xml version="1.0" encoding="utf-8"?>
+<p:sld xmlns:a="http://schemas.openxmlformats.org/drawingml/2006/main" xmlns:r="http://schemas.openxmlformats.org/officeDocument/2006/relationships" xmlns:p="http://schemas.openxmlformats.org/presentationml/2006/main">
+  <p:cSld>
+    <p:spTree>
+      <p:nvGrpSpPr>
+        <p:cNvPr id="1" name=""/>
+        <p:cNvGrpSpPr/>
+        <p:nvPr/>
+      </p:nvGrpSpPr>
+      <p:grpSpPr>
+        <a:xfrm>
+          <a:off x="0" y="0"/>
+          <a:ext cx="0" cy="0"/>
+          <a:chOff x="0" y="0"/>
+          <a:chExt cx="0" cy="0"/>
+        </a:xfrm>
+      </p:grpSpPr>
+      <p:sp>
+        <p:nvSpPr>
+          <p:cNvPr id="8" name="TextBox 7"/>
+          <p:cNvSpPr txBox="1"/>
+          <p:nvPr/>
+        </p:nvSpPr>
+        <p:spPr>
+          <a:xfrm>
+            <a:off x="1475656" y="263347"/>
+            <a:ext cx="7416824" cy="646331"/>
+          </a:xfrm>
+          <a:prstGeom prst="rect">
+            <a:avLst/>
+          </a:prstGeom>
+          <a:solidFill>
+            <a:schemeClr val="tx2">
+              <a:lumMod val="40000"/>
+              <a:lumOff val="60000"/>
+            </a:schemeClr>
+          </a:solidFill>
+          <a:ln>
+            <a:noFill/>
+          </a:ln>
+        </p:spPr>
+        <p:txBody>
+          <a:bodyPr wrap="square" rtlCol="0">
+            <a:spAutoFit/>
+          </a:bodyPr>
+          <a:lstStyle/>
+          <a:p>
+            <a:pPr algn="ctr"/>
+            <a:endParaRPr lang="ru-RU" sz="3600" b="1" dirty="0">
+              <a:solidFill>
+                <a:schemeClr val="bg1"/>
+              </a:solidFill>
+            </a:endParaRPr>
+          </a:p>
+        </p:txBody>
+      </p:sp>
+      <p:sp>
+        <p:nvSpPr>
+          <p:cNvPr id="4" name="TextBox 3"/>
+          <p:cNvSpPr txBox="1"/>
+          <p:nvPr/>
+        </p:nvSpPr>
+        <p:spPr>
+          <a:xfrm>
+            <a:off x="296294" y="260648"/>
+            <a:ext cx="3126753" cy="646331"/>
+          </a:xfrm>
+          <a:prstGeom prst="rect">
+            <a:avLst/>
+          </a:prstGeom>
+          <a:solidFill>
+            <a:srgbClr val="0070C0"/>
+          </a:solidFill>
+          <a:ln>
+            <a:noFill/>
+          </a:ln>
+        </p:spPr>
+        <p:txBody>
+          <a:bodyPr wrap="none" rtlCol="0">
+            <a:spAutoFit/>
+          </a:bodyPr>
+          <a:lstStyle/>
+          <a:p>
+            <a:r>
+              <a:rPr lang="ru-RU" sz="3600" b="1" dirty="0" smtClean="0">
+                <a:solidFill>
+                  <a:schemeClr val="bg1"/>
+                </a:solidFill>
+              </a:rPr>
+              <a:t>Чтение на дом</a:t>
+            </a:r>
+            <a:endParaRPr lang="ru-RU" sz="3600" b="1" dirty="0">
+              <a:solidFill>
+                <a:schemeClr val="bg1"/>
+              </a:solidFill>
+            </a:endParaRPr>
+          </a:p>
+        </p:txBody>
+      </p:sp>
+      <p:sp>
+        <p:nvSpPr>
+          <p:cNvPr id="6" name="TextBox 5"/>
+          <p:cNvSpPr txBox="1"/>
+          <p:nvPr/>
+        </p:nvSpPr>
+        <p:spPr>
+          <a:xfrm>
+            <a:off x="296293" y="1097840"/>
+            <a:ext cx="8463146" cy="3447098"/>
+          </a:xfrm>
+          <a:prstGeom prst="rect">
+            <a:avLst/>
+          </a:prstGeom>
+          <a:noFill/>
+        </p:spPr>
+        <p:txBody>
+          <a:bodyPr wrap="square" rtlCol="0">
+            <a:spAutoFit/>
+          </a:bodyPr>
+          <a:lstStyle/>
+          <a:p>
+            <a:pPr marL="457200" indent="-457200">
+              <a:spcAft>
+                <a:spcPts val="1200"/>
+              </a:spcAft>
+              <a:buClr>
+                <a:srgbClr val="0070C0"/>
+              </a:buClr>
+              <a:buFont typeface="Arial" pitchFamily="34" charset="0"/>
+              <a:buChar char="•"/>
+            </a:pPr>
+            <a:r>
+              <a:rPr lang="ru-RU" sz="2400" dirty="0" smtClean="0"/>
+              <a:t>Рекомендую дома читать этот курс:</a:t>
+            </a:r>
+          </a:p>
+          <a:p>
+            <a:pPr marL="457200" indent="-457200">
+              <a:spcAft>
+                <a:spcPts val="1200"/>
+              </a:spcAft>
+              <a:buClr>
+                <a:srgbClr val="0070C0"/>
+              </a:buClr>
+              <a:buFont typeface="Arial" pitchFamily="34" charset="0"/>
+              <a:buChar char="•"/>
+            </a:pPr>
+            <a:r>
+              <a:rPr lang="en-US" sz="2400" dirty="0">
+                <a:hlinkClick r:id="rId2"/>
+              </a:rPr>
+              <a:t>http://</a:t>
+            </a:r>
+            <a:r>
+              <a:rPr lang="en-US" sz="2400" dirty="0" smtClean="0">
+                <a:hlinkClick r:id="rId2"/>
+              </a:rPr>
+              <a:t>www.intuit.ru/studies/courses/16/16/lecture/27105</a:t>
+            </a:r>
+            <a:endParaRPr lang="ru-RU" sz="2400" dirty="0" smtClean="0"/>
+          </a:p>
+          <a:p>
+            <a:pPr marL="457200" indent="-457200">
+              <a:spcAft>
+                <a:spcPts val="1200"/>
+              </a:spcAft>
+              <a:buClr>
+                <a:srgbClr val="0070C0"/>
+              </a:buClr>
+              <a:buFont typeface="Arial" pitchFamily="34" charset="0"/>
+              <a:buChar char="•"/>
+            </a:pPr>
+            <a:r>
+              <a:rPr lang="ru-RU" sz="2400" dirty="0" smtClean="0"/>
+              <a:t>И любые другие материалы, какие хочется</a:t>
+            </a:r>
+          </a:p>
+          <a:p>
+            <a:pPr marL="457200" indent="-457200">
+              <a:spcAft>
+                <a:spcPts val="1200"/>
+              </a:spcAft>
+              <a:buClr>
+                <a:srgbClr val="0070C0"/>
+              </a:buClr>
+              <a:buFont typeface="Arial" pitchFamily="34" charset="0"/>
+              <a:buChar char="•"/>
+            </a:pPr>
+            <a:endParaRPr lang="ru-RU" sz="2400" dirty="0"/>
+          </a:p>
+          <a:p>
+            <a:pPr marL="457200" indent="-457200">
+              <a:spcAft>
+                <a:spcPts val="1200"/>
+              </a:spcAft>
+              <a:buClr>
+                <a:srgbClr val="0070C0"/>
+              </a:buClr>
+              <a:buFont typeface="Arial" pitchFamily="34" charset="0"/>
+              <a:buChar char="•"/>
+            </a:pPr>
+            <a:r>
+              <a:rPr lang="ru-RU" sz="2400" b="1" dirty="0" smtClean="0"/>
+              <a:t>Обязательно к следующему разу прочитать вторую лекцию из курса </a:t>
+            </a:r>
+            <a:r>
+              <a:rPr lang="en-US" sz="2400" b="1" dirty="0" err="1" smtClean="0"/>
+              <a:t>intui</a:t>
+            </a:r>
+            <a:endParaRPr lang="ru-RU" sz="2400" b="1" dirty="0" smtClean="0"/>
+          </a:p>
+          <a:p>
+            <a:pPr marL="457200" indent="-457200">
+              <a:spcAft>
+                <a:spcPts val="1200"/>
+              </a:spcAft>
+              <a:buClr>
+                <a:srgbClr val="0070C0"/>
+              </a:buClr>
+              <a:buFont typeface="Arial" pitchFamily="34" charset="0"/>
+              <a:buChar char="•"/>
+            </a:pPr>
+            <a:r>
+              <a:rPr lang="ru-RU" sz="2400" dirty="0" smtClean="0"/>
+              <a:t>В свободное время читайте этот курс, задавайте вопросы</a:t>
+            </a:r>
+          </a:p>
+        </p:txBody>
+      </p:sp>
+    </p:spTree>
+    <p:extLst>
+      <p:ext uri="{BB962C8B-B14F-4D97-AF65-F5344CB8AC3E}">
+        <p14:creationId xmlns:p14="http://schemas.microsoft.com/office/powerpoint/2010/main" val="3371795219"/>
+      </p:ext>
+    </p:extLst>
+  </p:cSld>
+  <p:clrMapOvr>
+    <a:masterClrMapping/>
+  </p:clrMapOvr>
+  <p:timing>
+    <p:tnLst>
+      <p:par>
+        <p:cTn id="1" dur="indefinite" restart="never" nodeType="tmRoot"/>
+      </p:par>
+    </p:tnLst>
+  </p:timing>
+</p:sld>
+</file>
+
+<file path=ppt/slides/slide25.xml><?xml version="1.0" encoding="utf-8"?>
+<p:sld xmlns:a="http://schemas.openxmlformats.org/drawingml/2006/main" xmlns:r="http://schemas.openxmlformats.org/officeDocument/2006/relationships" xmlns:p="http://schemas.openxmlformats.org/presentationml/2006/main">
+  <p:cSld>
+    <p:spTree>
+      <p:nvGrpSpPr>
+        <p:cNvPr id="1" name=""/>
+        <p:cNvGrpSpPr/>
+        <p:nvPr/>
+      </p:nvGrpSpPr>
+      <p:grpSpPr>
+        <a:xfrm>
+          <a:off x="0" y="0"/>
+          <a:ext cx="0" cy="0"/>
+          <a:chOff x="0" y="0"/>
+          <a:chExt cx="0" cy="0"/>
+        </a:xfrm>
+      </p:grpSpPr>
+      <p:sp>
+        <p:nvSpPr>
           <p:cNvPr id="4" name="Заголовок 3"/>
           <p:cNvSpPr>
             <a:spLocks noGrp="1"/>
@@ -5781,7 +6801,7 @@
 </p:sld>
 </file>
 
-<file path=ppt/slides/slide22.xml><?xml version="1.0" encoding="utf-8"?>
+<file path=ppt/slides/slide26.xml><?xml version="1.0" encoding="utf-8"?>
 <p:sld xmlns:a="http://schemas.openxmlformats.org/drawingml/2006/main" xmlns:r="http://schemas.openxmlformats.org/officeDocument/2006/relationships" xmlns:p="http://schemas.openxmlformats.org/presentationml/2006/main">
   <p:cSld>
     <p:spTree>

--- a/src/home/home_work.pptx
+++ b/src/home/home_work.pptx
@@ -29,8 +29,12 @@
     <p:sldId id="281" r:id="rId23"/>
     <p:sldId id="282" r:id="rId24"/>
     <p:sldId id="283" r:id="rId25"/>
-    <p:sldId id="260" r:id="rId26"/>
-    <p:sldId id="261" r:id="rId27"/>
+    <p:sldId id="284" r:id="rId26"/>
+    <p:sldId id="285" r:id="rId27"/>
+    <p:sldId id="286" r:id="rId28"/>
+    <p:sldId id="287" r:id="rId29"/>
+    <p:sldId id="260" r:id="rId30"/>
+    <p:sldId id="261" r:id="rId31"/>
   </p:sldIdLst>
   <p:sldSz cx="9144000" cy="6858000" type="screen4x3"/>
   <p:notesSz cx="6858000" cy="9144000"/>
@@ -6752,52 +6756,102 @@
       </p:grpSpPr>
       <p:sp>
         <p:nvSpPr>
-          <p:cNvPr id="4" name="Заголовок 3"/>
-          <p:cNvSpPr>
-            <a:spLocks noGrp="1"/>
-          </p:cNvSpPr>
-          <p:nvPr>
-            <p:ph type="title"/>
-          </p:nvPr>
-        </p:nvSpPr>
-        <p:spPr/>
-        <p:txBody>
-          <a:bodyPr/>
-          <a:lstStyle/>
-          <a:p>
-            <a:endParaRPr lang="ru-RU"/>
-          </a:p>
-        </p:txBody>
-      </p:sp>
-      <p:sp>
-        <p:nvSpPr>
-          <p:cNvPr id="5" name="Объект 4"/>
-          <p:cNvSpPr>
-            <a:spLocks noGrp="1"/>
-          </p:cNvSpPr>
-          <p:nvPr>
-            <p:ph idx="1"/>
-          </p:nvPr>
-        </p:nvSpPr>
-        <p:spPr/>
-        <p:txBody>
-          <a:bodyPr/>
-          <a:lstStyle/>
-          <a:p>
-            <a:endParaRPr lang="ru-RU" dirty="0"/>
+          <p:cNvPr id="4" name="TextBox 3"/>
+          <p:cNvSpPr txBox="1"/>
+          <p:nvPr/>
+        </p:nvSpPr>
+        <p:spPr>
+          <a:xfrm>
+            <a:off x="2117572" y="2132856"/>
+            <a:ext cx="4886787" cy="2308324"/>
+          </a:xfrm>
+          <a:prstGeom prst="rect">
+            <a:avLst/>
+          </a:prstGeom>
+          <a:solidFill>
+            <a:srgbClr val="0070C0"/>
+          </a:solidFill>
+          <a:ln>
+            <a:noFill/>
+          </a:ln>
+        </p:spPr>
+        <p:txBody>
+          <a:bodyPr wrap="none" rtlCol="0">
+            <a:spAutoFit/>
+          </a:bodyPr>
+          <a:lstStyle/>
+          <a:p>
+            <a:pPr algn="ctr"/>
+            <a:r>
+              <a:rPr lang="ru-RU" sz="3600" b="1" dirty="0" smtClean="0">
+                <a:solidFill>
+                  <a:schemeClr val="bg1"/>
+                </a:solidFill>
+              </a:rPr>
+              <a:t>Лекция 9.</a:t>
+            </a:r>
+            <a:br>
+              <a:rPr lang="ru-RU" sz="3600" b="1" dirty="0" smtClean="0">
+                <a:solidFill>
+                  <a:schemeClr val="bg1"/>
+                </a:solidFill>
+              </a:rPr>
+            </a:br>
+            <a:r>
+              <a:rPr lang="ru-RU" sz="3600" b="1" dirty="0" smtClean="0">
+                <a:solidFill>
+                  <a:schemeClr val="bg1"/>
+                </a:solidFill>
+              </a:rPr>
+              <a:t>Массивы. </a:t>
+            </a:r>
+          </a:p>
+          <a:p>
+            <a:pPr algn="ctr"/>
+            <a:r>
+              <a:rPr lang="ru-RU" sz="3600" b="1" dirty="0" smtClean="0">
+                <a:solidFill>
+                  <a:schemeClr val="bg1"/>
+                </a:solidFill>
+              </a:rPr>
+              <a:t>Отладка.</a:t>
+            </a:r>
+          </a:p>
+          <a:p>
+            <a:pPr algn="ctr"/>
+            <a:r>
+              <a:rPr lang="ru-RU" sz="3600" b="1" dirty="0" smtClean="0">
+                <a:solidFill>
+                  <a:schemeClr val="bg1"/>
+                </a:solidFill>
+              </a:rPr>
+              <a:t>Аргументы программы</a:t>
+            </a:r>
+            <a:endParaRPr lang="ru-RU" sz="3600" b="1" dirty="0">
+              <a:solidFill>
+                <a:schemeClr val="bg1"/>
+              </a:solidFill>
+            </a:endParaRPr>
           </a:p>
         </p:txBody>
       </p:sp>
     </p:spTree>
     <p:extLst>
       <p:ext uri="{BB962C8B-B14F-4D97-AF65-F5344CB8AC3E}">
-        <p14:creationId xmlns:p14="http://schemas.microsoft.com/office/powerpoint/2010/main" val="3619104847"/>
+        <p14:creationId xmlns:p14="http://schemas.microsoft.com/office/powerpoint/2010/main" val="3595368041"/>
       </p:ext>
     </p:extLst>
   </p:cSld>
   <p:clrMapOvr>
     <a:masterClrMapping/>
   </p:clrMapOvr>
+  <p:timing>
+    <p:tnLst>
+      <p:par>
+        <p:cTn id="1" dur="indefinite" restart="never" nodeType="tmRoot"/>
+      </p:par>
+    </p:tnLst>
+  </p:timing>
 </p:sld>
 </file>
 
@@ -6820,7 +6874,673 @@
       </p:grpSpPr>
       <p:sp>
         <p:nvSpPr>
-          <p:cNvPr id="2" name="Заголовок 1"/>
+          <p:cNvPr id="8" name="TextBox 7"/>
+          <p:cNvSpPr txBox="1"/>
+          <p:nvPr/>
+        </p:nvSpPr>
+        <p:spPr>
+          <a:xfrm>
+            <a:off x="1475656" y="263347"/>
+            <a:ext cx="7416824" cy="646331"/>
+          </a:xfrm>
+          <a:prstGeom prst="rect">
+            <a:avLst/>
+          </a:prstGeom>
+          <a:solidFill>
+            <a:schemeClr val="tx2">
+              <a:lumMod val="40000"/>
+              <a:lumOff val="60000"/>
+            </a:schemeClr>
+          </a:solidFill>
+          <a:ln>
+            <a:noFill/>
+          </a:ln>
+        </p:spPr>
+        <p:txBody>
+          <a:bodyPr wrap="square" rtlCol="0">
+            <a:spAutoFit/>
+          </a:bodyPr>
+          <a:lstStyle/>
+          <a:p>
+            <a:pPr algn="ctr"/>
+            <a:endParaRPr lang="ru-RU" sz="3600" b="1" dirty="0">
+              <a:solidFill>
+                <a:schemeClr val="bg1"/>
+              </a:solidFill>
+            </a:endParaRPr>
+          </a:p>
+        </p:txBody>
+      </p:sp>
+      <p:sp>
+        <p:nvSpPr>
+          <p:cNvPr id="4" name="TextBox 3"/>
+          <p:cNvSpPr txBox="1"/>
+          <p:nvPr/>
+        </p:nvSpPr>
+        <p:spPr>
+          <a:xfrm>
+            <a:off x="296294" y="260648"/>
+            <a:ext cx="3115276" cy="646331"/>
+          </a:xfrm>
+          <a:prstGeom prst="rect">
+            <a:avLst/>
+          </a:prstGeom>
+          <a:solidFill>
+            <a:srgbClr val="0070C0"/>
+          </a:solidFill>
+          <a:ln>
+            <a:noFill/>
+          </a:ln>
+        </p:spPr>
+        <p:txBody>
+          <a:bodyPr wrap="none" rtlCol="0">
+            <a:spAutoFit/>
+          </a:bodyPr>
+          <a:lstStyle/>
+          <a:p>
+            <a:r>
+              <a:rPr lang="ru-RU" sz="3600" b="1" dirty="0" smtClean="0">
+                <a:solidFill>
+                  <a:schemeClr val="bg1"/>
+                </a:solidFill>
+              </a:rPr>
+              <a:t>Задача на дом</a:t>
+            </a:r>
+            <a:endParaRPr lang="ru-RU" sz="3600" b="1" dirty="0">
+              <a:solidFill>
+                <a:schemeClr val="bg1"/>
+              </a:solidFill>
+            </a:endParaRPr>
+          </a:p>
+        </p:txBody>
+      </p:sp>
+      <p:sp>
+        <p:nvSpPr>
+          <p:cNvPr id="6" name="TextBox 5"/>
+          <p:cNvSpPr txBox="1"/>
+          <p:nvPr/>
+        </p:nvSpPr>
+        <p:spPr>
+          <a:xfrm>
+            <a:off x="296292" y="1354220"/>
+            <a:ext cx="8522967" cy="954107"/>
+          </a:xfrm>
+          <a:prstGeom prst="rect">
+            <a:avLst/>
+          </a:prstGeom>
+          <a:noFill/>
+        </p:spPr>
+        <p:txBody>
+          <a:bodyPr wrap="square" rtlCol="0">
+            <a:spAutoFit/>
+          </a:bodyPr>
+          <a:lstStyle/>
+          <a:p>
+            <a:pPr marL="457200" indent="-457200">
+              <a:spcAft>
+                <a:spcPts val="1200"/>
+              </a:spcAft>
+              <a:buClr>
+                <a:srgbClr val="0070C0"/>
+              </a:buClr>
+              <a:buFont typeface="Arial" pitchFamily="34" charset="0"/>
+              <a:buChar char="•"/>
+            </a:pPr>
+            <a:r>
+              <a:rPr lang="ru-RU" sz="2800" dirty="0"/>
+              <a:t>Написать функцию, которая ищет максимальное число в массиве вещественных чисел</a:t>
+            </a:r>
+          </a:p>
+        </p:txBody>
+      </p:sp>
+    </p:spTree>
+    <p:extLst>
+      <p:ext uri="{BB962C8B-B14F-4D97-AF65-F5344CB8AC3E}">
+        <p14:creationId xmlns:p14="http://schemas.microsoft.com/office/powerpoint/2010/main" val="2650989629"/>
+      </p:ext>
+    </p:extLst>
+  </p:cSld>
+  <p:clrMapOvr>
+    <a:masterClrMapping/>
+  </p:clrMapOvr>
+  <p:timing>
+    <p:tnLst>
+      <p:par>
+        <p:cTn id="1" dur="indefinite" restart="never" nodeType="tmRoot"/>
+      </p:par>
+    </p:tnLst>
+  </p:timing>
+</p:sld>
+</file>
+
+<file path=ppt/slides/slide27.xml><?xml version="1.0" encoding="utf-8"?>
+<p:sld xmlns:a="http://schemas.openxmlformats.org/drawingml/2006/main" xmlns:r="http://schemas.openxmlformats.org/officeDocument/2006/relationships" xmlns:p="http://schemas.openxmlformats.org/presentationml/2006/main">
+  <p:cSld>
+    <p:spTree>
+      <p:nvGrpSpPr>
+        <p:cNvPr id="1" name=""/>
+        <p:cNvGrpSpPr/>
+        <p:nvPr/>
+      </p:nvGrpSpPr>
+      <p:grpSpPr>
+        <a:xfrm>
+          <a:off x="0" y="0"/>
+          <a:ext cx="0" cy="0"/>
+          <a:chOff x="0" y="0"/>
+          <a:chExt cx="0" cy="0"/>
+        </a:xfrm>
+      </p:grpSpPr>
+      <p:sp>
+        <p:nvSpPr>
+          <p:cNvPr id="8" name="TextBox 7"/>
+          <p:cNvSpPr txBox="1"/>
+          <p:nvPr/>
+        </p:nvSpPr>
+        <p:spPr>
+          <a:xfrm>
+            <a:off x="1475656" y="263347"/>
+            <a:ext cx="7416824" cy="646331"/>
+          </a:xfrm>
+          <a:prstGeom prst="rect">
+            <a:avLst/>
+          </a:prstGeom>
+          <a:solidFill>
+            <a:schemeClr val="tx2">
+              <a:lumMod val="40000"/>
+              <a:lumOff val="60000"/>
+            </a:schemeClr>
+          </a:solidFill>
+          <a:ln>
+            <a:noFill/>
+          </a:ln>
+        </p:spPr>
+        <p:txBody>
+          <a:bodyPr wrap="square" rtlCol="0">
+            <a:spAutoFit/>
+          </a:bodyPr>
+          <a:lstStyle/>
+          <a:p>
+            <a:pPr algn="ctr"/>
+            <a:endParaRPr lang="ru-RU" sz="3600" b="1" dirty="0">
+              <a:solidFill>
+                <a:schemeClr val="bg1"/>
+              </a:solidFill>
+            </a:endParaRPr>
+          </a:p>
+        </p:txBody>
+      </p:sp>
+      <p:sp>
+        <p:nvSpPr>
+          <p:cNvPr id="4" name="TextBox 3"/>
+          <p:cNvSpPr txBox="1"/>
+          <p:nvPr/>
+        </p:nvSpPr>
+        <p:spPr>
+          <a:xfrm>
+            <a:off x="296294" y="260648"/>
+            <a:ext cx="3115276" cy="646331"/>
+          </a:xfrm>
+          <a:prstGeom prst="rect">
+            <a:avLst/>
+          </a:prstGeom>
+          <a:solidFill>
+            <a:srgbClr val="0070C0"/>
+          </a:solidFill>
+          <a:ln>
+            <a:noFill/>
+          </a:ln>
+        </p:spPr>
+        <p:txBody>
+          <a:bodyPr wrap="none" rtlCol="0">
+            <a:spAutoFit/>
+          </a:bodyPr>
+          <a:lstStyle/>
+          <a:p>
+            <a:r>
+              <a:rPr lang="ru-RU" sz="3600" b="1" dirty="0" smtClean="0">
+                <a:solidFill>
+                  <a:schemeClr val="bg1"/>
+                </a:solidFill>
+              </a:rPr>
+              <a:t>Задача на дом</a:t>
+            </a:r>
+            <a:endParaRPr lang="ru-RU" sz="3600" b="1" dirty="0">
+              <a:solidFill>
+                <a:schemeClr val="bg1"/>
+              </a:solidFill>
+            </a:endParaRPr>
+          </a:p>
+        </p:txBody>
+      </p:sp>
+      <p:sp>
+        <p:nvSpPr>
+          <p:cNvPr id="6" name="TextBox 5"/>
+          <p:cNvSpPr txBox="1"/>
+          <p:nvPr/>
+        </p:nvSpPr>
+        <p:spPr>
+          <a:xfrm>
+            <a:off x="296292" y="1354220"/>
+            <a:ext cx="8522967" cy="4431983"/>
+          </a:xfrm>
+          <a:prstGeom prst="rect">
+            <a:avLst/>
+          </a:prstGeom>
+          <a:noFill/>
+        </p:spPr>
+        <p:txBody>
+          <a:bodyPr wrap="square" rtlCol="0">
+            <a:spAutoFit/>
+          </a:bodyPr>
+          <a:lstStyle/>
+          <a:p>
+            <a:pPr marL="457200" indent="-457200">
+              <a:spcAft>
+                <a:spcPts val="1200"/>
+              </a:spcAft>
+              <a:buClr>
+                <a:srgbClr val="0070C0"/>
+              </a:buClr>
+              <a:buFont typeface="Arial" pitchFamily="34" charset="0"/>
+              <a:buChar char="•"/>
+            </a:pPr>
+            <a:r>
+              <a:rPr lang="ru-RU" sz="2800" dirty="0"/>
+              <a:t>Написать функцию, которая принимает массив строк и изменяет его, присваивая элементам эти же строки, но в которых все символы заглавные. Для этого использовать метод класса </a:t>
+            </a:r>
+            <a:r>
+              <a:rPr lang="ru-RU" sz="2800" dirty="0" err="1">
+                <a:solidFill>
+                  <a:srgbClr val="7030A0"/>
+                </a:solidFill>
+              </a:rPr>
+              <a:t>String</a:t>
+            </a:r>
+            <a:r>
+              <a:rPr lang="ru-RU" sz="2800" dirty="0">
+                <a:solidFill>
+                  <a:srgbClr val="7030A0"/>
+                </a:solidFill>
+              </a:rPr>
+              <a:t> </a:t>
+            </a:r>
+            <a:r>
+              <a:rPr lang="ru-RU" sz="2800" dirty="0" err="1"/>
+              <a:t>toUpperCase</a:t>
+            </a:r>
+            <a:r>
+              <a:rPr lang="ru-RU" sz="2800" dirty="0"/>
+              <a:t>()</a:t>
+            </a:r>
+          </a:p>
+          <a:p>
+            <a:pPr marL="457200" indent="-457200">
+              <a:spcAft>
+                <a:spcPts val="1200"/>
+              </a:spcAft>
+              <a:buClr>
+                <a:srgbClr val="0070C0"/>
+              </a:buClr>
+              <a:buFont typeface="Arial" pitchFamily="34" charset="0"/>
+              <a:buChar char="•"/>
+            </a:pPr>
+            <a:endParaRPr lang="ru-RU" sz="2800" dirty="0"/>
+          </a:p>
+          <a:p>
+            <a:pPr marL="457200" indent="-457200">
+              <a:spcAft>
+                <a:spcPts val="1200"/>
+              </a:spcAft>
+              <a:buClr>
+                <a:srgbClr val="0070C0"/>
+              </a:buClr>
+              <a:buFont typeface="Arial" pitchFamily="34" charset="0"/>
+              <a:buChar char="•"/>
+            </a:pPr>
+            <a:r>
+              <a:rPr lang="ru-RU" sz="2800" dirty="0"/>
+              <a:t>Пример:</a:t>
+            </a:r>
+            <a:br>
+              <a:rPr lang="ru-RU" sz="2800" dirty="0"/>
+            </a:br>
+            <a:r>
+              <a:rPr lang="ru-RU" sz="2800" dirty="0" err="1">
+                <a:solidFill>
+                  <a:srgbClr val="7030A0"/>
+                </a:solidFill>
+              </a:rPr>
+              <a:t>String</a:t>
+            </a:r>
+            <a:r>
+              <a:rPr lang="ru-RU" sz="2800" dirty="0">
+                <a:solidFill>
+                  <a:srgbClr val="7030A0"/>
+                </a:solidFill>
+              </a:rPr>
+              <a:t> </a:t>
+            </a:r>
+            <a:r>
+              <a:rPr lang="ru-RU" sz="2800" dirty="0"/>
+              <a:t>s = </a:t>
+            </a:r>
+            <a:r>
+              <a:rPr lang="ru-RU" sz="2800" dirty="0">
+                <a:solidFill>
+                  <a:srgbClr val="00B050"/>
+                </a:solidFill>
+              </a:rPr>
+              <a:t>“</a:t>
+            </a:r>
+            <a:r>
+              <a:rPr lang="ru-RU" sz="2800" dirty="0" err="1">
+                <a:solidFill>
+                  <a:srgbClr val="00B050"/>
+                </a:solidFill>
+              </a:rPr>
+              <a:t>hello</a:t>
+            </a:r>
+            <a:r>
+              <a:rPr lang="ru-RU" sz="2800" dirty="0" smtClean="0">
+                <a:solidFill>
+                  <a:srgbClr val="00B050"/>
+                </a:solidFill>
+              </a:rPr>
+              <a:t>”</a:t>
+            </a:r>
+            <a:r>
+              <a:rPr lang="ru-RU" sz="2800" dirty="0" smtClean="0"/>
+              <a:t>;</a:t>
+            </a:r>
+            <a:br>
+              <a:rPr lang="ru-RU" sz="2800" dirty="0" smtClean="0"/>
+            </a:br>
+            <a:r>
+              <a:rPr lang="ru-RU" sz="2800" dirty="0" err="1" smtClean="0">
+                <a:solidFill>
+                  <a:srgbClr val="7030A0"/>
+                </a:solidFill>
+              </a:rPr>
+              <a:t>String</a:t>
+            </a:r>
+            <a:r>
+              <a:rPr lang="ru-RU" sz="2800" dirty="0" smtClean="0">
+                <a:solidFill>
+                  <a:srgbClr val="7030A0"/>
+                </a:solidFill>
+              </a:rPr>
+              <a:t> </a:t>
+            </a:r>
+            <a:r>
+              <a:rPr lang="ru-RU" sz="2800" dirty="0"/>
+              <a:t>b = </a:t>
+            </a:r>
+            <a:r>
+              <a:rPr lang="ru-RU" sz="2800" dirty="0" err="1"/>
+              <a:t>s.toUpperCase</a:t>
+            </a:r>
+            <a:r>
+              <a:rPr lang="ru-RU" sz="2800" dirty="0"/>
+              <a:t>(); </a:t>
+            </a:r>
+            <a:r>
+              <a:rPr lang="ru-RU" sz="2800" dirty="0" smtClean="0"/>
+              <a:t> </a:t>
+            </a:r>
+            <a:r>
+              <a:rPr lang="ru-RU" sz="2800" dirty="0" smtClean="0">
+                <a:solidFill>
+                  <a:srgbClr val="00B050"/>
+                </a:solidFill>
+              </a:rPr>
+              <a:t>// </a:t>
+            </a:r>
+            <a:r>
+              <a:rPr lang="ru-RU" sz="2800" dirty="0">
+                <a:solidFill>
+                  <a:srgbClr val="00B050"/>
+                </a:solidFill>
+              </a:rPr>
+              <a:t>“HELLO”</a:t>
+            </a:r>
+          </a:p>
+        </p:txBody>
+      </p:sp>
+    </p:spTree>
+    <p:extLst>
+      <p:ext uri="{BB962C8B-B14F-4D97-AF65-F5344CB8AC3E}">
+        <p14:creationId xmlns:p14="http://schemas.microsoft.com/office/powerpoint/2010/main" val="503657301"/>
+      </p:ext>
+    </p:extLst>
+  </p:cSld>
+  <p:clrMapOvr>
+    <a:masterClrMapping/>
+  </p:clrMapOvr>
+  <p:timing>
+    <p:tnLst>
+      <p:par>
+        <p:cTn id="1" dur="indefinite" restart="never" nodeType="tmRoot"/>
+      </p:par>
+    </p:tnLst>
+  </p:timing>
+</p:sld>
+</file>
+
+<file path=ppt/slides/slide28.xml><?xml version="1.0" encoding="utf-8"?>
+<p:sld xmlns:a="http://schemas.openxmlformats.org/drawingml/2006/main" xmlns:r="http://schemas.openxmlformats.org/officeDocument/2006/relationships" xmlns:p="http://schemas.openxmlformats.org/presentationml/2006/main">
+  <p:cSld>
+    <p:spTree>
+      <p:nvGrpSpPr>
+        <p:cNvPr id="1" name=""/>
+        <p:cNvGrpSpPr/>
+        <p:nvPr/>
+      </p:nvGrpSpPr>
+      <p:grpSpPr>
+        <a:xfrm>
+          <a:off x="0" y="0"/>
+          <a:ext cx="0" cy="0"/>
+          <a:chOff x="0" y="0"/>
+          <a:chExt cx="0" cy="0"/>
+        </a:xfrm>
+      </p:grpSpPr>
+      <p:sp>
+        <p:nvSpPr>
+          <p:cNvPr id="8" name="TextBox 7"/>
+          <p:cNvSpPr txBox="1"/>
+          <p:nvPr/>
+        </p:nvSpPr>
+        <p:spPr>
+          <a:xfrm>
+            <a:off x="1475656" y="263347"/>
+            <a:ext cx="7416824" cy="646331"/>
+          </a:xfrm>
+          <a:prstGeom prst="rect">
+            <a:avLst/>
+          </a:prstGeom>
+          <a:solidFill>
+            <a:schemeClr val="tx2">
+              <a:lumMod val="40000"/>
+              <a:lumOff val="60000"/>
+            </a:schemeClr>
+          </a:solidFill>
+          <a:ln>
+            <a:noFill/>
+          </a:ln>
+        </p:spPr>
+        <p:txBody>
+          <a:bodyPr wrap="square" rtlCol="0">
+            <a:spAutoFit/>
+          </a:bodyPr>
+          <a:lstStyle/>
+          <a:p>
+            <a:pPr algn="ctr"/>
+            <a:endParaRPr lang="ru-RU" sz="3600" b="1" dirty="0">
+              <a:solidFill>
+                <a:schemeClr val="bg1"/>
+              </a:solidFill>
+            </a:endParaRPr>
+          </a:p>
+        </p:txBody>
+      </p:sp>
+      <p:sp>
+        <p:nvSpPr>
+          <p:cNvPr id="4" name="TextBox 3"/>
+          <p:cNvSpPr txBox="1"/>
+          <p:nvPr/>
+        </p:nvSpPr>
+        <p:spPr>
+          <a:xfrm>
+            <a:off x="296294" y="260648"/>
+            <a:ext cx="3115276" cy="646331"/>
+          </a:xfrm>
+          <a:prstGeom prst="rect">
+            <a:avLst/>
+          </a:prstGeom>
+          <a:solidFill>
+            <a:srgbClr val="0070C0"/>
+          </a:solidFill>
+          <a:ln>
+            <a:noFill/>
+          </a:ln>
+        </p:spPr>
+        <p:txBody>
+          <a:bodyPr wrap="none" rtlCol="0">
+            <a:spAutoFit/>
+          </a:bodyPr>
+          <a:lstStyle/>
+          <a:p>
+            <a:r>
+              <a:rPr lang="ru-RU" sz="3600" b="1" dirty="0" smtClean="0">
+                <a:solidFill>
+                  <a:schemeClr val="bg1"/>
+                </a:solidFill>
+              </a:rPr>
+              <a:t>Задача на дом</a:t>
+            </a:r>
+            <a:endParaRPr lang="ru-RU" sz="3600" b="1" dirty="0">
+              <a:solidFill>
+                <a:schemeClr val="bg1"/>
+              </a:solidFill>
+            </a:endParaRPr>
+          </a:p>
+        </p:txBody>
+      </p:sp>
+      <p:sp>
+        <p:nvSpPr>
+          <p:cNvPr id="6" name="TextBox 5"/>
+          <p:cNvSpPr txBox="1"/>
+          <p:nvPr/>
+        </p:nvSpPr>
+        <p:spPr>
+          <a:xfrm>
+            <a:off x="296292" y="1354220"/>
+            <a:ext cx="8522967" cy="2554545"/>
+          </a:xfrm>
+          <a:prstGeom prst="rect">
+            <a:avLst/>
+          </a:prstGeom>
+          <a:noFill/>
+        </p:spPr>
+        <p:txBody>
+          <a:bodyPr wrap="square" rtlCol="0">
+            <a:spAutoFit/>
+          </a:bodyPr>
+          <a:lstStyle/>
+          <a:p>
+            <a:pPr marL="457200" indent="-457200">
+              <a:spcAft>
+                <a:spcPts val="1200"/>
+              </a:spcAft>
+              <a:buClr>
+                <a:srgbClr val="0070C0"/>
+              </a:buClr>
+              <a:buFont typeface="Arial" pitchFamily="34" charset="0"/>
+              <a:buChar char="•"/>
+            </a:pPr>
+            <a:r>
+              <a:rPr lang="ru-RU" sz="2800" dirty="0" smtClean="0"/>
+              <a:t>Написать функцию, которая создает двумерный массив с таблицей умножения</a:t>
+            </a:r>
+          </a:p>
+          <a:p>
+            <a:pPr marL="457200" indent="-457200">
+              <a:spcAft>
+                <a:spcPts val="1200"/>
+              </a:spcAft>
+              <a:buClr>
+                <a:srgbClr val="0070C0"/>
+              </a:buClr>
+              <a:buFont typeface="Arial" pitchFamily="34" charset="0"/>
+              <a:buChar char="•"/>
+            </a:pPr>
+            <a:r>
+              <a:rPr lang="ru-RU" sz="2800" dirty="0" smtClean="0"/>
+              <a:t>Максимальное число таблицы должно быть параметром функции</a:t>
+            </a:r>
+          </a:p>
+          <a:p>
+            <a:pPr marL="457200" indent="-457200">
+              <a:spcAft>
+                <a:spcPts val="1200"/>
+              </a:spcAft>
+              <a:buClr>
+                <a:srgbClr val="0070C0"/>
+              </a:buClr>
+              <a:buFont typeface="Arial" pitchFamily="34" charset="0"/>
+              <a:buChar char="•"/>
+            </a:pPr>
+            <a:r>
+              <a:rPr lang="ru-RU" sz="2800" dirty="0" smtClean="0"/>
+              <a:t>Вызвать функцию и распечатать результат в </a:t>
+            </a:r>
+            <a:r>
+              <a:rPr lang="en-US" sz="2800" dirty="0" smtClean="0"/>
+              <a:t>main</a:t>
+            </a:r>
+            <a:endParaRPr lang="ru-RU" sz="2800" dirty="0"/>
+          </a:p>
+        </p:txBody>
+      </p:sp>
+    </p:spTree>
+    <p:extLst>
+      <p:ext uri="{BB962C8B-B14F-4D97-AF65-F5344CB8AC3E}">
+        <p14:creationId xmlns:p14="http://schemas.microsoft.com/office/powerpoint/2010/main" val="1201476772"/>
+      </p:ext>
+    </p:extLst>
+  </p:cSld>
+  <p:clrMapOvr>
+    <a:masterClrMapping/>
+  </p:clrMapOvr>
+  <p:timing>
+    <p:tnLst>
+      <p:par>
+        <p:cTn id="1" dur="indefinite" restart="never" nodeType="tmRoot"/>
+      </p:par>
+    </p:tnLst>
+  </p:timing>
+</p:sld>
+</file>
+
+<file path=ppt/slides/slide29.xml><?xml version="1.0" encoding="utf-8"?>
+<p:sld xmlns:a="http://schemas.openxmlformats.org/drawingml/2006/main" xmlns:r="http://schemas.openxmlformats.org/officeDocument/2006/relationships" xmlns:p="http://schemas.openxmlformats.org/presentationml/2006/main">
+  <p:cSld>
+    <p:spTree>
+      <p:nvGrpSpPr>
+        <p:cNvPr id="1" name=""/>
+        <p:cNvGrpSpPr/>
+        <p:nvPr/>
+      </p:nvGrpSpPr>
+      <p:grpSpPr>
+        <a:xfrm>
+          <a:off x="0" y="0"/>
+          <a:ext cx="0" cy="0"/>
+          <a:chOff x="0" y="0"/>
+          <a:chExt cx="0" cy="0"/>
+        </a:xfrm>
+      </p:grpSpPr>
+      <p:sp>
+        <p:nvSpPr>
+          <p:cNvPr id="4" name="Заголовок 3"/>
           <p:cNvSpPr>
             <a:spLocks noGrp="1"/>
           </p:cNvSpPr>
@@ -6839,7 +7559,7 @@
       </p:sp>
       <p:sp>
         <p:nvSpPr>
-          <p:cNvPr id="3" name="Объект 2"/>
+          <p:cNvPr id="5" name="Объект 4"/>
           <p:cNvSpPr>
             <a:spLocks noGrp="1"/>
           </p:cNvSpPr>
@@ -6852,212 +7572,7 @@
           <a:bodyPr/>
           <a:lstStyle/>
           <a:p>
-            <a:endParaRPr lang="ru-RU"/>
-          </a:p>
-        </p:txBody>
-      </p:sp>
-      <p:sp>
-        <p:nvSpPr>
-          <p:cNvPr id="4" name="Прямоугольник 3"/>
-          <p:cNvSpPr/>
-          <p:nvPr/>
-        </p:nvSpPr>
-        <p:spPr>
-          <a:xfrm>
-            <a:off x="2286000" y="2690336"/>
-            <a:ext cx="4572000" cy="2862322"/>
-          </a:xfrm>
-          <a:prstGeom prst="rect">
-            <a:avLst/>
-          </a:prstGeom>
-        </p:spPr>
-        <p:txBody>
-          <a:bodyPr>
-            <a:spAutoFit/>
-          </a:bodyPr>
-          <a:lstStyle/>
-          <a:p>
-            <a:pPr algn="ctr"/>
-            <a:r>
-              <a:rPr lang="ru-RU" b="1" dirty="0" smtClean="0">
-                <a:solidFill>
-                  <a:schemeClr val="bg1"/>
-                </a:solidFill>
-              </a:rPr>
-              <a:t>Лекция 2.</a:t>
-            </a:r>
-            <a:br>
-              <a:rPr lang="ru-RU" b="1" dirty="0" smtClean="0">
-                <a:solidFill>
-                  <a:schemeClr val="bg1"/>
-                </a:solidFill>
-              </a:rPr>
-            </a:br>
-            <a:r>
-              <a:rPr lang="ru-RU" b="1" dirty="0" smtClean="0">
-                <a:solidFill>
-                  <a:schemeClr val="bg1"/>
-                </a:solidFill>
-              </a:rPr>
-              <a:t>Лекция 2.</a:t>
-            </a:r>
-            <a:br>
-              <a:rPr lang="ru-RU" b="1" dirty="0" smtClean="0">
-                <a:solidFill>
-                  <a:schemeClr val="bg1"/>
-                </a:solidFill>
-              </a:rPr>
-            </a:br>
-            <a:r>
-              <a:rPr lang="ru-RU" b="1" dirty="0" smtClean="0">
-                <a:solidFill>
-                  <a:schemeClr val="bg1"/>
-                </a:solidFill>
-              </a:rPr>
-              <a:t>Строки. </a:t>
-            </a:r>
-            <a:endParaRPr lang="en-US" b="1" dirty="0" smtClean="0">
-              <a:solidFill>
-                <a:schemeClr val="bg1"/>
-              </a:solidFill>
-            </a:endParaRPr>
-          </a:p>
-          <a:p>
-            <a:pPr algn="ctr"/>
-            <a:r>
-              <a:rPr lang="ru-RU" b="1" dirty="0" smtClean="0">
-                <a:solidFill>
-                  <a:schemeClr val="bg1"/>
-                </a:solidFill>
-              </a:rPr>
-              <a:t>Арифметика. </a:t>
-            </a:r>
-            <a:endParaRPr lang="en-US" b="1" dirty="0" smtClean="0">
-              <a:solidFill>
-                <a:schemeClr val="bg1"/>
-              </a:solidFill>
-            </a:endParaRPr>
-          </a:p>
-          <a:p>
-            <a:pPr algn="ctr"/>
-            <a:r>
-              <a:rPr lang="ru-RU" b="1" dirty="0" smtClean="0">
-                <a:solidFill>
-                  <a:schemeClr val="bg1"/>
-                </a:solidFill>
-              </a:rPr>
-              <a:t>Класс </a:t>
-            </a:r>
-            <a:r>
-              <a:rPr lang="en-US" b="1" dirty="0" smtClean="0">
-                <a:solidFill>
-                  <a:schemeClr val="bg1"/>
-                </a:solidFill>
-              </a:rPr>
-              <a:t>Math</a:t>
-            </a:r>
-            <a:r>
-              <a:rPr lang="ru-RU" b="1" dirty="0" smtClean="0">
-                <a:solidFill>
-                  <a:schemeClr val="bg1"/>
-                </a:solidFill>
-              </a:rPr>
-              <a:t/>
-            </a:r>
-            <a:br>
-              <a:rPr lang="ru-RU" b="1" dirty="0" smtClean="0">
-                <a:solidFill>
-                  <a:schemeClr val="bg1"/>
-                </a:solidFill>
-              </a:rPr>
-            </a:br>
-            <a:r>
-              <a:rPr lang="ru-RU" b="1" dirty="0" smtClean="0">
-                <a:solidFill>
-                  <a:schemeClr val="bg1"/>
-                </a:solidFill>
-              </a:rPr>
-              <a:t>Чтение с консоли</a:t>
-            </a:r>
-          </a:p>
-          <a:p>
-            <a:pPr algn="ctr"/>
-            <a:r>
-              <a:rPr lang="ru-RU" b="1" dirty="0" smtClean="0">
-                <a:solidFill>
-                  <a:schemeClr val="bg1"/>
-                </a:solidFill>
-              </a:rPr>
-              <a:t>Строки. </a:t>
-            </a:r>
-            <a:endParaRPr lang="en-US" b="1" dirty="0" smtClean="0">
-              <a:solidFill>
-                <a:schemeClr val="bg1"/>
-              </a:solidFill>
-            </a:endParaRPr>
-          </a:p>
-          <a:p>
-            <a:pPr algn="ctr"/>
-            <a:r>
-              <a:rPr lang="ru-RU" b="1" dirty="0" smtClean="0">
-                <a:solidFill>
-                  <a:schemeClr val="bg1"/>
-                </a:solidFill>
-              </a:rPr>
-              <a:t>Арифметика. </a:t>
-            </a:r>
-            <a:endParaRPr lang="en-US" b="1" dirty="0" smtClean="0">
-              <a:solidFill>
-                <a:schemeClr val="bg1"/>
-              </a:solidFill>
-            </a:endParaRPr>
-          </a:p>
-          <a:p>
-            <a:pPr algn="ctr"/>
-            <a:r>
-              <a:rPr lang="ru-RU" b="1" dirty="0" smtClean="0">
-                <a:solidFill>
-                  <a:schemeClr val="bg1"/>
-                </a:solidFill>
-              </a:rPr>
-              <a:t>Класс </a:t>
-            </a:r>
-            <a:r>
-              <a:rPr lang="en-US" b="1" dirty="0" smtClean="0">
-                <a:solidFill>
-                  <a:schemeClr val="bg1"/>
-                </a:solidFill>
-              </a:rPr>
-              <a:t>Math</a:t>
-            </a:r>
-            <a:r>
-              <a:rPr lang="ru-RU" b="1" dirty="0" smtClean="0">
-                <a:solidFill>
-                  <a:schemeClr val="bg1"/>
-                </a:solidFill>
-              </a:rPr>
-              <a:t/>
-            </a:r>
-            <a:br>
-              <a:rPr lang="ru-RU" b="1" dirty="0" smtClean="0">
-                <a:solidFill>
-                  <a:schemeClr val="bg1"/>
-                </a:solidFill>
-              </a:rPr>
-            </a:br>
-            <a:r>
-              <a:rPr lang="ru-RU" b="1" dirty="0" smtClean="0">
-                <a:solidFill>
-                  <a:schemeClr val="bg1"/>
-                </a:solidFill>
-              </a:rPr>
-              <a:t>Чтение с консоли</a:t>
-            </a:r>
-            <a:endParaRPr lang="ru-RU" b="1" dirty="0">
-              <a:solidFill>
-                <a:schemeClr val="bg1"/>
-              </a:solidFill>
-            </a:endParaRPr>
+            <a:endParaRPr lang="ru-RU" dirty="0"/>
           </a:p>
         </p:txBody>
       </p:sp>
@@ -7230,6 +7745,279 @@
       </p:par>
     </p:tnLst>
   </p:timing>
+</p:sld>
+</file>
+
+<file path=ppt/slides/slide30.xml><?xml version="1.0" encoding="utf-8"?>
+<p:sld xmlns:a="http://schemas.openxmlformats.org/drawingml/2006/main" xmlns:r="http://schemas.openxmlformats.org/officeDocument/2006/relationships" xmlns:p="http://schemas.openxmlformats.org/presentationml/2006/main">
+  <p:cSld>
+    <p:spTree>
+      <p:nvGrpSpPr>
+        <p:cNvPr id="1" name=""/>
+        <p:cNvGrpSpPr/>
+        <p:nvPr/>
+      </p:nvGrpSpPr>
+      <p:grpSpPr>
+        <a:xfrm>
+          <a:off x="0" y="0"/>
+          <a:ext cx="0" cy="0"/>
+          <a:chOff x="0" y="0"/>
+          <a:chExt cx="0" cy="0"/>
+        </a:xfrm>
+      </p:grpSpPr>
+      <p:sp>
+        <p:nvSpPr>
+          <p:cNvPr id="2" name="Заголовок 1"/>
+          <p:cNvSpPr>
+            <a:spLocks noGrp="1"/>
+          </p:cNvSpPr>
+          <p:nvPr>
+            <p:ph type="title"/>
+          </p:nvPr>
+        </p:nvSpPr>
+        <p:spPr/>
+        <p:txBody>
+          <a:bodyPr/>
+          <a:lstStyle/>
+          <a:p>
+            <a:endParaRPr lang="ru-RU"/>
+          </a:p>
+        </p:txBody>
+      </p:sp>
+      <p:sp>
+        <p:nvSpPr>
+          <p:cNvPr id="3" name="Объект 2"/>
+          <p:cNvSpPr>
+            <a:spLocks noGrp="1"/>
+          </p:cNvSpPr>
+          <p:nvPr>
+            <p:ph idx="1"/>
+          </p:nvPr>
+        </p:nvSpPr>
+        <p:spPr/>
+        <p:txBody>
+          <a:bodyPr/>
+          <a:lstStyle/>
+          <a:p>
+            <a:endParaRPr lang="ru-RU"/>
+          </a:p>
+        </p:txBody>
+      </p:sp>
+      <p:sp>
+        <p:nvSpPr>
+          <p:cNvPr id="4" name="Прямоугольник 3"/>
+          <p:cNvSpPr/>
+          <p:nvPr/>
+        </p:nvSpPr>
+        <p:spPr>
+          <a:xfrm>
+            <a:off x="2286000" y="2690336"/>
+            <a:ext cx="4572000" cy="2862322"/>
+          </a:xfrm>
+          <a:prstGeom prst="rect">
+            <a:avLst/>
+          </a:prstGeom>
+        </p:spPr>
+        <p:txBody>
+          <a:bodyPr>
+            <a:spAutoFit/>
+          </a:bodyPr>
+          <a:lstStyle/>
+          <a:p>
+            <a:pPr algn="ctr"/>
+            <a:r>
+              <a:rPr lang="ru-RU" b="1" dirty="0" smtClean="0">
+                <a:solidFill>
+                  <a:schemeClr val="bg1"/>
+                </a:solidFill>
+              </a:rPr>
+              <a:t>Лекция 2.</a:t>
+            </a:r>
+            <a:br>
+              <a:rPr lang="ru-RU" b="1" dirty="0" smtClean="0">
+                <a:solidFill>
+                  <a:schemeClr val="bg1"/>
+                </a:solidFill>
+              </a:rPr>
+            </a:br>
+            <a:r>
+              <a:rPr lang="ru-RU" b="1" dirty="0" smtClean="0">
+                <a:solidFill>
+                  <a:schemeClr val="bg1"/>
+                </a:solidFill>
+              </a:rPr>
+              <a:t>Лекция 2.</a:t>
+            </a:r>
+            <a:br>
+              <a:rPr lang="ru-RU" b="1" dirty="0" smtClean="0">
+                <a:solidFill>
+                  <a:schemeClr val="bg1"/>
+                </a:solidFill>
+              </a:rPr>
+            </a:br>
+            <a:r>
+              <a:rPr lang="ru-RU" b="1" dirty="0" smtClean="0">
+                <a:solidFill>
+                  <a:schemeClr val="bg1"/>
+                </a:solidFill>
+              </a:rPr>
+              <a:t>Строки. </a:t>
+            </a:r>
+            <a:endParaRPr lang="en-US" b="1" dirty="0" smtClean="0">
+              <a:solidFill>
+                <a:schemeClr val="bg1"/>
+              </a:solidFill>
+            </a:endParaRPr>
+          </a:p>
+          <a:p>
+            <a:pPr algn="ctr"/>
+            <a:r>
+              <a:rPr lang="ru-RU" b="1" dirty="0" smtClean="0">
+                <a:solidFill>
+                  <a:schemeClr val="bg1"/>
+                </a:solidFill>
+              </a:rPr>
+              <a:t>Арифметика. </a:t>
+            </a:r>
+            <a:endParaRPr lang="en-US" b="1" dirty="0" smtClean="0">
+              <a:solidFill>
+                <a:schemeClr val="bg1"/>
+              </a:solidFill>
+            </a:endParaRPr>
+          </a:p>
+          <a:p>
+            <a:pPr algn="ctr"/>
+            <a:r>
+              <a:rPr lang="ru-RU" b="1" dirty="0" smtClean="0">
+                <a:solidFill>
+                  <a:schemeClr val="bg1"/>
+                </a:solidFill>
+              </a:rPr>
+              <a:t>Класс </a:t>
+            </a:r>
+            <a:r>
+              <a:rPr lang="en-US" b="1" dirty="0" smtClean="0">
+                <a:solidFill>
+                  <a:schemeClr val="bg1"/>
+                </a:solidFill>
+              </a:rPr>
+              <a:t>Math</a:t>
+            </a:r>
+            <a:r>
+              <a:rPr lang="ru-RU" b="1" dirty="0" smtClean="0">
+                <a:solidFill>
+                  <a:schemeClr val="bg1"/>
+                </a:solidFill>
+              </a:rPr>
+              <a:t/>
+            </a:r>
+            <a:br>
+              <a:rPr lang="ru-RU" b="1" dirty="0" smtClean="0">
+                <a:solidFill>
+                  <a:schemeClr val="bg1"/>
+                </a:solidFill>
+              </a:rPr>
+            </a:br>
+            <a:r>
+              <a:rPr lang="ru-RU" b="1" dirty="0" smtClean="0">
+                <a:solidFill>
+                  <a:schemeClr val="bg1"/>
+                </a:solidFill>
+              </a:rPr>
+              <a:t>Чтение с консоли</a:t>
+            </a:r>
+          </a:p>
+          <a:p>
+            <a:pPr algn="ctr"/>
+            <a:r>
+              <a:rPr lang="ru-RU" b="1" dirty="0" smtClean="0">
+                <a:solidFill>
+                  <a:schemeClr val="bg1"/>
+                </a:solidFill>
+              </a:rPr>
+              <a:t>Строки. </a:t>
+            </a:r>
+            <a:endParaRPr lang="en-US" b="1" dirty="0" smtClean="0">
+              <a:solidFill>
+                <a:schemeClr val="bg1"/>
+              </a:solidFill>
+            </a:endParaRPr>
+          </a:p>
+          <a:p>
+            <a:pPr algn="ctr"/>
+            <a:r>
+              <a:rPr lang="ru-RU" b="1" dirty="0" smtClean="0">
+                <a:solidFill>
+                  <a:schemeClr val="bg1"/>
+                </a:solidFill>
+              </a:rPr>
+              <a:t>Арифметика. </a:t>
+            </a:r>
+            <a:endParaRPr lang="en-US" b="1" dirty="0" smtClean="0">
+              <a:solidFill>
+                <a:schemeClr val="bg1"/>
+              </a:solidFill>
+            </a:endParaRPr>
+          </a:p>
+          <a:p>
+            <a:pPr algn="ctr"/>
+            <a:r>
+              <a:rPr lang="ru-RU" b="1" dirty="0" smtClean="0">
+                <a:solidFill>
+                  <a:schemeClr val="bg1"/>
+                </a:solidFill>
+              </a:rPr>
+              <a:t>Класс </a:t>
+            </a:r>
+            <a:r>
+              <a:rPr lang="en-US" b="1" dirty="0" smtClean="0">
+                <a:solidFill>
+                  <a:schemeClr val="bg1"/>
+                </a:solidFill>
+              </a:rPr>
+              <a:t>Math</a:t>
+            </a:r>
+            <a:r>
+              <a:rPr lang="ru-RU" b="1" dirty="0" smtClean="0">
+                <a:solidFill>
+                  <a:schemeClr val="bg1"/>
+                </a:solidFill>
+              </a:rPr>
+              <a:t/>
+            </a:r>
+            <a:br>
+              <a:rPr lang="ru-RU" b="1" dirty="0" smtClean="0">
+                <a:solidFill>
+                  <a:schemeClr val="bg1"/>
+                </a:solidFill>
+              </a:rPr>
+            </a:br>
+            <a:r>
+              <a:rPr lang="ru-RU" b="1" dirty="0" smtClean="0">
+                <a:solidFill>
+                  <a:schemeClr val="bg1"/>
+                </a:solidFill>
+              </a:rPr>
+              <a:t>Чтение с консоли</a:t>
+            </a:r>
+            <a:endParaRPr lang="ru-RU" b="1" dirty="0">
+              <a:solidFill>
+                <a:schemeClr val="bg1"/>
+              </a:solidFill>
+            </a:endParaRPr>
+          </a:p>
+        </p:txBody>
+      </p:sp>
+    </p:spTree>
+    <p:extLst>
+      <p:ext uri="{BB962C8B-B14F-4D97-AF65-F5344CB8AC3E}">
+        <p14:creationId xmlns:p14="http://schemas.microsoft.com/office/powerpoint/2010/main" val="3619104847"/>
+      </p:ext>
+    </p:extLst>
+  </p:cSld>
+  <p:clrMapOvr>
+    <a:masterClrMapping/>
+  </p:clrMapOvr>
 </p:sld>
 </file>
 

--- a/src/home/home_work.pptx
+++ b/src/home/home_work.pptx
@@ -33,8 +33,9 @@
     <p:sldId id="285" r:id="rId27"/>
     <p:sldId id="286" r:id="rId28"/>
     <p:sldId id="287" r:id="rId29"/>
-    <p:sldId id="260" r:id="rId30"/>
-    <p:sldId id="261" r:id="rId31"/>
+    <p:sldId id="288" r:id="rId30"/>
+    <p:sldId id="260" r:id="rId31"/>
+    <p:sldId id="261" r:id="rId32"/>
   </p:sldIdLst>
   <p:sldSz cx="9144000" cy="6858000" type="screen4x3"/>
   <p:notesSz cx="6858000" cy="9144000"/>
@@ -7540,52 +7541,95 @@
       </p:grpSpPr>
       <p:sp>
         <p:nvSpPr>
-          <p:cNvPr id="4" name="Заголовок 3"/>
-          <p:cNvSpPr>
-            <a:spLocks noGrp="1"/>
-          </p:cNvSpPr>
-          <p:nvPr>
-            <p:ph type="title"/>
-          </p:nvPr>
-        </p:nvSpPr>
-        <p:spPr/>
-        <p:txBody>
-          <a:bodyPr/>
-          <a:lstStyle/>
-          <a:p>
-            <a:endParaRPr lang="ru-RU"/>
-          </a:p>
-        </p:txBody>
-      </p:sp>
-      <p:sp>
-        <p:nvSpPr>
-          <p:cNvPr id="5" name="Объект 4"/>
-          <p:cNvSpPr>
-            <a:spLocks noGrp="1"/>
-          </p:cNvSpPr>
-          <p:nvPr>
-            <p:ph idx="1"/>
-          </p:nvPr>
-        </p:nvSpPr>
-        <p:spPr/>
-        <p:txBody>
-          <a:bodyPr/>
-          <a:lstStyle/>
-          <a:p>
-            <a:endParaRPr lang="ru-RU" dirty="0"/>
+          <p:cNvPr id="4" name="TextBox 3"/>
+          <p:cNvSpPr txBox="1"/>
+          <p:nvPr/>
+        </p:nvSpPr>
+        <p:spPr>
+          <a:xfrm>
+            <a:off x="2729379" y="2132856"/>
+            <a:ext cx="3663182" cy="1754326"/>
+          </a:xfrm>
+          <a:prstGeom prst="rect">
+            <a:avLst/>
+          </a:prstGeom>
+          <a:solidFill>
+            <a:srgbClr val="0070C0"/>
+          </a:solidFill>
+          <a:ln>
+            <a:noFill/>
+          </a:ln>
+        </p:spPr>
+        <p:txBody>
+          <a:bodyPr wrap="none" rtlCol="0">
+            <a:spAutoFit/>
+          </a:bodyPr>
+          <a:lstStyle/>
+          <a:p>
+            <a:pPr algn="ctr"/>
+            <a:r>
+              <a:rPr lang="ru-RU" sz="3600" b="1" dirty="0" smtClean="0">
+                <a:solidFill>
+                  <a:schemeClr val="bg1"/>
+                </a:solidFill>
+              </a:rPr>
+              <a:t>Лекция 12.</a:t>
+            </a:r>
+            <a:br>
+              <a:rPr lang="ru-RU" sz="3600" b="1" dirty="0" smtClean="0">
+                <a:solidFill>
+                  <a:schemeClr val="bg1"/>
+                </a:solidFill>
+              </a:rPr>
+            </a:br>
+            <a:r>
+              <a:rPr lang="ru-RU" sz="3600" b="1" dirty="0" smtClean="0">
+                <a:solidFill>
+                  <a:schemeClr val="bg1"/>
+                </a:solidFill>
+              </a:rPr>
+              <a:t>Рекурсия. </a:t>
+            </a:r>
+            <a:br>
+              <a:rPr lang="ru-RU" sz="3600" b="1" dirty="0" smtClean="0">
+                <a:solidFill>
+                  <a:schemeClr val="bg1"/>
+                </a:solidFill>
+              </a:rPr>
+            </a:br>
+            <a:r>
+              <a:rPr lang="ru-RU" sz="3600" b="1" dirty="0" smtClean="0">
+                <a:solidFill>
+                  <a:schemeClr val="bg1"/>
+                </a:solidFill>
+              </a:rPr>
+              <a:t>Бинарный поиск</a:t>
+            </a:r>
+            <a:endParaRPr lang="ru-RU" sz="3600" b="1" dirty="0">
+              <a:solidFill>
+                <a:schemeClr val="bg1"/>
+              </a:solidFill>
+            </a:endParaRPr>
           </a:p>
         </p:txBody>
       </p:sp>
     </p:spTree>
     <p:extLst>
       <p:ext uri="{BB962C8B-B14F-4D97-AF65-F5344CB8AC3E}">
-        <p14:creationId xmlns:p14="http://schemas.microsoft.com/office/powerpoint/2010/main" val="3619104847"/>
+        <p14:creationId xmlns:p14="http://schemas.microsoft.com/office/powerpoint/2010/main" val="4113406148"/>
       </p:ext>
     </p:extLst>
   </p:cSld>
   <p:clrMapOvr>
     <a:masterClrMapping/>
   </p:clrMapOvr>
+  <p:timing>
+    <p:tnLst>
+      <p:par>
+        <p:cTn id="1" dur="indefinite" restart="never" nodeType="tmRoot"/>
+      </p:par>
+    </p:tnLst>
+  </p:timing>
 </p:sld>
 </file>
 
@@ -7749,6 +7793,74 @@
 </file>
 
 <file path=ppt/slides/slide30.xml><?xml version="1.0" encoding="utf-8"?>
+<p:sld xmlns:a="http://schemas.openxmlformats.org/drawingml/2006/main" xmlns:r="http://schemas.openxmlformats.org/officeDocument/2006/relationships" xmlns:p="http://schemas.openxmlformats.org/presentationml/2006/main">
+  <p:cSld>
+    <p:spTree>
+      <p:nvGrpSpPr>
+        <p:cNvPr id="1" name=""/>
+        <p:cNvGrpSpPr/>
+        <p:nvPr/>
+      </p:nvGrpSpPr>
+      <p:grpSpPr>
+        <a:xfrm>
+          <a:off x="0" y="0"/>
+          <a:ext cx="0" cy="0"/>
+          <a:chOff x="0" y="0"/>
+          <a:chExt cx="0" cy="0"/>
+        </a:xfrm>
+      </p:grpSpPr>
+      <p:sp>
+        <p:nvSpPr>
+          <p:cNvPr id="4" name="Заголовок 3"/>
+          <p:cNvSpPr>
+            <a:spLocks noGrp="1"/>
+          </p:cNvSpPr>
+          <p:nvPr>
+            <p:ph type="title"/>
+          </p:nvPr>
+        </p:nvSpPr>
+        <p:spPr/>
+        <p:txBody>
+          <a:bodyPr/>
+          <a:lstStyle/>
+          <a:p>
+            <a:endParaRPr lang="ru-RU"/>
+          </a:p>
+        </p:txBody>
+      </p:sp>
+      <p:sp>
+        <p:nvSpPr>
+          <p:cNvPr id="5" name="Объект 4"/>
+          <p:cNvSpPr>
+            <a:spLocks noGrp="1"/>
+          </p:cNvSpPr>
+          <p:nvPr>
+            <p:ph idx="1"/>
+          </p:nvPr>
+        </p:nvSpPr>
+        <p:spPr/>
+        <p:txBody>
+          <a:bodyPr/>
+          <a:lstStyle/>
+          <a:p>
+            <a:endParaRPr lang="ru-RU" dirty="0"/>
+          </a:p>
+        </p:txBody>
+      </p:sp>
+    </p:spTree>
+    <p:extLst>
+      <p:ext uri="{BB962C8B-B14F-4D97-AF65-F5344CB8AC3E}">
+        <p14:creationId xmlns:p14="http://schemas.microsoft.com/office/powerpoint/2010/main" val="3619104847"/>
+      </p:ext>
+    </p:extLst>
+  </p:cSld>
+  <p:clrMapOvr>
+    <a:masterClrMapping/>
+  </p:clrMapOvr>
+</p:sld>
+</file>
+
+<file path=ppt/slides/slide31.xml><?xml version="1.0" encoding="utf-8"?>
 <p:sld xmlns:a="http://schemas.openxmlformats.org/drawingml/2006/main" xmlns:r="http://schemas.openxmlformats.org/officeDocument/2006/relationships" xmlns:p="http://schemas.openxmlformats.org/presentationml/2006/main">
   <p:cSld>
     <p:spTree>

--- a/src/home/home_work.pptx
+++ b/src/home/home_work.pptx
@@ -34,8 +34,9 @@
     <p:sldId id="286" r:id="rId28"/>
     <p:sldId id="287" r:id="rId29"/>
     <p:sldId id="288" r:id="rId30"/>
-    <p:sldId id="260" r:id="rId31"/>
-    <p:sldId id="261" r:id="rId32"/>
+    <p:sldId id="289" r:id="rId31"/>
+    <p:sldId id="260" r:id="rId32"/>
+    <p:sldId id="261" r:id="rId33"/>
   </p:sldIdLst>
   <p:sldSz cx="9144000" cy="6858000" type="screen4x3"/>
   <p:notesSz cx="6858000" cy="9144000"/>
@@ -7811,6 +7812,110 @@
       </p:grpSpPr>
       <p:sp>
         <p:nvSpPr>
+          <p:cNvPr id="4" name="TextBox 3"/>
+          <p:cNvSpPr txBox="1"/>
+          <p:nvPr/>
+        </p:nvSpPr>
+        <p:spPr>
+          <a:xfrm>
+            <a:off x="3276003" y="2132856"/>
+            <a:ext cx="2569934" cy="1200329"/>
+          </a:xfrm>
+          <a:prstGeom prst="rect">
+            <a:avLst/>
+          </a:prstGeom>
+          <a:solidFill>
+            <a:srgbClr val="0070C0"/>
+          </a:solidFill>
+          <a:ln>
+            <a:noFill/>
+          </a:ln>
+        </p:spPr>
+        <p:txBody>
+          <a:bodyPr wrap="none" rtlCol="0">
+            <a:spAutoFit/>
+          </a:bodyPr>
+          <a:lstStyle/>
+          <a:p>
+            <a:pPr algn="ctr"/>
+            <a:r>
+              <a:rPr lang="ru-RU" sz="3600" b="1" smtClean="0">
+                <a:solidFill>
+                  <a:schemeClr val="bg1"/>
+                </a:solidFill>
+              </a:rPr>
+              <a:t>Лекция 13.</a:t>
+            </a:r>
+            <a:r>
+              <a:rPr lang="ru-RU" sz="3600" b="1" dirty="0" smtClean="0">
+                <a:solidFill>
+                  <a:schemeClr val="bg1"/>
+                </a:solidFill>
+              </a:rPr>
+              <a:t/>
+            </a:r>
+            <a:br>
+              <a:rPr lang="ru-RU" sz="3600" b="1" dirty="0" smtClean="0">
+                <a:solidFill>
+                  <a:schemeClr val="bg1"/>
+                </a:solidFill>
+              </a:rPr>
+            </a:br>
+            <a:r>
+              <a:rPr lang="ru-RU" sz="3600" b="1" dirty="0" smtClean="0">
+                <a:solidFill>
+                  <a:schemeClr val="bg1"/>
+                </a:solidFill>
+              </a:rPr>
+              <a:t>Сортировки</a:t>
+            </a:r>
+            <a:endParaRPr lang="ru-RU" sz="3600" b="1" dirty="0">
+              <a:solidFill>
+                <a:schemeClr val="bg1"/>
+              </a:solidFill>
+            </a:endParaRPr>
+          </a:p>
+        </p:txBody>
+      </p:sp>
+    </p:spTree>
+    <p:extLst>
+      <p:ext uri="{BB962C8B-B14F-4D97-AF65-F5344CB8AC3E}">
+        <p14:creationId xmlns:p14="http://schemas.microsoft.com/office/powerpoint/2010/main" val="404132712"/>
+      </p:ext>
+    </p:extLst>
+  </p:cSld>
+  <p:clrMapOvr>
+    <a:masterClrMapping/>
+  </p:clrMapOvr>
+  <p:timing>
+    <p:tnLst>
+      <p:par>
+        <p:cTn id="1" dur="indefinite" restart="never" nodeType="tmRoot"/>
+      </p:par>
+    </p:tnLst>
+  </p:timing>
+</p:sld>
+</file>
+
+<file path=ppt/slides/slide31.xml><?xml version="1.0" encoding="utf-8"?>
+<p:sld xmlns:a="http://schemas.openxmlformats.org/drawingml/2006/main" xmlns:r="http://schemas.openxmlformats.org/officeDocument/2006/relationships" xmlns:p="http://schemas.openxmlformats.org/presentationml/2006/main">
+  <p:cSld>
+    <p:spTree>
+      <p:nvGrpSpPr>
+        <p:cNvPr id="1" name=""/>
+        <p:cNvGrpSpPr/>
+        <p:nvPr/>
+      </p:nvGrpSpPr>
+      <p:grpSpPr>
+        <a:xfrm>
+          <a:off x="0" y="0"/>
+          <a:ext cx="0" cy="0"/>
+          <a:chOff x="0" y="0"/>
+          <a:chExt cx="0" cy="0"/>
+        </a:xfrm>
+      </p:grpSpPr>
+      <p:sp>
+        <p:nvSpPr>
           <p:cNvPr id="4" name="Заголовок 3"/>
           <p:cNvSpPr>
             <a:spLocks noGrp="1"/>
@@ -7860,7 +7965,7 @@
 </p:sld>
 </file>
 
-<file path=ppt/slides/slide31.xml><?xml version="1.0" encoding="utf-8"?>
+<file path=ppt/slides/slide32.xml><?xml version="1.0" encoding="utf-8"?>
 <p:sld xmlns:a="http://schemas.openxmlformats.org/drawingml/2006/main" xmlns:r="http://schemas.openxmlformats.org/officeDocument/2006/relationships" xmlns:p="http://schemas.openxmlformats.org/presentationml/2006/main">
   <p:cSld>
     <p:spTree>
